--- a/explainable _recsys.pptx
+++ b/explainable _recsys.pptx
@@ -5,7 +5,7 @@
     <p:sldMasterId id="2147483648" r:id="rId1"/>
   </p:sldMasterIdLst>
   <p:notesMasterIdLst>
-    <p:notesMasterId r:id="rId20"/>
+    <p:notesMasterId r:id="rId27"/>
   </p:notesMasterIdLst>
   <p:sldIdLst>
     <p:sldId id="256" r:id="rId2"/>
@@ -23,9 +23,16 @@
     <p:sldId id="272" r:id="rId14"/>
     <p:sldId id="273" r:id="rId15"/>
     <p:sldId id="260" r:id="rId16"/>
-    <p:sldId id="261" r:id="rId17"/>
-    <p:sldId id="262" r:id="rId18"/>
-    <p:sldId id="263" r:id="rId19"/>
+    <p:sldId id="274" r:id="rId17"/>
+    <p:sldId id="275" r:id="rId18"/>
+    <p:sldId id="276" r:id="rId19"/>
+    <p:sldId id="277" r:id="rId20"/>
+    <p:sldId id="278" r:id="rId21"/>
+    <p:sldId id="280" r:id="rId22"/>
+    <p:sldId id="279" r:id="rId23"/>
+    <p:sldId id="261" r:id="rId24"/>
+    <p:sldId id="262" r:id="rId25"/>
+    <p:sldId id="263" r:id="rId26"/>
   </p:sldIdLst>
   <p:sldSz cx="12192000" cy="6858000"/>
   <p:notesSz cx="6858000" cy="9144000"/>
@@ -144,6 +151,13 @@
             <p14:sldId id="272"/>
             <p14:sldId id="273"/>
             <p14:sldId id="260"/>
+            <p14:sldId id="274"/>
+            <p14:sldId id="275"/>
+            <p14:sldId id="276"/>
+            <p14:sldId id="277"/>
+            <p14:sldId id="278"/>
+            <p14:sldId id="280"/>
+            <p14:sldId id="279"/>
             <p14:sldId id="261"/>
             <p14:sldId id="262"/>
             <p14:sldId id="263"/>
@@ -240,7 +254,7 @@
           <a:p>
             <a:fld id="{497385F6-06E1-4310-A5FA-B1DD020A2696}" type="datetimeFigureOut">
               <a:rPr lang="zh-CN" altLang="en-US" smtClean="0"/>
-              <a:t>2023/11/19</a:t>
+              <a:t>2023/11/20</a:t>
             </a:fld>
             <a:endParaRPr lang="zh-CN" altLang="en-US"/>
           </a:p>
@@ -1631,6 +1645,885 @@
 </p:notes>
 </file>
 
+<file path=ppt/notesSlides/notesSlide14.xml><?xml version="1.0" encoding="utf-8"?>
+<p:notes xmlns:a="http://schemas.openxmlformats.org/drawingml/2006/main" xmlns:r="http://schemas.openxmlformats.org/officeDocument/2006/relationships" xmlns:p="http://schemas.openxmlformats.org/presentationml/2006/main">
+  <p:cSld>
+    <p:spTree>
+      <p:nvGrpSpPr>
+        <p:cNvPr id="1" name=""/>
+        <p:cNvGrpSpPr/>
+        <p:nvPr/>
+      </p:nvGrpSpPr>
+      <p:grpSpPr>
+        <a:xfrm>
+          <a:off x="0" y="0"/>
+          <a:ext cx="0" cy="0"/>
+          <a:chOff x="0" y="0"/>
+          <a:chExt cx="0" cy="0"/>
+        </a:xfrm>
+      </p:grpSpPr>
+      <p:sp>
+        <p:nvSpPr>
+          <p:cNvPr id="2" name="幻灯片图像占位符 1"/>
+          <p:cNvSpPr>
+            <a:spLocks noGrp="1" noRot="1" noChangeAspect="1"/>
+          </p:cNvSpPr>
+          <p:nvPr>
+            <p:ph type="sldImg"/>
+          </p:nvPr>
+        </p:nvSpPr>
+        <p:spPr/>
+      </p:sp>
+      <p:sp>
+        <p:nvSpPr>
+          <p:cNvPr id="3" name="备注占位符 2"/>
+          <p:cNvSpPr>
+            <a:spLocks noGrp="1"/>
+          </p:cNvSpPr>
+          <p:nvPr>
+            <p:ph type="body" idx="1"/>
+          </p:nvPr>
+        </p:nvSpPr>
+        <p:spPr/>
+        <p:txBody>
+          <a:bodyPr/>
+          <a:lstStyle/>
+          <a:p>
+            <a:r>
+              <a:rPr lang="zh-CN" altLang="en-US" dirty="0"/>
+              <a:t>这篇论文和我的毕设题目最接近，序列推荐中的可解释表征研究。整个模型可以分为</a:t>
+            </a:r>
+            <a:r>
+              <a:rPr lang="en-US" altLang="zh-CN" dirty="0"/>
+              <a:t>6</a:t>
+            </a:r>
+            <a:r>
+              <a:rPr lang="zh-CN" altLang="en-US" dirty="0"/>
+              <a:t>个模块，第一个模块和</a:t>
+            </a:r>
+            <a:r>
+              <a:rPr lang="en-US" altLang="zh-CN" dirty="0"/>
+              <a:t>KR-GCN</a:t>
+            </a:r>
+            <a:r>
+              <a:rPr lang="zh-CN" altLang="en-US" dirty="0"/>
+              <a:t>一样是获得</a:t>
+            </a:r>
+            <a:r>
+              <a:rPr lang="en-US" altLang="zh-CN" dirty="0"/>
+              <a:t>embedding</a:t>
+            </a:r>
+            <a:r>
+              <a:rPr lang="zh-CN" altLang="en-US" dirty="0"/>
+              <a:t>表示。这里在</a:t>
+            </a:r>
+            <a:r>
+              <a:rPr lang="en-US" altLang="zh-CN" dirty="0"/>
+              <a:t>user-item interaction</a:t>
+            </a:r>
+            <a:r>
+              <a:rPr lang="zh-CN" altLang="en-US" dirty="0"/>
+              <a:t>上进行随机游走获得</a:t>
+            </a:r>
+            <a:r>
+              <a:rPr lang="en-US" altLang="zh-CN" dirty="0" err="1"/>
+              <a:t>embdding</a:t>
+            </a:r>
+            <a:r>
+              <a:rPr lang="zh-CN" altLang="en-US" dirty="0"/>
+              <a:t>。论文里又说他们尝试用了</a:t>
+            </a:r>
+            <a:r>
+              <a:rPr lang="en-US" altLang="zh-CN" dirty="0" err="1"/>
+              <a:t>GraphSage</a:t>
+            </a:r>
+            <a:r>
+              <a:rPr lang="zh-CN" altLang="en-US" dirty="0"/>
+              <a:t>和</a:t>
+            </a:r>
+            <a:r>
+              <a:rPr lang="en-US" altLang="zh-CN" dirty="0"/>
+              <a:t>GAT</a:t>
+            </a:r>
+            <a:r>
+              <a:rPr lang="zh-CN" altLang="en-US" dirty="0"/>
+              <a:t>等</a:t>
+            </a:r>
+            <a:r>
+              <a:rPr lang="en-US" altLang="zh-CN" dirty="0"/>
+              <a:t>GCN</a:t>
+            </a:r>
+            <a:r>
+              <a:rPr lang="zh-CN" altLang="en-US" dirty="0"/>
+              <a:t>的方法，但是效果都没有</a:t>
+            </a:r>
+            <a:r>
+              <a:rPr lang="en-US" altLang="zh-CN" dirty="0" err="1"/>
+              <a:t>DeepWalk</a:t>
+            </a:r>
+            <a:r>
+              <a:rPr lang="zh-CN" altLang="en-US" dirty="0"/>
+              <a:t>好，这里我觉得是有可以改进的地方的。</a:t>
+            </a:r>
+            <a:endParaRPr lang="en-US" altLang="zh-CN" dirty="0"/>
+          </a:p>
+        </p:txBody>
+      </p:sp>
+      <p:sp>
+        <p:nvSpPr>
+          <p:cNvPr id="4" name="灯片编号占位符 3"/>
+          <p:cNvSpPr>
+            <a:spLocks noGrp="1"/>
+          </p:cNvSpPr>
+          <p:nvPr>
+            <p:ph type="sldNum" sz="quarter" idx="5"/>
+          </p:nvPr>
+        </p:nvSpPr>
+        <p:spPr/>
+        <p:txBody>
+          <a:bodyPr/>
+          <a:lstStyle/>
+          <a:p>
+            <a:fld id="{0D85C1A0-615C-4B69-8C21-01CD0E1B6527}" type="slidenum">
+              <a:rPr lang="zh-CN" altLang="en-US" smtClean="0"/>
+              <a:t>15</a:t>
+            </a:fld>
+            <a:endParaRPr lang="zh-CN" altLang="en-US"/>
+          </a:p>
+        </p:txBody>
+      </p:sp>
+    </p:spTree>
+    <p:extLst>
+      <p:ext uri="{BB962C8B-B14F-4D97-AF65-F5344CB8AC3E}">
+        <p14:creationId xmlns:p14="http://schemas.microsoft.com/office/powerpoint/2010/main" val="2709282552"/>
+      </p:ext>
+    </p:extLst>
+  </p:cSld>
+  <p:clrMapOvr>
+    <a:masterClrMapping/>
+  </p:clrMapOvr>
+</p:notes>
+</file>
+
+<file path=ppt/notesSlides/notesSlide15.xml><?xml version="1.0" encoding="utf-8"?>
+<p:notes xmlns:a="http://schemas.openxmlformats.org/drawingml/2006/main" xmlns:r="http://schemas.openxmlformats.org/officeDocument/2006/relationships" xmlns:p="http://schemas.openxmlformats.org/presentationml/2006/main">
+  <p:cSld>
+    <p:spTree>
+      <p:nvGrpSpPr>
+        <p:cNvPr id="1" name=""/>
+        <p:cNvGrpSpPr/>
+        <p:nvPr/>
+      </p:nvGrpSpPr>
+      <p:grpSpPr>
+        <a:xfrm>
+          <a:off x="0" y="0"/>
+          <a:ext cx="0" cy="0"/>
+          <a:chOff x="0" y="0"/>
+          <a:chExt cx="0" cy="0"/>
+        </a:xfrm>
+      </p:grpSpPr>
+      <p:sp>
+        <p:nvSpPr>
+          <p:cNvPr id="2" name="幻灯片图像占位符 1"/>
+          <p:cNvSpPr>
+            <a:spLocks noGrp="1" noRot="1" noChangeAspect="1"/>
+          </p:cNvSpPr>
+          <p:nvPr>
+            <p:ph type="sldImg"/>
+          </p:nvPr>
+        </p:nvSpPr>
+        <p:spPr/>
+      </p:sp>
+      <p:sp>
+        <p:nvSpPr>
+          <p:cNvPr id="3" name="备注占位符 2"/>
+          <p:cNvSpPr>
+            <a:spLocks noGrp="1"/>
+          </p:cNvSpPr>
+          <p:nvPr>
+            <p:ph type="body" idx="1"/>
+          </p:nvPr>
+        </p:nvSpPr>
+        <p:spPr/>
+        <p:txBody>
+          <a:bodyPr/>
+          <a:lstStyle/>
+          <a:p>
+            <a:r>
+              <a:rPr lang="zh-CN" altLang="en-US" dirty="0"/>
+              <a:t>第二部就是采样路径了，这里采样的路径是</a:t>
+            </a:r>
+            <a:r>
+              <a:rPr lang="en-US" altLang="zh-CN" dirty="0"/>
+              <a:t>meta-path</a:t>
+            </a:r>
+            <a:r>
+              <a:rPr lang="zh-CN" altLang="en-US" dirty="0"/>
+              <a:t>。与以往不同的是，除了</a:t>
+            </a:r>
+            <a:r>
+              <a:rPr lang="en-US" altLang="zh-CN" dirty="0"/>
+              <a:t>sample user-item meta-path</a:t>
+            </a:r>
+            <a:r>
+              <a:rPr lang="zh-CN" altLang="en-US" dirty="0"/>
+              <a:t>还</a:t>
+            </a:r>
+            <a:r>
+              <a:rPr lang="en-US" altLang="zh-CN" dirty="0"/>
+              <a:t>sample</a:t>
+            </a:r>
+            <a:r>
+              <a:rPr lang="zh-CN" altLang="en-US" dirty="0"/>
+              <a:t>了</a:t>
+            </a:r>
+            <a:r>
+              <a:rPr lang="en-US" altLang="zh-CN" dirty="0"/>
+              <a:t>item-item meta-path</a:t>
+            </a:r>
+            <a:r>
+              <a:rPr lang="zh-CN" altLang="en-US" dirty="0"/>
+              <a:t>，这个</a:t>
+            </a:r>
+            <a:r>
+              <a:rPr lang="en-US" altLang="zh-CN" dirty="0"/>
+              <a:t>item-item meta-path</a:t>
+            </a:r>
+            <a:r>
+              <a:rPr lang="zh-CN" altLang="en-US" dirty="0"/>
+              <a:t>就是用来解决</a:t>
+            </a:r>
+            <a:r>
+              <a:rPr lang="en-US" altLang="zh-CN" dirty="0"/>
+              <a:t>sequential modelling</a:t>
+            </a:r>
+            <a:r>
+              <a:rPr lang="zh-CN" altLang="en-US" dirty="0"/>
+              <a:t>的，很关键。还有一种考虑序列的做法，就是将原本的</a:t>
+            </a:r>
+            <a:r>
+              <a:rPr lang="en-US" altLang="zh-CN" dirty="0"/>
+              <a:t>user-item interaction graph</a:t>
+            </a:r>
+            <a:r>
+              <a:rPr lang="zh-CN" altLang="en-US" dirty="0"/>
+              <a:t>分割成多个</a:t>
+            </a:r>
+            <a:r>
+              <a:rPr lang="en-US" altLang="zh-CN" dirty="0"/>
+              <a:t>sub-graph</a:t>
+            </a:r>
+            <a:r>
+              <a:rPr lang="zh-CN" altLang="en-US" dirty="0"/>
+              <a:t>，但这样效果应该不会太好。因为有些原本有关系的节点在被分割后变成没关系了，造成了</a:t>
+            </a:r>
+            <a:r>
+              <a:rPr lang="en-US" altLang="zh-CN" dirty="0" err="1"/>
+              <a:t>collabrative</a:t>
+            </a:r>
+            <a:r>
+              <a:rPr lang="en-US" altLang="zh-CN" dirty="0"/>
+              <a:t> signal loss</a:t>
+            </a:r>
+            <a:r>
+              <a:rPr lang="zh-CN" altLang="en-US" dirty="0"/>
+              <a:t>。采样完后把</a:t>
+            </a:r>
+            <a:r>
+              <a:rPr lang="en-US" altLang="zh-CN" dirty="0"/>
+              <a:t>path</a:t>
+            </a:r>
+            <a:r>
+              <a:rPr lang="zh-CN" altLang="en-US" dirty="0"/>
+              <a:t>当作</a:t>
+            </a:r>
+            <a:r>
+              <a:rPr lang="en-US" altLang="zh-CN" dirty="0"/>
+              <a:t>sentence</a:t>
+            </a:r>
+            <a:r>
+              <a:rPr lang="zh-CN" altLang="en-US" dirty="0"/>
+              <a:t>，</a:t>
+            </a:r>
+            <a:r>
+              <a:rPr lang="en-US" altLang="zh-CN" dirty="0"/>
+              <a:t>entity</a:t>
+            </a:r>
+            <a:r>
+              <a:rPr lang="zh-CN" altLang="en-US" dirty="0"/>
+              <a:t>当作</a:t>
+            </a:r>
+            <a:r>
+              <a:rPr lang="en-US" altLang="zh-CN" dirty="0"/>
+              <a:t>token</a:t>
+            </a:r>
+            <a:r>
+              <a:rPr lang="zh-CN" altLang="en-US" dirty="0"/>
+              <a:t>，使用</a:t>
+            </a:r>
+            <a:r>
+              <a:rPr lang="en-US" altLang="zh-CN" dirty="0"/>
+              <a:t>word2vec</a:t>
+            </a:r>
+            <a:r>
+              <a:rPr lang="zh-CN" altLang="en-US" dirty="0"/>
+              <a:t>和</a:t>
+            </a:r>
+            <a:r>
+              <a:rPr lang="en-US" altLang="zh-CN" dirty="0"/>
+              <a:t>mean</a:t>
+            </a:r>
+            <a:r>
+              <a:rPr lang="zh-CN" altLang="en-US" dirty="0"/>
+              <a:t>获取</a:t>
+            </a:r>
+            <a:r>
+              <a:rPr lang="en-US" altLang="zh-CN" dirty="0"/>
+              <a:t>embedding</a:t>
+            </a:r>
+          </a:p>
+        </p:txBody>
+      </p:sp>
+      <p:sp>
+        <p:nvSpPr>
+          <p:cNvPr id="4" name="灯片编号占位符 3"/>
+          <p:cNvSpPr>
+            <a:spLocks noGrp="1"/>
+          </p:cNvSpPr>
+          <p:nvPr>
+            <p:ph type="sldNum" sz="quarter" idx="5"/>
+          </p:nvPr>
+        </p:nvSpPr>
+        <p:spPr/>
+        <p:txBody>
+          <a:bodyPr/>
+          <a:lstStyle/>
+          <a:p>
+            <a:fld id="{0D85C1A0-615C-4B69-8C21-01CD0E1B6527}" type="slidenum">
+              <a:rPr lang="zh-CN" altLang="en-US" smtClean="0"/>
+              <a:t>16</a:t>
+            </a:fld>
+            <a:endParaRPr lang="zh-CN" altLang="en-US"/>
+          </a:p>
+        </p:txBody>
+      </p:sp>
+    </p:spTree>
+    <p:extLst>
+      <p:ext uri="{BB962C8B-B14F-4D97-AF65-F5344CB8AC3E}">
+        <p14:creationId xmlns:p14="http://schemas.microsoft.com/office/powerpoint/2010/main" val="2695712490"/>
+      </p:ext>
+    </p:extLst>
+  </p:cSld>
+  <p:clrMapOvr>
+    <a:masterClrMapping/>
+  </p:clrMapOvr>
+</p:notes>
+</file>
+
+<file path=ppt/notesSlides/notesSlide16.xml><?xml version="1.0" encoding="utf-8"?>
+<p:notes xmlns:a="http://schemas.openxmlformats.org/drawingml/2006/main" xmlns:r="http://schemas.openxmlformats.org/officeDocument/2006/relationships" xmlns:p="http://schemas.openxmlformats.org/presentationml/2006/main">
+  <p:cSld>
+    <p:spTree>
+      <p:nvGrpSpPr>
+        <p:cNvPr id="1" name=""/>
+        <p:cNvGrpSpPr/>
+        <p:nvPr/>
+      </p:nvGrpSpPr>
+      <p:grpSpPr>
+        <a:xfrm>
+          <a:off x="0" y="0"/>
+          <a:ext cx="0" cy="0"/>
+          <a:chOff x="0" y="0"/>
+          <a:chExt cx="0" cy="0"/>
+        </a:xfrm>
+      </p:grpSpPr>
+      <p:sp>
+        <p:nvSpPr>
+          <p:cNvPr id="2" name="幻灯片图像占位符 1"/>
+          <p:cNvSpPr>
+            <a:spLocks noGrp="1" noRot="1" noChangeAspect="1"/>
+          </p:cNvSpPr>
+          <p:nvPr>
+            <p:ph type="sldImg"/>
+          </p:nvPr>
+        </p:nvSpPr>
+        <p:spPr/>
+      </p:sp>
+      <p:sp>
+        <p:nvSpPr>
+          <p:cNvPr id="3" name="备注占位符 2"/>
+          <p:cNvSpPr>
+            <a:spLocks noGrp="1"/>
+          </p:cNvSpPr>
+          <p:nvPr>
+            <p:ph type="body" idx="1"/>
+          </p:nvPr>
+        </p:nvSpPr>
+        <p:spPr/>
+        <p:txBody>
+          <a:bodyPr/>
+          <a:lstStyle/>
+          <a:p>
+            <a:r>
+              <a:rPr lang="en-US" altLang="zh-CN" dirty="0"/>
+              <a:t>meta-path</a:t>
+            </a:r>
+            <a:r>
+              <a:rPr lang="zh-CN" altLang="en-US" dirty="0"/>
+              <a:t>就像父类，它制定了子类应该遵循的某些规则。比如</a:t>
+            </a:r>
+            <a:r>
+              <a:rPr lang="en-US" altLang="zh-CN" dirty="0"/>
+              <a:t>UIBI</a:t>
+            </a:r>
+            <a:r>
+              <a:rPr lang="zh-CN" altLang="en-US" dirty="0"/>
+              <a:t>，它的含义就是</a:t>
+            </a:r>
+            <a:r>
+              <a:rPr lang="en-US" altLang="zh-CN" dirty="0"/>
+              <a:t>…</a:t>
+            </a:r>
+            <a:r>
+              <a:rPr lang="zh-CN" altLang="en-US" dirty="0"/>
+              <a:t>，还有</a:t>
+            </a:r>
+            <a:r>
+              <a:rPr lang="en-US" altLang="zh-CN" dirty="0"/>
+              <a:t>IUIBI</a:t>
+            </a:r>
+            <a:r>
+              <a:rPr lang="zh-CN" altLang="en-US" dirty="0"/>
+              <a:t>。那如何去采样呢？和</a:t>
+            </a:r>
+            <a:r>
+              <a:rPr lang="en-US" altLang="zh-CN" dirty="0"/>
+              <a:t>KR-GCN</a:t>
+            </a:r>
+            <a:r>
+              <a:rPr lang="zh-CN" altLang="en-US" dirty="0"/>
+              <a:t>类似，采用的是相似度和</a:t>
+            </a:r>
+            <a:r>
+              <a:rPr lang="en-US" altLang="zh-CN" dirty="0" err="1"/>
+              <a:t>topk</a:t>
+            </a:r>
+            <a:r>
+              <a:rPr lang="zh-CN" altLang="en-US" dirty="0"/>
+              <a:t>的方法。这里以</a:t>
+            </a:r>
+            <a:r>
+              <a:rPr lang="en-US" altLang="zh-CN" dirty="0"/>
+              <a:t>UIBI</a:t>
+            </a:r>
+            <a:r>
+              <a:rPr lang="zh-CN" altLang="en-US" dirty="0"/>
+              <a:t>这个</a:t>
+            </a:r>
+            <a:r>
+              <a:rPr lang="en-US" altLang="zh-CN" dirty="0"/>
+              <a:t>pattern</a:t>
+            </a:r>
+            <a:r>
+              <a:rPr lang="zh-CN" altLang="en-US" dirty="0"/>
+              <a:t>为例子。</a:t>
+            </a:r>
+            <a:endParaRPr lang="en-US" altLang="zh-CN" dirty="0"/>
+          </a:p>
+          <a:p>
+            <a:endParaRPr lang="en-US" altLang="zh-CN" dirty="0"/>
+          </a:p>
+          <a:p>
+            <a:r>
+              <a:rPr lang="zh-CN" altLang="en-US" dirty="0"/>
+              <a:t>但论文里没具体说是如何计算两个节点的相似度的，说的也比较含糊。</a:t>
+            </a:r>
+            <a:endParaRPr lang="en-US" altLang="zh-CN" dirty="0"/>
+          </a:p>
+        </p:txBody>
+      </p:sp>
+      <p:sp>
+        <p:nvSpPr>
+          <p:cNvPr id="4" name="灯片编号占位符 3"/>
+          <p:cNvSpPr>
+            <a:spLocks noGrp="1"/>
+          </p:cNvSpPr>
+          <p:nvPr>
+            <p:ph type="sldNum" sz="quarter" idx="5"/>
+          </p:nvPr>
+        </p:nvSpPr>
+        <p:spPr/>
+        <p:txBody>
+          <a:bodyPr/>
+          <a:lstStyle/>
+          <a:p>
+            <a:fld id="{0D85C1A0-615C-4B69-8C21-01CD0E1B6527}" type="slidenum">
+              <a:rPr lang="zh-CN" altLang="en-US" smtClean="0"/>
+              <a:t>17</a:t>
+            </a:fld>
+            <a:endParaRPr lang="zh-CN" altLang="en-US"/>
+          </a:p>
+        </p:txBody>
+      </p:sp>
+    </p:spTree>
+    <p:extLst>
+      <p:ext uri="{BB962C8B-B14F-4D97-AF65-F5344CB8AC3E}">
+        <p14:creationId xmlns:p14="http://schemas.microsoft.com/office/powerpoint/2010/main" val="1040705407"/>
+      </p:ext>
+    </p:extLst>
+  </p:cSld>
+  <p:clrMapOvr>
+    <a:masterClrMapping/>
+  </p:clrMapOvr>
+</p:notes>
+</file>
+
+<file path=ppt/notesSlides/notesSlide17.xml><?xml version="1.0" encoding="utf-8"?>
+<p:notes xmlns:a="http://schemas.openxmlformats.org/drawingml/2006/main" xmlns:r="http://schemas.openxmlformats.org/officeDocument/2006/relationships" xmlns:p="http://schemas.openxmlformats.org/presentationml/2006/main">
+  <p:cSld>
+    <p:spTree>
+      <p:nvGrpSpPr>
+        <p:cNvPr id="1" name=""/>
+        <p:cNvGrpSpPr/>
+        <p:nvPr/>
+      </p:nvGrpSpPr>
+      <p:grpSpPr>
+        <a:xfrm>
+          <a:off x="0" y="0"/>
+          <a:ext cx="0" cy="0"/>
+          <a:chOff x="0" y="0"/>
+          <a:chExt cx="0" cy="0"/>
+        </a:xfrm>
+      </p:grpSpPr>
+      <p:sp>
+        <p:nvSpPr>
+          <p:cNvPr id="2" name="幻灯片图像占位符 1"/>
+          <p:cNvSpPr>
+            <a:spLocks noGrp="1" noRot="1" noChangeAspect="1"/>
+          </p:cNvSpPr>
+          <p:nvPr>
+            <p:ph type="sldImg"/>
+          </p:nvPr>
+        </p:nvSpPr>
+        <p:spPr/>
+      </p:sp>
+      <p:sp>
+        <p:nvSpPr>
+          <p:cNvPr id="3" name="备注占位符 2"/>
+          <p:cNvSpPr>
+            <a:spLocks noGrp="1"/>
+          </p:cNvSpPr>
+          <p:nvPr>
+            <p:ph type="body" idx="1"/>
+          </p:nvPr>
+        </p:nvSpPr>
+        <p:spPr/>
+        <p:txBody>
+          <a:bodyPr/>
+          <a:lstStyle/>
+          <a:p>
+            <a:r>
+              <a:rPr lang="zh-CN" altLang="en-US" dirty="0"/>
+              <a:t>论文对于两种不同的</a:t>
+            </a:r>
+            <a:r>
+              <a:rPr lang="en-US" altLang="zh-CN" dirty="0"/>
+              <a:t>meta-path</a:t>
+            </a:r>
+            <a:r>
+              <a:rPr lang="zh-CN" altLang="en-US" dirty="0"/>
+              <a:t>定义了这么多种</a:t>
+            </a:r>
+            <a:r>
+              <a:rPr lang="en-US" altLang="zh-CN" dirty="0"/>
+              <a:t>pattern</a:t>
+            </a:r>
+            <a:r>
+              <a:rPr lang="zh-CN" altLang="en-US" dirty="0"/>
+              <a:t>，但很显然还有很多</a:t>
+            </a:r>
+            <a:r>
+              <a:rPr lang="en-US" altLang="zh-CN" dirty="0"/>
+              <a:t>pattern</a:t>
+            </a:r>
+            <a:r>
+              <a:rPr lang="zh-CN" altLang="en-US" dirty="0"/>
+              <a:t>没被采用，比如</a:t>
+            </a:r>
+            <a:r>
+              <a:rPr lang="en-US" altLang="zh-CN" dirty="0"/>
+              <a:t>UIBIBI</a:t>
+            </a:r>
+            <a:r>
+              <a:rPr lang="zh-CN" altLang="en-US" dirty="0"/>
+              <a:t>，</a:t>
+            </a:r>
+            <a:r>
+              <a:rPr lang="en-US" altLang="zh-CN" dirty="0"/>
+              <a:t>UICICI</a:t>
+            </a:r>
+            <a:r>
+              <a:rPr lang="zh-CN" altLang="en-US" dirty="0"/>
+              <a:t>。所以正如前面提到的，这一项</a:t>
+            </a:r>
+            <a:r>
+              <a:rPr lang="en-US" altLang="zh-CN" dirty="0"/>
+              <a:t>expensive</a:t>
+            </a:r>
+            <a:r>
+              <a:rPr lang="zh-CN" altLang="en-US" dirty="0"/>
+              <a:t>并且</a:t>
+            </a:r>
+            <a:r>
+              <a:rPr lang="en-US" altLang="zh-CN" dirty="0" err="1"/>
+              <a:t>impractice</a:t>
+            </a:r>
+            <a:r>
+              <a:rPr lang="zh-CN" altLang="en-US" dirty="0"/>
+              <a:t>的任务。所以这里也是可以改进的。</a:t>
+            </a:r>
+          </a:p>
+        </p:txBody>
+      </p:sp>
+      <p:sp>
+        <p:nvSpPr>
+          <p:cNvPr id="4" name="灯片编号占位符 3"/>
+          <p:cNvSpPr>
+            <a:spLocks noGrp="1"/>
+          </p:cNvSpPr>
+          <p:nvPr>
+            <p:ph type="sldNum" sz="quarter" idx="5"/>
+          </p:nvPr>
+        </p:nvSpPr>
+        <p:spPr/>
+        <p:txBody>
+          <a:bodyPr/>
+          <a:lstStyle/>
+          <a:p>
+            <a:fld id="{0D85C1A0-615C-4B69-8C21-01CD0E1B6527}" type="slidenum">
+              <a:rPr lang="zh-CN" altLang="en-US" smtClean="0"/>
+              <a:t>18</a:t>
+            </a:fld>
+            <a:endParaRPr lang="zh-CN" altLang="en-US"/>
+          </a:p>
+        </p:txBody>
+      </p:sp>
+    </p:spTree>
+    <p:extLst>
+      <p:ext uri="{BB962C8B-B14F-4D97-AF65-F5344CB8AC3E}">
+        <p14:creationId xmlns:p14="http://schemas.microsoft.com/office/powerpoint/2010/main" val="1242913568"/>
+      </p:ext>
+    </p:extLst>
+  </p:cSld>
+  <p:clrMapOvr>
+    <a:masterClrMapping/>
+  </p:clrMapOvr>
+</p:notes>
+</file>
+
+<file path=ppt/notesSlides/notesSlide18.xml><?xml version="1.0" encoding="utf-8"?>
+<p:notes xmlns:a="http://schemas.openxmlformats.org/drawingml/2006/main" xmlns:r="http://schemas.openxmlformats.org/officeDocument/2006/relationships" xmlns:p="http://schemas.openxmlformats.org/presentationml/2006/main">
+  <p:cSld>
+    <p:spTree>
+      <p:nvGrpSpPr>
+        <p:cNvPr id="1" name=""/>
+        <p:cNvGrpSpPr/>
+        <p:nvPr/>
+      </p:nvGrpSpPr>
+      <p:grpSpPr>
+        <a:xfrm>
+          <a:off x="0" y="0"/>
+          <a:ext cx="0" cy="0"/>
+          <a:chOff x="0" y="0"/>
+          <a:chExt cx="0" cy="0"/>
+        </a:xfrm>
+      </p:grpSpPr>
+      <p:sp>
+        <p:nvSpPr>
+          <p:cNvPr id="2" name="幻灯片图像占位符 1"/>
+          <p:cNvSpPr>
+            <a:spLocks noGrp="1" noRot="1" noChangeAspect="1"/>
+          </p:cNvSpPr>
+          <p:nvPr>
+            <p:ph type="sldImg"/>
+          </p:nvPr>
+        </p:nvSpPr>
+        <p:spPr/>
+      </p:sp>
+      <p:sp>
+        <p:nvSpPr>
+          <p:cNvPr id="3" name="备注占位符 2"/>
+          <p:cNvSpPr>
+            <a:spLocks noGrp="1"/>
+          </p:cNvSpPr>
+          <p:nvPr>
+            <p:ph type="body" idx="1"/>
+          </p:nvPr>
+        </p:nvSpPr>
+        <p:spPr/>
+        <p:txBody>
+          <a:bodyPr/>
+          <a:lstStyle/>
+          <a:p>
+            <a:r>
+              <a:rPr lang="zh-CN" altLang="en-US" dirty="0"/>
+              <a:t>然后套用了一个</a:t>
+            </a:r>
+            <a:r>
+              <a:rPr lang="en-US" altLang="zh-CN" dirty="0"/>
+              <a:t>path</a:t>
+            </a:r>
+            <a:r>
+              <a:rPr lang="zh-CN" altLang="en-US" dirty="0"/>
+              <a:t>层面的</a:t>
+            </a:r>
+            <a:r>
+              <a:rPr lang="en-US" altLang="zh-CN" dirty="0"/>
+              <a:t>attention</a:t>
+            </a:r>
+            <a:r>
+              <a:rPr lang="zh-CN" altLang="en-US" dirty="0"/>
+              <a:t>，这个做法就和</a:t>
+            </a:r>
+            <a:r>
+              <a:rPr lang="en-US" altLang="zh-CN" dirty="0"/>
+              <a:t>KR-GCN</a:t>
+            </a:r>
+            <a:r>
+              <a:rPr lang="zh-CN" altLang="en-US" dirty="0"/>
+              <a:t>最后一步的想法一样，利用</a:t>
+            </a:r>
+            <a:r>
+              <a:rPr lang="en-US" altLang="zh-CN" dirty="0"/>
+              <a:t>attention</a:t>
+            </a:r>
+            <a:r>
+              <a:rPr lang="zh-CN" altLang="en-US" dirty="0"/>
+              <a:t>找出那些比较重要的路径。</a:t>
+            </a:r>
+          </a:p>
+        </p:txBody>
+      </p:sp>
+      <p:sp>
+        <p:nvSpPr>
+          <p:cNvPr id="4" name="灯片编号占位符 3"/>
+          <p:cNvSpPr>
+            <a:spLocks noGrp="1"/>
+          </p:cNvSpPr>
+          <p:nvPr>
+            <p:ph type="sldNum" sz="quarter" idx="5"/>
+          </p:nvPr>
+        </p:nvSpPr>
+        <p:spPr/>
+        <p:txBody>
+          <a:bodyPr/>
+          <a:lstStyle/>
+          <a:p>
+            <a:fld id="{0D85C1A0-615C-4B69-8C21-01CD0E1B6527}" type="slidenum">
+              <a:rPr lang="zh-CN" altLang="en-US" smtClean="0"/>
+              <a:t>19</a:t>
+            </a:fld>
+            <a:endParaRPr lang="zh-CN" altLang="en-US"/>
+          </a:p>
+        </p:txBody>
+      </p:sp>
+    </p:spTree>
+    <p:extLst>
+      <p:ext uri="{BB962C8B-B14F-4D97-AF65-F5344CB8AC3E}">
+        <p14:creationId xmlns:p14="http://schemas.microsoft.com/office/powerpoint/2010/main" val="2353957930"/>
+      </p:ext>
+    </p:extLst>
+  </p:cSld>
+  <p:clrMapOvr>
+    <a:masterClrMapping/>
+  </p:clrMapOvr>
+</p:notes>
+</file>
+
+<file path=ppt/notesSlides/notesSlide19.xml><?xml version="1.0" encoding="utf-8"?>
+<p:notes xmlns:a="http://schemas.openxmlformats.org/drawingml/2006/main" xmlns:r="http://schemas.openxmlformats.org/officeDocument/2006/relationships" xmlns:p="http://schemas.openxmlformats.org/presentationml/2006/main">
+  <p:cSld>
+    <p:spTree>
+      <p:nvGrpSpPr>
+        <p:cNvPr id="1" name=""/>
+        <p:cNvGrpSpPr/>
+        <p:nvPr/>
+      </p:nvGrpSpPr>
+      <p:grpSpPr>
+        <a:xfrm>
+          <a:off x="0" y="0"/>
+          <a:ext cx="0" cy="0"/>
+          <a:chOff x="0" y="0"/>
+          <a:chExt cx="0" cy="0"/>
+        </a:xfrm>
+      </p:grpSpPr>
+      <p:sp>
+        <p:nvSpPr>
+          <p:cNvPr id="2" name="幻灯片图像占位符 1"/>
+          <p:cNvSpPr>
+            <a:spLocks noGrp="1" noRot="1" noChangeAspect="1"/>
+          </p:cNvSpPr>
+          <p:nvPr>
+            <p:ph type="sldImg"/>
+          </p:nvPr>
+        </p:nvSpPr>
+        <p:spPr/>
+      </p:sp>
+      <p:sp>
+        <p:nvSpPr>
+          <p:cNvPr id="3" name="备注占位符 2"/>
+          <p:cNvSpPr>
+            <a:spLocks noGrp="1"/>
+          </p:cNvSpPr>
+          <p:nvPr>
+            <p:ph type="body" idx="1"/>
+          </p:nvPr>
+        </p:nvSpPr>
+        <p:spPr/>
+        <p:txBody>
+          <a:bodyPr/>
+          <a:lstStyle/>
+          <a:p>
+            <a:endParaRPr lang="zh-CN" altLang="en-US" dirty="0"/>
+          </a:p>
+        </p:txBody>
+      </p:sp>
+      <p:sp>
+        <p:nvSpPr>
+          <p:cNvPr id="4" name="灯片编号占位符 3"/>
+          <p:cNvSpPr>
+            <a:spLocks noGrp="1"/>
+          </p:cNvSpPr>
+          <p:nvPr>
+            <p:ph type="sldNum" sz="quarter" idx="5"/>
+          </p:nvPr>
+        </p:nvSpPr>
+        <p:spPr/>
+        <p:txBody>
+          <a:bodyPr/>
+          <a:lstStyle/>
+          <a:p>
+            <a:fld id="{0D85C1A0-615C-4B69-8C21-01CD0E1B6527}" type="slidenum">
+              <a:rPr lang="zh-CN" altLang="en-US" smtClean="0"/>
+              <a:t>20</a:t>
+            </a:fld>
+            <a:endParaRPr lang="zh-CN" altLang="en-US"/>
+          </a:p>
+        </p:txBody>
+      </p:sp>
+    </p:spTree>
+    <p:extLst>
+      <p:ext uri="{BB962C8B-B14F-4D97-AF65-F5344CB8AC3E}">
+        <p14:creationId xmlns:p14="http://schemas.microsoft.com/office/powerpoint/2010/main" val="2739594959"/>
+      </p:ext>
+    </p:extLst>
+  </p:cSld>
+  <p:clrMapOvr>
+    <a:masterClrMapping/>
+  </p:clrMapOvr>
+</p:notes>
+</file>
+
 <file path=ppt/notesSlides/notesSlide2.xml><?xml version="1.0" encoding="utf-8"?>
 <p:notes xmlns:a="http://schemas.openxmlformats.org/drawingml/2006/main" xmlns:r="http://schemas.openxmlformats.org/officeDocument/2006/relationships" xmlns:p="http://schemas.openxmlformats.org/presentationml/2006/main">
   <p:cSld>
@@ -1825,6 +2718,204 @@
     <p:extLst>
       <p:ext uri="{BB962C8B-B14F-4D97-AF65-F5344CB8AC3E}">
         <p14:creationId xmlns:p14="http://schemas.microsoft.com/office/powerpoint/2010/main" val="3860335152"/>
+      </p:ext>
+    </p:extLst>
+  </p:cSld>
+  <p:clrMapOvr>
+    <a:masterClrMapping/>
+  </p:clrMapOvr>
+</p:notes>
+</file>
+
+<file path=ppt/notesSlides/notesSlide20.xml><?xml version="1.0" encoding="utf-8"?>
+<p:notes xmlns:a="http://schemas.openxmlformats.org/drawingml/2006/main" xmlns:r="http://schemas.openxmlformats.org/officeDocument/2006/relationships" xmlns:p="http://schemas.openxmlformats.org/presentationml/2006/main">
+  <p:cSld>
+    <p:spTree>
+      <p:nvGrpSpPr>
+        <p:cNvPr id="1" name=""/>
+        <p:cNvGrpSpPr/>
+        <p:nvPr/>
+      </p:nvGrpSpPr>
+      <p:grpSpPr>
+        <a:xfrm>
+          <a:off x="0" y="0"/>
+          <a:ext cx="0" cy="0"/>
+          <a:chOff x="0" y="0"/>
+          <a:chExt cx="0" cy="0"/>
+        </a:xfrm>
+      </p:grpSpPr>
+      <p:sp>
+        <p:nvSpPr>
+          <p:cNvPr id="2" name="幻灯片图像占位符 1"/>
+          <p:cNvSpPr>
+            <a:spLocks noGrp="1" noRot="1" noChangeAspect="1"/>
+          </p:cNvSpPr>
+          <p:nvPr>
+            <p:ph type="sldImg"/>
+          </p:nvPr>
+        </p:nvSpPr>
+        <p:spPr/>
+      </p:sp>
+      <p:sp>
+        <p:nvSpPr>
+          <p:cNvPr id="3" name="备注占位符 2"/>
+          <p:cNvSpPr>
+            <a:spLocks noGrp="1"/>
+          </p:cNvSpPr>
+          <p:nvPr>
+            <p:ph type="body" idx="1"/>
+          </p:nvPr>
+        </p:nvSpPr>
+        <p:spPr/>
+        <p:txBody>
+          <a:bodyPr/>
+          <a:lstStyle/>
+          <a:p>
+            <a:r>
+              <a:rPr lang="zh-CN" altLang="en-US" dirty="0"/>
+              <a:t>这一步的操作是基于两个假设的，第一个假设是当前物品和上一个购买的物品很相关，具体来说就是上一个物品的信息。第二个假设就是当前物品与到达当前物品的</a:t>
+            </a:r>
+            <a:r>
+              <a:rPr lang="en-US" altLang="zh-CN" dirty="0"/>
+              <a:t>meta-path</a:t>
+            </a:r>
+            <a:r>
+              <a:rPr lang="zh-CN" altLang="en-US" dirty="0"/>
+              <a:t>实例相关。所以有了下面两个更新</a:t>
+            </a:r>
+            <a:r>
+              <a:rPr lang="en-US" altLang="zh-CN" dirty="0"/>
+              <a:t>item representation</a:t>
+            </a:r>
+            <a:r>
+              <a:rPr lang="zh-CN" altLang="en-US" dirty="0"/>
+              <a:t>的公式，但它这个公式其实是稍微有点问题的，就是无法计算第一个物品，因为第一个物品之前是不存在物品的。论文里使用了</a:t>
+            </a:r>
+            <a:r>
+              <a:rPr lang="en-US" altLang="zh-CN" dirty="0"/>
+              <a:t>user-item meta-path</a:t>
+            </a:r>
+            <a:r>
+              <a:rPr lang="zh-CN" altLang="en-US" dirty="0"/>
+              <a:t>来代替了第一个物品的前一个物品。这里就不放公式，因为我觉得这个模块是可以大改的。</a:t>
+            </a:r>
+          </a:p>
+        </p:txBody>
+      </p:sp>
+      <p:sp>
+        <p:nvSpPr>
+          <p:cNvPr id="4" name="灯片编号占位符 3"/>
+          <p:cNvSpPr>
+            <a:spLocks noGrp="1"/>
+          </p:cNvSpPr>
+          <p:nvPr>
+            <p:ph type="sldNum" sz="quarter" idx="5"/>
+          </p:nvPr>
+        </p:nvSpPr>
+        <p:spPr/>
+        <p:txBody>
+          <a:bodyPr/>
+          <a:lstStyle/>
+          <a:p>
+            <a:fld id="{0D85C1A0-615C-4B69-8C21-01CD0E1B6527}" type="slidenum">
+              <a:rPr lang="zh-CN" altLang="en-US" smtClean="0"/>
+              <a:t>21</a:t>
+            </a:fld>
+            <a:endParaRPr lang="zh-CN" altLang="en-US"/>
+          </a:p>
+        </p:txBody>
+      </p:sp>
+    </p:spTree>
+    <p:extLst>
+      <p:ext uri="{BB962C8B-B14F-4D97-AF65-F5344CB8AC3E}">
+        <p14:creationId xmlns:p14="http://schemas.microsoft.com/office/powerpoint/2010/main" val="3909295812"/>
+      </p:ext>
+    </p:extLst>
+  </p:cSld>
+  <p:clrMapOvr>
+    <a:masterClrMapping/>
+  </p:clrMapOvr>
+</p:notes>
+</file>
+
+<file path=ppt/notesSlides/notesSlide21.xml><?xml version="1.0" encoding="utf-8"?>
+<p:notes xmlns:a="http://schemas.openxmlformats.org/drawingml/2006/main" xmlns:r="http://schemas.openxmlformats.org/officeDocument/2006/relationships" xmlns:p="http://schemas.openxmlformats.org/presentationml/2006/main">
+  <p:cSld>
+    <p:spTree>
+      <p:nvGrpSpPr>
+        <p:cNvPr id="1" name=""/>
+        <p:cNvGrpSpPr/>
+        <p:nvPr/>
+      </p:nvGrpSpPr>
+      <p:grpSpPr>
+        <a:xfrm>
+          <a:off x="0" y="0"/>
+          <a:ext cx="0" cy="0"/>
+          <a:chOff x="0" y="0"/>
+          <a:chExt cx="0" cy="0"/>
+        </a:xfrm>
+      </p:grpSpPr>
+      <p:sp>
+        <p:nvSpPr>
+          <p:cNvPr id="2" name="幻灯片图像占位符 1"/>
+          <p:cNvSpPr>
+            <a:spLocks noGrp="1" noRot="1" noChangeAspect="1"/>
+          </p:cNvSpPr>
+          <p:nvPr>
+            <p:ph type="sldImg"/>
+          </p:nvPr>
+        </p:nvSpPr>
+        <p:spPr/>
+      </p:sp>
+      <p:sp>
+        <p:nvSpPr>
+          <p:cNvPr id="3" name="备注占位符 2"/>
+          <p:cNvSpPr>
+            <a:spLocks noGrp="1"/>
+          </p:cNvSpPr>
+          <p:nvPr>
+            <p:ph type="body" idx="1"/>
+          </p:nvPr>
+        </p:nvSpPr>
+        <p:spPr/>
+        <p:txBody>
+          <a:bodyPr/>
+          <a:lstStyle/>
+          <a:p>
+            <a:r>
+              <a:rPr lang="zh-CN" altLang="en-US" dirty="0"/>
+              <a:t>预测公式</a:t>
+            </a:r>
+          </a:p>
+        </p:txBody>
+      </p:sp>
+      <p:sp>
+        <p:nvSpPr>
+          <p:cNvPr id="4" name="灯片编号占位符 3"/>
+          <p:cNvSpPr>
+            <a:spLocks noGrp="1"/>
+          </p:cNvSpPr>
+          <p:nvPr>
+            <p:ph type="sldNum" sz="quarter" idx="5"/>
+          </p:nvPr>
+        </p:nvSpPr>
+        <p:spPr/>
+        <p:txBody>
+          <a:bodyPr/>
+          <a:lstStyle/>
+          <a:p>
+            <a:fld id="{0D85C1A0-615C-4B69-8C21-01CD0E1B6527}" type="slidenum">
+              <a:rPr lang="zh-CN" altLang="en-US" smtClean="0"/>
+              <a:t>22</a:t>
+            </a:fld>
+            <a:endParaRPr lang="zh-CN" altLang="en-US"/>
+          </a:p>
+        </p:txBody>
+      </p:sp>
+    </p:spTree>
+    <p:extLst>
+      <p:ext uri="{BB962C8B-B14F-4D97-AF65-F5344CB8AC3E}">
+        <p14:creationId xmlns:p14="http://schemas.microsoft.com/office/powerpoint/2010/main" val="3984383299"/>
       </p:ext>
     </p:extLst>
   </p:cSld>
@@ -3020,7 +4111,7 @@
           <a:p>
             <a:fld id="{31BFF8C4-0EFE-49DB-81C8-727BCC0A6201}" type="datetimeFigureOut">
               <a:rPr lang="zh-CN" altLang="en-US" smtClean="0"/>
-              <a:t>2023/11/19</a:t>
+              <a:t>2023/11/20</a:t>
             </a:fld>
             <a:endParaRPr lang="zh-CN" altLang="en-US"/>
           </a:p>
@@ -3218,7 +4309,7 @@
           <a:p>
             <a:fld id="{31BFF8C4-0EFE-49DB-81C8-727BCC0A6201}" type="datetimeFigureOut">
               <a:rPr lang="zh-CN" altLang="en-US" smtClean="0"/>
-              <a:t>2023/11/19</a:t>
+              <a:t>2023/11/20</a:t>
             </a:fld>
             <a:endParaRPr lang="zh-CN" altLang="en-US"/>
           </a:p>
@@ -3426,7 +4517,7 @@
           <a:p>
             <a:fld id="{31BFF8C4-0EFE-49DB-81C8-727BCC0A6201}" type="datetimeFigureOut">
               <a:rPr lang="zh-CN" altLang="en-US" smtClean="0"/>
-              <a:t>2023/11/19</a:t>
+              <a:t>2023/11/20</a:t>
             </a:fld>
             <a:endParaRPr lang="zh-CN" altLang="en-US"/>
           </a:p>
@@ -3624,7 +4715,7 @@
           <a:p>
             <a:fld id="{31BFF8C4-0EFE-49DB-81C8-727BCC0A6201}" type="datetimeFigureOut">
               <a:rPr lang="zh-CN" altLang="en-US" smtClean="0"/>
-              <a:t>2023/11/19</a:t>
+              <a:t>2023/11/20</a:t>
             </a:fld>
             <a:endParaRPr lang="zh-CN" altLang="en-US"/>
           </a:p>
@@ -3899,7 +4990,7 @@
           <a:p>
             <a:fld id="{31BFF8C4-0EFE-49DB-81C8-727BCC0A6201}" type="datetimeFigureOut">
               <a:rPr lang="zh-CN" altLang="en-US" smtClean="0"/>
-              <a:t>2023/11/19</a:t>
+              <a:t>2023/11/20</a:t>
             </a:fld>
             <a:endParaRPr lang="zh-CN" altLang="en-US"/>
           </a:p>
@@ -4164,7 +5255,7 @@
           <a:p>
             <a:fld id="{31BFF8C4-0EFE-49DB-81C8-727BCC0A6201}" type="datetimeFigureOut">
               <a:rPr lang="zh-CN" altLang="en-US" smtClean="0"/>
-              <a:t>2023/11/19</a:t>
+              <a:t>2023/11/20</a:t>
             </a:fld>
             <a:endParaRPr lang="zh-CN" altLang="en-US"/>
           </a:p>
@@ -4576,7 +5667,7 @@
           <a:p>
             <a:fld id="{31BFF8C4-0EFE-49DB-81C8-727BCC0A6201}" type="datetimeFigureOut">
               <a:rPr lang="zh-CN" altLang="en-US" smtClean="0"/>
-              <a:t>2023/11/19</a:t>
+              <a:t>2023/11/20</a:t>
             </a:fld>
             <a:endParaRPr lang="zh-CN" altLang="en-US"/>
           </a:p>
@@ -4717,7 +5808,7 @@
           <a:p>
             <a:fld id="{31BFF8C4-0EFE-49DB-81C8-727BCC0A6201}" type="datetimeFigureOut">
               <a:rPr lang="zh-CN" altLang="en-US" smtClean="0"/>
-              <a:t>2023/11/19</a:t>
+              <a:t>2023/11/20</a:t>
             </a:fld>
             <a:endParaRPr lang="zh-CN" altLang="en-US"/>
           </a:p>
@@ -4830,7 +5921,7 @@
           <a:p>
             <a:fld id="{31BFF8C4-0EFE-49DB-81C8-727BCC0A6201}" type="datetimeFigureOut">
               <a:rPr lang="zh-CN" altLang="en-US" smtClean="0"/>
-              <a:t>2023/11/19</a:t>
+              <a:t>2023/11/20</a:t>
             </a:fld>
             <a:endParaRPr lang="zh-CN" altLang="en-US"/>
           </a:p>
@@ -5141,7 +6232,7 @@
           <a:p>
             <a:fld id="{31BFF8C4-0EFE-49DB-81C8-727BCC0A6201}" type="datetimeFigureOut">
               <a:rPr lang="zh-CN" altLang="en-US" smtClean="0"/>
-              <a:t>2023/11/19</a:t>
+              <a:t>2023/11/20</a:t>
             </a:fld>
             <a:endParaRPr lang="zh-CN" altLang="en-US"/>
           </a:p>
@@ -5429,7 +6520,7 @@
           <a:p>
             <a:fld id="{31BFF8C4-0EFE-49DB-81C8-727BCC0A6201}" type="datetimeFigureOut">
               <a:rPr lang="zh-CN" altLang="en-US" smtClean="0"/>
-              <a:t>2023/11/19</a:t>
+              <a:t>2023/11/20</a:t>
             </a:fld>
             <a:endParaRPr lang="zh-CN" altLang="en-US"/>
           </a:p>
@@ -5670,7 +6761,7 @@
           <a:p>
             <a:fld id="{31BFF8C4-0EFE-49DB-81C8-727BCC0A6201}" type="datetimeFigureOut">
               <a:rPr lang="zh-CN" altLang="en-US" smtClean="0"/>
-              <a:t>2023/11/19</a:t>
+              <a:t>2023/11/20</a:t>
             </a:fld>
             <a:endParaRPr lang="zh-CN" altLang="en-US"/>
           </a:p>
@@ -6342,13 +7433,13 @@
         </p:spPr>
         <p:style>
           <a:lnRef idx="1">
-            <a:schemeClr val="accent5"/>
+            <a:schemeClr val="accent6"/>
           </a:lnRef>
           <a:fillRef idx="2">
-            <a:schemeClr val="accent5"/>
+            <a:schemeClr val="accent6"/>
           </a:fillRef>
           <a:effectRef idx="1">
-            <a:schemeClr val="accent5"/>
+            <a:schemeClr val="accent6"/>
           </a:effectRef>
           <a:fontRef idx="minor">
             <a:schemeClr val="dk1"/>
@@ -6425,7 +7516,7 @@
         </p:nvSpPr>
         <p:spPr>
           <a:xfrm rot="20103604">
-            <a:off x="8292503" y="2307492"/>
+            <a:off x="8385100" y="2486380"/>
             <a:ext cx="609600" cy="798243"/>
           </a:xfrm>
           <a:prstGeom prst="downArrow">
@@ -6434,13 +7525,13 @@
         </p:spPr>
         <p:style>
           <a:lnRef idx="1">
-            <a:schemeClr val="accent5"/>
+            <a:schemeClr val="accent6"/>
           </a:lnRef>
           <a:fillRef idx="2">
-            <a:schemeClr val="accent5"/>
+            <a:schemeClr val="accent6"/>
           </a:fillRef>
           <a:effectRef idx="1">
-            <a:schemeClr val="accent5"/>
+            <a:schemeClr val="accent6"/>
           </a:effectRef>
           <a:fontRef idx="minor">
             <a:schemeClr val="dk1"/>
@@ -7927,13 +9018,13 @@
         </p:spPr>
         <p:style>
           <a:lnRef idx="1">
-            <a:schemeClr val="accent5"/>
+            <a:schemeClr val="accent6"/>
           </a:lnRef>
           <a:fillRef idx="2">
-            <a:schemeClr val="accent5"/>
+            <a:schemeClr val="accent6"/>
           </a:fillRef>
           <a:effectRef idx="1">
-            <a:schemeClr val="accent5"/>
+            <a:schemeClr val="accent6"/>
           </a:effectRef>
           <a:fontRef idx="minor">
             <a:schemeClr val="dk1"/>
@@ -8291,8 +9382,8 @@
           </a:graphicData>
         </a:graphic>
       </p:graphicFrame>
-      <mc:AlternateContent xmlns:mc="http://schemas.openxmlformats.org/markup-compatibility/2006">
-        <mc:Choice xmlns:a14="http://schemas.microsoft.com/office/drawing/2010/main" Requires="a14">
+      <mc:AlternateContent xmlns:mc="http://schemas.openxmlformats.org/markup-compatibility/2006" xmlns:a14="http://schemas.microsoft.com/office/drawing/2010/main">
+        <mc:Choice Requires="a14">
           <p:sp>
             <p:nvSpPr>
               <p:cNvPr id="9" name="文本框 8">
@@ -8418,7 +9509,7 @@
             </p:txBody>
           </p:sp>
         </mc:Choice>
-        <mc:Fallback>
+        <mc:Fallback xmlns="">
           <p:sp>
             <p:nvSpPr>
               <p:cNvPr id="9" name="文本框 8">
@@ -8463,8 +9554,8 @@
           </p:sp>
         </mc:Fallback>
       </mc:AlternateContent>
-      <mc:AlternateContent xmlns:mc="http://schemas.openxmlformats.org/markup-compatibility/2006">
-        <mc:Choice xmlns:a14="http://schemas.microsoft.com/office/drawing/2010/main" Requires="a14">
+      <mc:AlternateContent xmlns:mc="http://schemas.openxmlformats.org/markup-compatibility/2006" xmlns:a14="http://schemas.microsoft.com/office/drawing/2010/main">
+        <mc:Choice Requires="a14">
           <p:sp>
             <p:nvSpPr>
               <p:cNvPr id="10" name="文本框 9">
@@ -8493,6 +9584,7 @@
               </a:bodyPr>
               <a:lstStyle/>
               <a:p>
+                <a:pPr/>
                 <a14:m>
                   <m:oMathPara xmlns:m="http://schemas.openxmlformats.org/officeDocument/2006/math">
                     <m:oMathParaPr>
@@ -8550,7 +9642,7 @@
             </p:txBody>
           </p:sp>
         </mc:Choice>
-        <mc:Fallback>
+        <mc:Fallback xmlns="">
           <p:sp>
             <p:nvSpPr>
               <p:cNvPr id="10" name="文本框 9">
@@ -9049,8 +10141,8 @@
           </a:graphicData>
         </a:graphic>
       </p:graphicFrame>
-      <mc:AlternateContent xmlns:mc="http://schemas.openxmlformats.org/markup-compatibility/2006">
-        <mc:Choice xmlns:a14="http://schemas.microsoft.com/office/drawing/2010/main" Requires="a14">
+      <mc:AlternateContent xmlns:mc="http://schemas.openxmlformats.org/markup-compatibility/2006" xmlns:a14="http://schemas.microsoft.com/office/drawing/2010/main">
+        <mc:Choice Requires="a14">
           <p:sp>
             <p:nvSpPr>
               <p:cNvPr id="7" name="文本框 6">
@@ -9079,6 +10171,7 @@
               </a:bodyPr>
               <a:lstStyle/>
               <a:p>
+                <a:pPr/>
                 <a14:m>
                   <m:oMathPara xmlns:m="http://schemas.openxmlformats.org/officeDocument/2006/math">
                     <m:oMathParaPr>
@@ -9214,7 +10307,7 @@
             </p:txBody>
           </p:sp>
         </mc:Choice>
-        <mc:Fallback>
+        <mc:Fallback xmlns="">
           <p:sp>
             <p:nvSpPr>
               <p:cNvPr id="7" name="文本框 6">
@@ -9501,28 +10594,421 @@
           </a:p>
         </p:txBody>
       </p:sp>
-      <p:sp>
-        <p:nvSpPr>
-          <p:cNvPr id="3" name="内容占位符 2">
-            <a:extLst>
-              <a:ext uri="{FF2B5EF4-FFF2-40B4-BE49-F238E27FC236}">
-                <a16:creationId xmlns:a16="http://schemas.microsoft.com/office/drawing/2014/main" id="{BE361921-E613-3152-AA93-3B4163A852BC}"/>
-              </a:ext>
-            </a:extLst>
-          </p:cNvPr>
-          <p:cNvSpPr>
-            <a:spLocks noGrp="1"/>
-          </p:cNvSpPr>
-          <p:nvPr>
-            <p:ph idx="1"/>
-          </p:nvPr>
-        </p:nvSpPr>
-        <p:spPr/>
-        <p:txBody>
-          <a:bodyPr/>
-          <a:lstStyle/>
-          <a:p>
-            <a:endParaRPr lang="zh-CN" altLang="en-US" dirty="0"/>
+      <p:pic>
+        <p:nvPicPr>
+          <p:cNvPr id="4" name="图片 3">
+            <a:extLst>
+              <a:ext uri="{FF2B5EF4-FFF2-40B4-BE49-F238E27FC236}">
+                <a16:creationId xmlns:a16="http://schemas.microsoft.com/office/drawing/2014/main" id="{F5F80D2C-453B-3E87-4D2A-78EC64904E91}"/>
+              </a:ext>
+            </a:extLst>
+          </p:cNvPr>
+          <p:cNvPicPr>
+            <a:picLocks noChangeAspect="1"/>
+          </p:cNvPicPr>
+          <p:nvPr/>
+        </p:nvPicPr>
+        <p:blipFill>
+          <a:blip r:embed="rId3"/>
+          <a:stretch>
+            <a:fillRect/>
+          </a:stretch>
+        </p:blipFill>
+        <p:spPr>
+          <a:xfrm>
+            <a:off x="838200" y="2154624"/>
+            <a:ext cx="7288619" cy="3413724"/>
+          </a:xfrm>
+          <a:prstGeom prst="rect">
+            <a:avLst/>
+          </a:prstGeom>
+        </p:spPr>
+      </p:pic>
+      <p:sp>
+        <p:nvSpPr>
+          <p:cNvPr id="5" name="矩形 4">
+            <a:extLst>
+              <a:ext uri="{FF2B5EF4-FFF2-40B4-BE49-F238E27FC236}">
+                <a16:creationId xmlns:a16="http://schemas.microsoft.com/office/drawing/2014/main" id="{D5224B8F-6231-E416-42D9-EEA571CCC8DF}"/>
+              </a:ext>
+            </a:extLst>
+          </p:cNvPr>
+          <p:cNvSpPr/>
+          <p:nvPr/>
+        </p:nvSpPr>
+        <p:spPr>
+          <a:xfrm>
+            <a:off x="1156115" y="2246046"/>
+            <a:ext cx="1798320" cy="327660"/>
+          </a:xfrm>
+          <a:prstGeom prst="rect">
+            <a:avLst/>
+          </a:prstGeom>
+          <a:noFill/>
+          <a:ln w="19050">
+            <a:solidFill>
+              <a:srgbClr val="FF0000"/>
+            </a:solidFill>
+          </a:ln>
+        </p:spPr>
+        <p:style>
+          <a:lnRef idx="2">
+            <a:schemeClr val="accent1">
+              <a:shade val="15000"/>
+            </a:schemeClr>
+          </a:lnRef>
+          <a:fillRef idx="1">
+            <a:schemeClr val="accent1"/>
+          </a:fillRef>
+          <a:effectRef idx="0">
+            <a:schemeClr val="accent1"/>
+          </a:effectRef>
+          <a:fontRef idx="minor">
+            <a:schemeClr val="lt1"/>
+          </a:fontRef>
+        </p:style>
+        <p:txBody>
+          <a:bodyPr rtlCol="0" anchor="ctr"/>
+          <a:lstStyle/>
+          <a:p>
+            <a:pPr algn="ctr"/>
+            <a:endParaRPr lang="zh-CN" altLang="en-US"/>
+          </a:p>
+        </p:txBody>
+      </p:sp>
+      <p:sp>
+        <p:nvSpPr>
+          <p:cNvPr id="6" name="矩形 5">
+            <a:extLst>
+              <a:ext uri="{FF2B5EF4-FFF2-40B4-BE49-F238E27FC236}">
+                <a16:creationId xmlns:a16="http://schemas.microsoft.com/office/drawing/2014/main" id="{0CDA3213-A50B-E912-4F82-D12431BCBFE6}"/>
+              </a:ext>
+            </a:extLst>
+          </p:cNvPr>
+          <p:cNvSpPr/>
+          <p:nvPr/>
+        </p:nvSpPr>
+        <p:spPr>
+          <a:xfrm>
+            <a:off x="1156115" y="3190926"/>
+            <a:ext cx="1798320" cy="327660"/>
+          </a:xfrm>
+          <a:prstGeom prst="rect">
+            <a:avLst/>
+          </a:prstGeom>
+          <a:noFill/>
+          <a:ln w="19050">
+            <a:solidFill>
+              <a:srgbClr val="FF0000"/>
+            </a:solidFill>
+          </a:ln>
+        </p:spPr>
+        <p:style>
+          <a:lnRef idx="2">
+            <a:schemeClr val="accent1">
+              <a:shade val="15000"/>
+            </a:schemeClr>
+          </a:lnRef>
+          <a:fillRef idx="1">
+            <a:schemeClr val="accent1"/>
+          </a:fillRef>
+          <a:effectRef idx="0">
+            <a:schemeClr val="accent1"/>
+          </a:effectRef>
+          <a:fontRef idx="minor">
+            <a:schemeClr val="lt1"/>
+          </a:fontRef>
+        </p:style>
+        <p:txBody>
+          <a:bodyPr rtlCol="0" anchor="ctr"/>
+          <a:lstStyle/>
+          <a:p>
+            <a:pPr algn="ctr"/>
+            <a:endParaRPr lang="zh-CN" altLang="en-US"/>
+          </a:p>
+        </p:txBody>
+      </p:sp>
+      <p:sp>
+        <p:nvSpPr>
+          <p:cNvPr id="7" name="矩形 6">
+            <a:extLst>
+              <a:ext uri="{FF2B5EF4-FFF2-40B4-BE49-F238E27FC236}">
+                <a16:creationId xmlns:a16="http://schemas.microsoft.com/office/drawing/2014/main" id="{A2901841-53D9-0BFB-55FE-576AC9FF11F0}"/>
+              </a:ext>
+            </a:extLst>
+          </p:cNvPr>
+          <p:cNvSpPr/>
+          <p:nvPr/>
+        </p:nvSpPr>
+        <p:spPr>
+          <a:xfrm>
+            <a:off x="1156115" y="4135806"/>
+            <a:ext cx="1798320" cy="327660"/>
+          </a:xfrm>
+          <a:prstGeom prst="rect">
+            <a:avLst/>
+          </a:prstGeom>
+          <a:noFill/>
+          <a:ln w="19050">
+            <a:solidFill>
+              <a:srgbClr val="FF0000"/>
+            </a:solidFill>
+          </a:ln>
+        </p:spPr>
+        <p:style>
+          <a:lnRef idx="2">
+            <a:schemeClr val="accent1">
+              <a:shade val="15000"/>
+            </a:schemeClr>
+          </a:lnRef>
+          <a:fillRef idx="1">
+            <a:schemeClr val="accent1"/>
+          </a:fillRef>
+          <a:effectRef idx="0">
+            <a:schemeClr val="accent1"/>
+          </a:effectRef>
+          <a:fontRef idx="minor">
+            <a:schemeClr val="lt1"/>
+          </a:fontRef>
+        </p:style>
+        <p:txBody>
+          <a:bodyPr rtlCol="0" anchor="ctr"/>
+          <a:lstStyle/>
+          <a:p>
+            <a:pPr algn="ctr"/>
+            <a:endParaRPr lang="zh-CN" altLang="en-US"/>
+          </a:p>
+        </p:txBody>
+      </p:sp>
+      <p:sp>
+        <p:nvSpPr>
+          <p:cNvPr id="8" name="矩形 7">
+            <a:extLst>
+              <a:ext uri="{FF2B5EF4-FFF2-40B4-BE49-F238E27FC236}">
+                <a16:creationId xmlns:a16="http://schemas.microsoft.com/office/drawing/2014/main" id="{41AC23A4-7D17-902A-AECB-FDDB0A1CE720}"/>
+              </a:ext>
+            </a:extLst>
+          </p:cNvPr>
+          <p:cNvSpPr/>
+          <p:nvPr/>
+        </p:nvSpPr>
+        <p:spPr>
+          <a:xfrm>
+            <a:off x="1156115" y="5172126"/>
+            <a:ext cx="1798320" cy="327660"/>
+          </a:xfrm>
+          <a:prstGeom prst="rect">
+            <a:avLst/>
+          </a:prstGeom>
+          <a:noFill/>
+          <a:ln w="19050">
+            <a:solidFill>
+              <a:srgbClr val="FF0000"/>
+            </a:solidFill>
+          </a:ln>
+        </p:spPr>
+        <p:style>
+          <a:lnRef idx="2">
+            <a:schemeClr val="accent1">
+              <a:shade val="15000"/>
+            </a:schemeClr>
+          </a:lnRef>
+          <a:fillRef idx="1">
+            <a:schemeClr val="accent1"/>
+          </a:fillRef>
+          <a:effectRef idx="0">
+            <a:schemeClr val="accent1"/>
+          </a:effectRef>
+          <a:fontRef idx="minor">
+            <a:schemeClr val="lt1"/>
+          </a:fontRef>
+        </p:style>
+        <p:txBody>
+          <a:bodyPr rtlCol="0" anchor="ctr"/>
+          <a:lstStyle/>
+          <a:p>
+            <a:pPr algn="ctr"/>
+            <a:endParaRPr lang="zh-CN" altLang="en-US"/>
+          </a:p>
+        </p:txBody>
+      </p:sp>
+      <p:sp>
+        <p:nvSpPr>
+          <p:cNvPr id="9" name="文本框 8">
+            <a:extLst>
+              <a:ext uri="{FF2B5EF4-FFF2-40B4-BE49-F238E27FC236}">
+                <a16:creationId xmlns:a16="http://schemas.microsoft.com/office/drawing/2014/main" id="{E410741C-BCA9-CF26-1E68-54B8411DAC8E}"/>
+              </a:ext>
+            </a:extLst>
+          </p:cNvPr>
+          <p:cNvSpPr txBox="1"/>
+          <p:nvPr/>
+        </p:nvSpPr>
+        <p:spPr>
+          <a:xfrm>
+            <a:off x="4594171" y="1508293"/>
+            <a:ext cx="4932888" cy="646331"/>
+          </a:xfrm>
+          <a:prstGeom prst="rect">
+            <a:avLst/>
+          </a:prstGeom>
+          <a:noFill/>
+        </p:spPr>
+        <p:txBody>
+          <a:bodyPr wrap="square" rtlCol="0">
+            <a:spAutoFit/>
+          </a:bodyPr>
+          <a:lstStyle/>
+          <a:p>
+            <a:r>
+              <a:rPr lang="en-US" altLang="zh-CN" b="1" dirty="0" err="1"/>
+              <a:t>init</a:t>
+            </a:r>
+            <a:r>
+              <a:rPr lang="en-US" altLang="zh-CN" b="1" dirty="0"/>
+              <a:t> users and items embedding via </a:t>
+            </a:r>
+            <a:r>
+              <a:rPr lang="en-US" altLang="zh-CN" b="1" dirty="0" err="1"/>
+              <a:t>DeepWalk</a:t>
+            </a:r>
+            <a:r>
+              <a:rPr lang="en-US" altLang="zh-CN" b="1" dirty="0">
+                <a:solidFill>
+                  <a:srgbClr val="FF0000"/>
+                </a:solidFill>
+              </a:rPr>
+              <a:t>(1) </a:t>
+            </a:r>
+            <a:r>
+              <a:rPr lang="en-US" altLang="zh-CN" b="1" dirty="0"/>
+              <a:t>in </a:t>
+            </a:r>
+            <a:r>
+              <a:rPr lang="en-US" altLang="zh-CN" b="1" dirty="0">
+                <a:solidFill>
+                  <a:srgbClr val="FF0000"/>
+                </a:solidFill>
+              </a:rPr>
+              <a:t>user-item bipartite network</a:t>
+            </a:r>
+            <a:endParaRPr lang="zh-CN" altLang="en-US" b="1" dirty="0">
+              <a:solidFill>
+                <a:srgbClr val="FF0000"/>
+              </a:solidFill>
+            </a:endParaRPr>
+          </a:p>
+        </p:txBody>
+      </p:sp>
+      <p:sp>
+        <p:nvSpPr>
+          <p:cNvPr id="10" name="箭头: 下 9">
+            <a:extLst>
+              <a:ext uri="{FF2B5EF4-FFF2-40B4-BE49-F238E27FC236}">
+                <a16:creationId xmlns:a16="http://schemas.microsoft.com/office/drawing/2014/main" id="{C252BAF8-BF0E-BB74-6F95-D29948419021}"/>
+              </a:ext>
+            </a:extLst>
+          </p:cNvPr>
+          <p:cNvSpPr/>
+          <p:nvPr/>
+        </p:nvSpPr>
+        <p:spPr>
+          <a:xfrm rot="15471661">
+            <a:off x="3694670" y="1469211"/>
+            <a:ext cx="469557" cy="766119"/>
+          </a:xfrm>
+          <a:prstGeom prst="downArrow">
+            <a:avLst/>
+          </a:prstGeom>
+        </p:spPr>
+        <p:style>
+          <a:lnRef idx="1">
+            <a:schemeClr val="accent5"/>
+          </a:lnRef>
+          <a:fillRef idx="2">
+            <a:schemeClr val="accent5"/>
+          </a:fillRef>
+          <a:effectRef idx="1">
+            <a:schemeClr val="accent5"/>
+          </a:effectRef>
+          <a:fontRef idx="minor">
+            <a:schemeClr val="dk1"/>
+          </a:fontRef>
+        </p:style>
+        <p:txBody>
+          <a:bodyPr rtlCol="0" anchor="ctr"/>
+          <a:lstStyle/>
+          <a:p>
+            <a:pPr algn="ctr"/>
+            <a:endParaRPr lang="zh-CN" altLang="en-US"/>
+          </a:p>
+        </p:txBody>
+      </p:sp>
+      <p:sp>
+        <p:nvSpPr>
+          <p:cNvPr id="11" name="文本框 10">
+            <a:extLst>
+              <a:ext uri="{FF2B5EF4-FFF2-40B4-BE49-F238E27FC236}">
+                <a16:creationId xmlns:a16="http://schemas.microsoft.com/office/drawing/2014/main" id="{8886A295-206C-68F5-1596-D2F53D7C752F}"/>
+              </a:ext>
+            </a:extLst>
+          </p:cNvPr>
+          <p:cNvSpPr txBox="1"/>
+          <p:nvPr/>
+        </p:nvSpPr>
+        <p:spPr>
+          <a:xfrm>
+            <a:off x="836141" y="6185568"/>
+            <a:ext cx="8649731" cy="276999"/>
+          </a:xfrm>
+          <a:prstGeom prst="rect">
+            <a:avLst/>
+          </a:prstGeom>
+          <a:noFill/>
+        </p:spPr>
+        <p:txBody>
+          <a:bodyPr wrap="square" rtlCol="0">
+            <a:spAutoFit/>
+          </a:bodyPr>
+          <a:lstStyle/>
+          <a:p>
+            <a:r>
+              <a:rPr lang="en-US" altLang="zh-CN" sz="1200" dirty="0"/>
+              <a:t>(1) Bryan </a:t>
+            </a:r>
+            <a:r>
+              <a:rPr lang="en-US" altLang="zh-CN" sz="1200" dirty="0" err="1"/>
+              <a:t>Perozzi</a:t>
+            </a:r>
+            <a:r>
+              <a:rPr lang="en-US" altLang="zh-CN" sz="1200" dirty="0"/>
+              <a:t>, Rami Al-</a:t>
+            </a:r>
+            <a:r>
+              <a:rPr lang="en-US" altLang="zh-CN" sz="1200" dirty="0" err="1"/>
+              <a:t>Rfou</a:t>
+            </a:r>
+            <a:r>
+              <a:rPr lang="en-US" altLang="zh-CN" sz="1200" dirty="0"/>
+              <a:t>, and Steven </a:t>
+            </a:r>
+            <a:r>
+              <a:rPr lang="en-US" altLang="zh-CN" sz="1200" dirty="0" err="1"/>
+              <a:t>Skiena</a:t>
+            </a:r>
+            <a:r>
+              <a:rPr lang="en-US" altLang="zh-CN" sz="1200" dirty="0"/>
+              <a:t>. 2014. </a:t>
+            </a:r>
+            <a:r>
+              <a:rPr lang="en-US" altLang="zh-CN" sz="1200" dirty="0" err="1"/>
+              <a:t>Deepwalk</a:t>
+            </a:r>
+            <a:r>
+              <a:rPr lang="en-US" altLang="zh-CN" sz="1200" dirty="0"/>
+              <a:t>: Online learning of social representations.</a:t>
+            </a:r>
+            <a:endParaRPr lang="zh-CN" altLang="en-US" sz="1200" dirty="0"/>
           </a:p>
         </p:txBody>
       </p:sp>
@@ -9556,70 +11042,537 @@
           <a:chExt cx="0" cy="0"/>
         </a:xfrm>
       </p:grpSpPr>
-      <p:sp>
-        <p:nvSpPr>
-          <p:cNvPr id="2" name="标题 1">
-            <a:extLst>
-              <a:ext uri="{FF2B5EF4-FFF2-40B4-BE49-F238E27FC236}">
-                <a16:creationId xmlns:a16="http://schemas.microsoft.com/office/drawing/2014/main" id="{322AACF1-2FA7-54C6-89A9-DE32F049D7E9}"/>
-              </a:ext>
-            </a:extLst>
-          </p:cNvPr>
-          <p:cNvSpPr>
-            <a:spLocks noGrp="1"/>
-          </p:cNvSpPr>
-          <p:nvPr>
-            <p:ph type="title"/>
-          </p:nvPr>
-        </p:nvSpPr>
-        <p:spPr/>
-        <p:txBody>
-          <a:bodyPr/>
+      <p:pic>
+        <p:nvPicPr>
+          <p:cNvPr id="4" name="图片 3">
+            <a:extLst>
+              <a:ext uri="{FF2B5EF4-FFF2-40B4-BE49-F238E27FC236}">
+                <a16:creationId xmlns:a16="http://schemas.microsoft.com/office/drawing/2014/main" id="{FA04C297-CCC7-230D-1280-2AAEC72ABF7D}"/>
+              </a:ext>
+            </a:extLst>
+          </p:cNvPr>
+          <p:cNvPicPr>
+            <a:picLocks noChangeAspect="1"/>
+          </p:cNvPicPr>
+          <p:nvPr/>
+        </p:nvPicPr>
+        <p:blipFill>
+          <a:blip r:embed="rId3"/>
+          <a:stretch>
+            <a:fillRect/>
+          </a:stretch>
+        </p:blipFill>
+        <p:spPr>
+          <a:xfrm>
+            <a:off x="369055" y="1677652"/>
+            <a:ext cx="9515959" cy="4456929"/>
+          </a:xfrm>
+          <a:prstGeom prst="rect">
+            <a:avLst/>
+          </a:prstGeom>
+        </p:spPr>
+      </p:pic>
+      <p:sp>
+        <p:nvSpPr>
+          <p:cNvPr id="5" name="矩形 4">
+            <a:extLst>
+              <a:ext uri="{FF2B5EF4-FFF2-40B4-BE49-F238E27FC236}">
+                <a16:creationId xmlns:a16="http://schemas.microsoft.com/office/drawing/2014/main" id="{8ABFD7B8-3F75-2C72-23EA-93DBBD55DA9D}"/>
+              </a:ext>
+            </a:extLst>
+          </p:cNvPr>
+          <p:cNvSpPr/>
+          <p:nvPr/>
+        </p:nvSpPr>
+        <p:spPr>
+          <a:xfrm>
+            <a:off x="592573" y="2203666"/>
+            <a:ext cx="2358971" cy="933073"/>
+          </a:xfrm>
+          <a:prstGeom prst="rect">
+            <a:avLst/>
+          </a:prstGeom>
+          <a:noFill/>
+          <a:ln w="19050">
+            <a:solidFill>
+              <a:srgbClr val="FF0000"/>
+            </a:solidFill>
+          </a:ln>
+        </p:spPr>
+        <p:style>
+          <a:lnRef idx="2">
+            <a:schemeClr val="accent1">
+              <a:shade val="15000"/>
+            </a:schemeClr>
+          </a:lnRef>
+          <a:fillRef idx="1">
+            <a:schemeClr val="accent1"/>
+          </a:fillRef>
+          <a:effectRef idx="0">
+            <a:schemeClr val="accent1"/>
+          </a:effectRef>
+          <a:fontRef idx="minor">
+            <a:schemeClr val="lt1"/>
+          </a:fontRef>
+        </p:style>
+        <p:txBody>
+          <a:bodyPr rtlCol="0" anchor="ctr"/>
+          <a:lstStyle/>
+          <a:p>
+            <a:pPr algn="ctr"/>
+            <a:endParaRPr lang="zh-CN" altLang="en-US"/>
+          </a:p>
+        </p:txBody>
+      </p:sp>
+      <p:sp>
+        <p:nvSpPr>
+          <p:cNvPr id="6" name="矩形 5">
+            <a:extLst>
+              <a:ext uri="{FF2B5EF4-FFF2-40B4-BE49-F238E27FC236}">
+                <a16:creationId xmlns:a16="http://schemas.microsoft.com/office/drawing/2014/main" id="{579A6EB3-BC8C-9DB4-E1DC-359803C726B6}"/>
+              </a:ext>
+            </a:extLst>
+          </p:cNvPr>
+          <p:cNvSpPr/>
+          <p:nvPr/>
+        </p:nvSpPr>
+        <p:spPr>
+          <a:xfrm>
+            <a:off x="592572" y="3429000"/>
+            <a:ext cx="2358971" cy="933073"/>
+          </a:xfrm>
+          <a:prstGeom prst="rect">
+            <a:avLst/>
+          </a:prstGeom>
+          <a:noFill/>
+          <a:ln w="19050">
+            <a:solidFill>
+              <a:srgbClr val="FF0000"/>
+            </a:solidFill>
+          </a:ln>
+        </p:spPr>
+        <p:style>
+          <a:lnRef idx="2">
+            <a:schemeClr val="accent1">
+              <a:shade val="15000"/>
+            </a:schemeClr>
+          </a:lnRef>
+          <a:fillRef idx="1">
+            <a:schemeClr val="accent1"/>
+          </a:fillRef>
+          <a:effectRef idx="0">
+            <a:schemeClr val="accent1"/>
+          </a:effectRef>
+          <a:fontRef idx="minor">
+            <a:schemeClr val="lt1"/>
+          </a:fontRef>
+        </p:style>
+        <p:txBody>
+          <a:bodyPr rtlCol="0" anchor="ctr"/>
+          <a:lstStyle/>
+          <a:p>
+            <a:pPr algn="ctr"/>
+            <a:endParaRPr lang="zh-CN" altLang="en-US"/>
+          </a:p>
+        </p:txBody>
+      </p:sp>
+      <p:sp>
+        <p:nvSpPr>
+          <p:cNvPr id="7" name="矩形 6">
+            <a:extLst>
+              <a:ext uri="{FF2B5EF4-FFF2-40B4-BE49-F238E27FC236}">
+                <a16:creationId xmlns:a16="http://schemas.microsoft.com/office/drawing/2014/main" id="{26E55FB7-536C-A94C-2A80-DD8BC6855DEE}"/>
+              </a:ext>
+            </a:extLst>
+          </p:cNvPr>
+          <p:cNvSpPr/>
+          <p:nvPr/>
+        </p:nvSpPr>
+        <p:spPr>
+          <a:xfrm>
+            <a:off x="592572" y="4713811"/>
+            <a:ext cx="2358971" cy="933073"/>
+          </a:xfrm>
+          <a:prstGeom prst="rect">
+            <a:avLst/>
+          </a:prstGeom>
+          <a:noFill/>
+          <a:ln w="19050">
+            <a:solidFill>
+              <a:srgbClr val="FF0000"/>
+            </a:solidFill>
+          </a:ln>
+        </p:spPr>
+        <p:style>
+          <a:lnRef idx="2">
+            <a:schemeClr val="accent1">
+              <a:shade val="15000"/>
+            </a:schemeClr>
+          </a:lnRef>
+          <a:fillRef idx="1">
+            <a:schemeClr val="accent1"/>
+          </a:fillRef>
+          <a:effectRef idx="0">
+            <a:schemeClr val="accent1"/>
+          </a:effectRef>
+          <a:fontRef idx="minor">
+            <a:schemeClr val="lt1"/>
+          </a:fontRef>
+        </p:style>
+        <p:txBody>
+          <a:bodyPr rtlCol="0" anchor="ctr"/>
+          <a:lstStyle/>
+          <a:p>
+            <a:pPr algn="ctr"/>
+            <a:endParaRPr lang="zh-CN" altLang="en-US"/>
+          </a:p>
+        </p:txBody>
+      </p:sp>
+      <p:sp>
+        <p:nvSpPr>
+          <p:cNvPr id="8" name="箭头: 下 7">
+            <a:extLst>
+              <a:ext uri="{FF2B5EF4-FFF2-40B4-BE49-F238E27FC236}">
+                <a16:creationId xmlns:a16="http://schemas.microsoft.com/office/drawing/2014/main" id="{E3E65961-8BEC-9F11-CF89-27CC1D61A672}"/>
+              </a:ext>
+            </a:extLst>
+          </p:cNvPr>
+          <p:cNvSpPr/>
+          <p:nvPr/>
+        </p:nvSpPr>
+        <p:spPr>
+          <a:xfrm rot="15471661">
+            <a:off x="2457619" y="1028180"/>
+            <a:ext cx="469557" cy="766119"/>
+          </a:xfrm>
+          <a:prstGeom prst="downArrow">
+            <a:avLst/>
+          </a:prstGeom>
+        </p:spPr>
+        <p:style>
+          <a:lnRef idx="1">
+            <a:schemeClr val="accent5"/>
+          </a:lnRef>
+          <a:fillRef idx="2">
+            <a:schemeClr val="accent5"/>
+          </a:fillRef>
+          <a:effectRef idx="1">
+            <a:schemeClr val="accent5"/>
+          </a:effectRef>
+          <a:fontRef idx="minor">
+            <a:schemeClr val="dk1"/>
+          </a:fontRef>
+        </p:style>
+        <p:txBody>
+          <a:bodyPr rtlCol="0" anchor="ctr"/>
+          <a:lstStyle/>
+          <a:p>
+            <a:pPr algn="ctr"/>
+            <a:endParaRPr lang="zh-CN" altLang="en-US"/>
+          </a:p>
+        </p:txBody>
+      </p:sp>
+      <p:sp>
+        <p:nvSpPr>
+          <p:cNvPr id="9" name="文本框 8">
+            <a:extLst>
+              <a:ext uri="{FF2B5EF4-FFF2-40B4-BE49-F238E27FC236}">
+                <a16:creationId xmlns:a16="http://schemas.microsoft.com/office/drawing/2014/main" id="{995AB894-DF31-5834-5D5C-B6874CCA63DF}"/>
+              </a:ext>
+            </a:extLst>
+          </p:cNvPr>
+          <p:cNvSpPr txBox="1"/>
+          <p:nvPr/>
+        </p:nvSpPr>
+        <p:spPr>
+          <a:xfrm>
+            <a:off x="3291805" y="949574"/>
+            <a:ext cx="6417666" cy="923330"/>
+          </a:xfrm>
+          <a:prstGeom prst="rect">
+            <a:avLst/>
+          </a:prstGeom>
+          <a:noFill/>
+        </p:spPr>
+        <p:txBody>
+          <a:bodyPr wrap="square" rtlCol="0">
+            <a:spAutoFit/>
+          </a:bodyPr>
           <a:lstStyle/>
           <a:p>
             <a:r>
               <a:rPr lang="en-US" altLang="zh-CN" b="1" dirty="0">
-                <a:latin typeface="+mn-ea"/>
-                <a:ea typeface="+mn-ea"/>
+                <a:solidFill>
+                  <a:srgbClr val="FF0000"/>
+                </a:solidFill>
               </a:rPr>
-              <a:t>PLM-Rec</a:t>
-            </a:r>
-            <a:endParaRPr lang="zh-CN" altLang="en-US" b="1" dirty="0">
-              <a:latin typeface="+mn-ea"/>
-              <a:ea typeface="+mn-ea"/>
+              <a:t>a</a:t>
+            </a:r>
+            <a:r>
+              <a:rPr lang="en-US" altLang="zh-CN" b="1" dirty="0"/>
+              <a:t>. sampling </a:t>
+            </a:r>
+            <a:r>
+              <a:rPr lang="en-US" altLang="zh-CN" b="1" dirty="0">
+                <a:solidFill>
+                  <a:srgbClr val="FF0000"/>
+                </a:solidFill>
+              </a:rPr>
+              <a:t>user-item meta-path </a:t>
+            </a:r>
+            <a:r>
+              <a:rPr lang="en-US" altLang="zh-CN" b="1" dirty="0"/>
+              <a:t>and </a:t>
+            </a:r>
+            <a:r>
+              <a:rPr lang="en-US" altLang="zh-CN" b="1" dirty="0">
+                <a:solidFill>
+                  <a:srgbClr val="FF0000"/>
+                </a:solidFill>
+              </a:rPr>
+              <a:t>item-item meta-path</a:t>
+            </a:r>
+          </a:p>
+          <a:p>
+            <a:endParaRPr lang="en-US" altLang="zh-CN" b="1" dirty="0">
+              <a:solidFill>
+                <a:srgbClr val="FF0000"/>
+              </a:solidFill>
             </a:endParaRPr>
           </a:p>
-        </p:txBody>
-      </p:sp>
-      <p:sp>
-        <p:nvSpPr>
-          <p:cNvPr id="3" name="内容占位符 2">
-            <a:extLst>
-              <a:ext uri="{FF2B5EF4-FFF2-40B4-BE49-F238E27FC236}">
-                <a16:creationId xmlns:a16="http://schemas.microsoft.com/office/drawing/2014/main" id="{FD463B6A-E5D6-B9C7-CF5C-B8C96C48E85D}"/>
-              </a:ext>
-            </a:extLst>
-          </p:cNvPr>
-          <p:cNvSpPr>
-            <a:spLocks noGrp="1"/>
-          </p:cNvSpPr>
-          <p:nvPr>
-            <p:ph idx="1"/>
-          </p:nvPr>
-        </p:nvSpPr>
-        <p:spPr/>
-        <p:txBody>
-          <a:bodyPr/>
-          <a:lstStyle/>
-          <a:p>
-            <a:endParaRPr lang="zh-CN" altLang="en-US" dirty="0"/>
+          <a:p>
+            <a:r>
+              <a:rPr lang="en-US" altLang="zh-CN" b="1" dirty="0">
+                <a:solidFill>
+                  <a:srgbClr val="92D050"/>
+                </a:solidFill>
+              </a:rPr>
+              <a:t>b</a:t>
+            </a:r>
+            <a:r>
+              <a:rPr lang="en-US" altLang="zh-CN" b="1" dirty="0"/>
+              <a:t>. use Word2Vec</a:t>
+            </a:r>
+            <a:r>
+              <a:rPr lang="en-US" altLang="zh-CN" b="1" dirty="0">
+                <a:solidFill>
+                  <a:srgbClr val="FF0000"/>
+                </a:solidFill>
+              </a:rPr>
+              <a:t>(1) </a:t>
+            </a:r>
+            <a:r>
+              <a:rPr lang="en-US" altLang="zh-CN" b="1" dirty="0"/>
+              <a:t>and Mean(·) get path embedding </a:t>
+            </a:r>
+            <a:endParaRPr lang="zh-CN" altLang="en-US" b="1" dirty="0"/>
+          </a:p>
+        </p:txBody>
+      </p:sp>
+      <p:sp>
+        <p:nvSpPr>
+          <p:cNvPr id="10" name="文本框 9">
+            <a:extLst>
+              <a:ext uri="{FF2B5EF4-FFF2-40B4-BE49-F238E27FC236}">
+                <a16:creationId xmlns:a16="http://schemas.microsoft.com/office/drawing/2014/main" id="{601D0943-5294-77C9-7104-54F883F40FD1}"/>
+              </a:ext>
+            </a:extLst>
+          </p:cNvPr>
+          <p:cNvSpPr txBox="1"/>
+          <p:nvPr/>
+        </p:nvSpPr>
+        <p:spPr>
+          <a:xfrm>
+            <a:off x="499974" y="6347819"/>
+            <a:ext cx="8649731" cy="276999"/>
+          </a:xfrm>
+          <a:prstGeom prst="rect">
+            <a:avLst/>
+          </a:prstGeom>
+          <a:noFill/>
+        </p:spPr>
+        <p:txBody>
+          <a:bodyPr wrap="square" rtlCol="0">
+            <a:spAutoFit/>
+          </a:bodyPr>
+          <a:lstStyle/>
+          <a:p>
+            <a:r>
+              <a:rPr lang="en-US" altLang="zh-CN" sz="1200" dirty="0"/>
+              <a:t>(1) Tomas </a:t>
+            </a:r>
+            <a:r>
+              <a:rPr lang="en-US" altLang="zh-CN" sz="1200" dirty="0" err="1"/>
+              <a:t>Mikolov</a:t>
+            </a:r>
+            <a:r>
+              <a:rPr lang="en-US" altLang="zh-CN" sz="1200" dirty="0"/>
+              <a:t>, Kai Chen, Greg Corrado, and Jeffrey Dean. 2013. Efficient estimation of word representations in vector space.</a:t>
+            </a:r>
+            <a:endParaRPr lang="zh-CN" altLang="en-US" sz="1200" dirty="0"/>
+          </a:p>
+        </p:txBody>
+      </p:sp>
+      <p:sp>
+        <p:nvSpPr>
+          <p:cNvPr id="11" name="矩形 10">
+            <a:extLst>
+              <a:ext uri="{FF2B5EF4-FFF2-40B4-BE49-F238E27FC236}">
+                <a16:creationId xmlns:a16="http://schemas.microsoft.com/office/drawing/2014/main" id="{392F4D37-8B49-F88D-DC0B-603F47EC1B94}"/>
+              </a:ext>
+            </a:extLst>
+          </p:cNvPr>
+          <p:cNvSpPr/>
+          <p:nvPr/>
+        </p:nvSpPr>
+        <p:spPr>
+          <a:xfrm>
+            <a:off x="3008225" y="2091696"/>
+            <a:ext cx="452606" cy="1018572"/>
+          </a:xfrm>
+          <a:prstGeom prst="rect">
+            <a:avLst/>
+          </a:prstGeom>
+          <a:noFill/>
+          <a:ln w="19050">
+            <a:solidFill>
+              <a:srgbClr val="92D050"/>
+            </a:solidFill>
+          </a:ln>
+        </p:spPr>
+        <p:style>
+          <a:lnRef idx="2">
+            <a:schemeClr val="accent1">
+              <a:shade val="15000"/>
+            </a:schemeClr>
+          </a:lnRef>
+          <a:fillRef idx="1">
+            <a:schemeClr val="accent1"/>
+          </a:fillRef>
+          <a:effectRef idx="0">
+            <a:schemeClr val="accent1"/>
+          </a:effectRef>
+          <a:fontRef idx="minor">
+            <a:schemeClr val="lt1"/>
+          </a:fontRef>
+        </p:style>
+        <p:txBody>
+          <a:bodyPr rtlCol="0" anchor="ctr"/>
+          <a:lstStyle/>
+          <a:p>
+            <a:pPr algn="ctr"/>
+            <a:endParaRPr lang="zh-CN" altLang="en-US"/>
+          </a:p>
+        </p:txBody>
+      </p:sp>
+      <p:sp>
+        <p:nvSpPr>
+          <p:cNvPr id="12" name="矩形 11">
+            <a:extLst>
+              <a:ext uri="{FF2B5EF4-FFF2-40B4-BE49-F238E27FC236}">
+                <a16:creationId xmlns:a16="http://schemas.microsoft.com/office/drawing/2014/main" id="{F73D8069-8C83-1265-626D-F46BE78E82A9}"/>
+              </a:ext>
+            </a:extLst>
+          </p:cNvPr>
+          <p:cNvSpPr/>
+          <p:nvPr/>
+        </p:nvSpPr>
+        <p:spPr>
+          <a:xfrm>
+            <a:off x="2996651" y="3386250"/>
+            <a:ext cx="452606" cy="1018572"/>
+          </a:xfrm>
+          <a:prstGeom prst="rect">
+            <a:avLst/>
+          </a:prstGeom>
+          <a:noFill/>
+          <a:ln w="19050">
+            <a:solidFill>
+              <a:srgbClr val="92D050"/>
+            </a:solidFill>
+          </a:ln>
+        </p:spPr>
+        <p:style>
+          <a:lnRef idx="2">
+            <a:schemeClr val="accent1">
+              <a:shade val="15000"/>
+            </a:schemeClr>
+          </a:lnRef>
+          <a:fillRef idx="1">
+            <a:schemeClr val="accent1"/>
+          </a:fillRef>
+          <a:effectRef idx="0">
+            <a:schemeClr val="accent1"/>
+          </a:effectRef>
+          <a:fontRef idx="minor">
+            <a:schemeClr val="lt1"/>
+          </a:fontRef>
+        </p:style>
+        <p:txBody>
+          <a:bodyPr rtlCol="0" anchor="ctr"/>
+          <a:lstStyle/>
+          <a:p>
+            <a:pPr algn="ctr"/>
+            <a:endParaRPr lang="zh-CN" altLang="en-US"/>
+          </a:p>
+        </p:txBody>
+      </p:sp>
+      <p:sp>
+        <p:nvSpPr>
+          <p:cNvPr id="13" name="矩形 12">
+            <a:extLst>
+              <a:ext uri="{FF2B5EF4-FFF2-40B4-BE49-F238E27FC236}">
+                <a16:creationId xmlns:a16="http://schemas.microsoft.com/office/drawing/2014/main" id="{1C52A0C9-D9C7-F525-3E26-B39D1C9B2C2B}"/>
+              </a:ext>
+            </a:extLst>
+          </p:cNvPr>
+          <p:cNvSpPr/>
+          <p:nvPr/>
+        </p:nvSpPr>
+        <p:spPr>
+          <a:xfrm>
+            <a:off x="3008225" y="4683604"/>
+            <a:ext cx="452606" cy="1018572"/>
+          </a:xfrm>
+          <a:prstGeom prst="rect">
+            <a:avLst/>
+          </a:prstGeom>
+          <a:noFill/>
+          <a:ln w="19050">
+            <a:solidFill>
+              <a:srgbClr val="92D050"/>
+            </a:solidFill>
+          </a:ln>
+        </p:spPr>
+        <p:style>
+          <a:lnRef idx="2">
+            <a:schemeClr val="accent1">
+              <a:shade val="15000"/>
+            </a:schemeClr>
+          </a:lnRef>
+          <a:fillRef idx="1">
+            <a:schemeClr val="accent1"/>
+          </a:fillRef>
+          <a:effectRef idx="0">
+            <a:schemeClr val="accent1"/>
+          </a:effectRef>
+          <a:fontRef idx="minor">
+            <a:schemeClr val="lt1"/>
+          </a:fontRef>
+        </p:style>
+        <p:txBody>
+          <a:bodyPr rtlCol="0" anchor="ctr"/>
+          <a:lstStyle/>
+          <a:p>
+            <a:pPr algn="ctr"/>
+            <a:endParaRPr lang="zh-CN" altLang="en-US"/>
           </a:p>
         </p:txBody>
       </p:sp>
     </p:spTree>
     <p:extLst>
       <p:ext uri="{BB962C8B-B14F-4D97-AF65-F5344CB8AC3E}">
-        <p14:creationId xmlns:p14="http://schemas.microsoft.com/office/powerpoint/2010/main" val="1566559026"/>
+        <p14:creationId xmlns:p14="http://schemas.microsoft.com/office/powerpoint/2010/main" val="20568239"/>
       </p:ext>
     </p:extLst>
   </p:cSld>
@@ -9648,68 +11601,197 @@
       </p:grpSpPr>
       <p:sp>
         <p:nvSpPr>
-          <p:cNvPr id="2" name="标题 1">
-            <a:extLst>
-              <a:ext uri="{FF2B5EF4-FFF2-40B4-BE49-F238E27FC236}">
-                <a16:creationId xmlns:a16="http://schemas.microsoft.com/office/drawing/2014/main" id="{BAAA65B1-B733-7AF4-F26B-D984687C5897}"/>
-              </a:ext>
-            </a:extLst>
-          </p:cNvPr>
-          <p:cNvSpPr>
-            <a:spLocks noGrp="1"/>
-          </p:cNvSpPr>
-          <p:nvPr>
-            <p:ph type="title"/>
-          </p:nvPr>
-        </p:nvSpPr>
-        <p:spPr/>
-        <p:txBody>
-          <a:bodyPr/>
-          <a:lstStyle/>
-          <a:p>
-            <a:r>
-              <a:rPr lang="en-US" altLang="zh-CN" b="1" dirty="0">
-                <a:latin typeface="+mn-ea"/>
-                <a:ea typeface="+mn-ea"/>
+          <p:cNvPr id="4" name="文本框 3">
+            <a:extLst>
+              <a:ext uri="{FF2B5EF4-FFF2-40B4-BE49-F238E27FC236}">
+                <a16:creationId xmlns:a16="http://schemas.microsoft.com/office/drawing/2014/main" id="{EE772367-FD3B-81F1-24BB-59729235A50F}"/>
+              </a:ext>
+            </a:extLst>
+          </p:cNvPr>
+          <p:cNvSpPr txBox="1"/>
+          <p:nvPr/>
+        </p:nvSpPr>
+        <p:spPr>
+          <a:xfrm>
+            <a:off x="694480" y="497711"/>
+            <a:ext cx="11609409" cy="7725192"/>
+          </a:xfrm>
+          <a:prstGeom prst="rect">
+            <a:avLst/>
+          </a:prstGeom>
+          <a:noFill/>
+        </p:spPr>
+        <p:txBody>
+          <a:bodyPr wrap="square" rtlCol="0">
+            <a:spAutoFit/>
+          </a:bodyPr>
+          <a:lstStyle/>
+          <a:p>
+            <a:r>
+              <a:rPr lang="en-US" altLang="zh-CN" sz="3200" b="1" dirty="0"/>
+              <a:t>meta-path</a:t>
+            </a:r>
+          </a:p>
+          <a:p>
+            <a:endParaRPr lang="en-US" altLang="zh-CN" sz="3200" b="1" dirty="0"/>
+          </a:p>
+          <a:p>
+            <a:r>
+              <a:rPr lang="en-US" altLang="zh-CN" sz="2400" b="1" dirty="0"/>
+              <a:t>Pattern:    UIBI(user -&gt; item -&gt; brand -&gt; item)</a:t>
+            </a:r>
+          </a:p>
+          <a:p>
+            <a:r>
+              <a:rPr lang="en-US" altLang="zh-CN" sz="2400" b="1" dirty="0"/>
+              <a:t>	      </a:t>
+            </a:r>
+          </a:p>
+          <a:p>
+            <a:r>
+              <a:rPr lang="en-US" altLang="zh-CN" sz="2400" b="1" dirty="0"/>
+              <a:t>	      IUIBI(item -&gt; user -&gt; item -&gt; brand -&gt; item)</a:t>
+            </a:r>
+          </a:p>
+          <a:p>
+            <a:endParaRPr lang="en-US" altLang="zh-CN" sz="2400" b="1" dirty="0"/>
+          </a:p>
+          <a:p>
+            <a:r>
+              <a:rPr lang="en-US" altLang="zh-CN" sz="2400" b="1" dirty="0"/>
+              <a:t>Instance:   Alice -&gt; iPhone 11 pro -&gt; Apple -&gt; iPad</a:t>
+            </a:r>
+          </a:p>
+          <a:p>
+            <a:r>
+              <a:rPr lang="en-US" altLang="zh-CN" sz="2400" b="1" dirty="0"/>
+              <a:t>	      </a:t>
+            </a:r>
+          </a:p>
+          <a:p>
+            <a:r>
+              <a:rPr lang="en-US" altLang="zh-CN" sz="2400" b="1" dirty="0"/>
+              <a:t>	       iPhone 11 pro -&gt; Alice -&gt; iPad -&gt; Apple -&gt; </a:t>
+            </a:r>
+            <a:r>
+              <a:rPr lang="en-US" altLang="zh-CN" sz="2400" b="1" dirty="0" err="1"/>
+              <a:t>Airpods</a:t>
+            </a:r>
+            <a:endParaRPr lang="en-US" altLang="zh-CN" sz="2400" b="1" dirty="0"/>
+          </a:p>
+          <a:p>
+            <a:endParaRPr lang="en-US" altLang="zh-CN" sz="2400" b="1" dirty="0"/>
+          </a:p>
+          <a:p>
+            <a:endParaRPr lang="en-US" altLang="zh-CN" sz="2400" b="1" dirty="0"/>
+          </a:p>
+          <a:p>
+            <a:r>
+              <a:rPr lang="en-US" altLang="zh-CN" sz="2400" b="1" dirty="0">
+                <a:solidFill>
+                  <a:srgbClr val="FF0000"/>
+                </a:solidFill>
               </a:rPr>
-              <a:t>Idea</a:t>
-            </a:r>
-            <a:endParaRPr lang="zh-CN" altLang="en-US" b="1" dirty="0">
-              <a:latin typeface="+mn-ea"/>
-              <a:ea typeface="+mn-ea"/>
+              <a:t>How to sample?   </a:t>
+            </a:r>
+            <a:r>
+              <a:rPr lang="en-US" altLang="zh-CN" sz="2400" b="1" dirty="0"/>
+              <a:t>UIBI for example</a:t>
+            </a:r>
+          </a:p>
+          <a:p>
+            <a:endParaRPr lang="en-US" altLang="zh-CN" sz="2400" b="1" dirty="0">
+              <a:solidFill>
+                <a:srgbClr val="FF0000"/>
+              </a:solidFill>
             </a:endParaRPr>
           </a:p>
-        </p:txBody>
-      </p:sp>
-      <p:sp>
-        <p:nvSpPr>
-          <p:cNvPr id="3" name="内容占位符 2">
-            <a:extLst>
-              <a:ext uri="{FF2B5EF4-FFF2-40B4-BE49-F238E27FC236}">
-                <a16:creationId xmlns:a16="http://schemas.microsoft.com/office/drawing/2014/main" id="{0E03CF47-8AEA-26E1-B6C8-FEB94A915251}"/>
-              </a:ext>
-            </a:extLst>
-          </p:cNvPr>
-          <p:cNvSpPr>
-            <a:spLocks noGrp="1"/>
-          </p:cNvSpPr>
-          <p:nvPr>
-            <p:ph idx="1"/>
-          </p:nvPr>
-        </p:nvSpPr>
-        <p:spPr/>
-        <p:txBody>
-          <a:bodyPr/>
-          <a:lstStyle/>
-          <a:p>
-            <a:endParaRPr lang="zh-CN" altLang="en-US" dirty="0"/>
-          </a:p>
-        </p:txBody>
-      </p:sp>
+          <a:p>
+            <a:pPr marL="457200" indent="-457200">
+              <a:buFont typeface="+mj-lt"/>
+              <a:buAutoNum type="alphaLcParenR"/>
+            </a:pPr>
+            <a:r>
+              <a:rPr lang="en-US" altLang="zh-CN" sz="2400" b="1" dirty="0"/>
+              <a:t>calculate the similarity of U and I,  get top k paths to form start sub-paths </a:t>
+            </a:r>
+          </a:p>
+          <a:p>
+            <a:pPr marL="457200" indent="-457200">
+              <a:buFont typeface="+mj-lt"/>
+              <a:buAutoNum type="alphaLcParenR"/>
+            </a:pPr>
+            <a:r>
+              <a:rPr lang="en-US" altLang="zh-CN" sz="2400" b="1" dirty="0"/>
+              <a:t>calculate the similarity of B and I,  get top k paths to form end sub-paths </a:t>
+            </a:r>
+          </a:p>
+          <a:p>
+            <a:pPr marL="457200" indent="-457200">
+              <a:buFont typeface="+mj-lt"/>
+              <a:buAutoNum type="alphaLcParenR"/>
+            </a:pPr>
+            <a:r>
+              <a:rPr lang="en-US" altLang="zh-CN" sz="2400" b="1" dirty="0"/>
+              <a:t>calculate the similarity of I and B,  get top k paths to form middle sub-paths </a:t>
+            </a:r>
+          </a:p>
+          <a:p>
+            <a:pPr marL="457200" indent="-457200">
+              <a:buFont typeface="+mj-lt"/>
+              <a:buAutoNum type="alphaLcParenR"/>
+            </a:pPr>
+            <a:endParaRPr lang="en-US" altLang="zh-CN" sz="2400" b="1" dirty="0"/>
+          </a:p>
+          <a:p>
+            <a:pPr marL="457200" indent="-457200">
+              <a:buFont typeface="+mj-lt"/>
+              <a:buAutoNum type="alphaLcParenR"/>
+            </a:pPr>
+            <a:endParaRPr lang="en-US" altLang="zh-CN" sz="2400" b="1" dirty="0"/>
+          </a:p>
+          <a:p>
+            <a:endParaRPr lang="en-US" altLang="zh-CN" sz="2400" b="1" dirty="0"/>
+          </a:p>
+          <a:p>
+            <a:endParaRPr lang="zh-CN" altLang="en-US" sz="2400" b="1" dirty="0"/>
+          </a:p>
+        </p:txBody>
+      </p:sp>
+      <p:pic>
+        <p:nvPicPr>
+          <p:cNvPr id="5" name="图片 4">
+            <a:extLst>
+              <a:ext uri="{FF2B5EF4-FFF2-40B4-BE49-F238E27FC236}">
+                <a16:creationId xmlns:a16="http://schemas.microsoft.com/office/drawing/2014/main" id="{55C1DFCD-BD0B-76D1-C7D1-495249818C3C}"/>
+              </a:ext>
+            </a:extLst>
+          </p:cNvPr>
+          <p:cNvPicPr>
+            <a:picLocks noChangeAspect="1"/>
+          </p:cNvPicPr>
+          <p:nvPr/>
+        </p:nvPicPr>
+        <p:blipFill>
+          <a:blip r:embed="rId3"/>
+          <a:stretch>
+            <a:fillRect/>
+          </a:stretch>
+        </p:blipFill>
+        <p:spPr>
+          <a:xfrm>
+            <a:off x="8607019" y="127321"/>
+            <a:ext cx="3249315" cy="2480660"/>
+          </a:xfrm>
+          <a:prstGeom prst="rect">
+            <a:avLst/>
+          </a:prstGeom>
+        </p:spPr>
+      </p:pic>
     </p:spTree>
     <p:extLst>
       <p:ext uri="{BB962C8B-B14F-4D97-AF65-F5344CB8AC3E}">
-        <p14:creationId xmlns:p14="http://schemas.microsoft.com/office/powerpoint/2010/main" val="543992244"/>
+        <p14:creationId xmlns:p14="http://schemas.microsoft.com/office/powerpoint/2010/main" val="1962716130"/>
       </p:ext>
     </p:extLst>
   </p:cSld>
@@ -9738,68 +11820,1635 @@
       </p:grpSpPr>
       <p:sp>
         <p:nvSpPr>
-          <p:cNvPr id="2" name="标题 1">
-            <a:extLst>
-              <a:ext uri="{FF2B5EF4-FFF2-40B4-BE49-F238E27FC236}">
-                <a16:creationId xmlns:a16="http://schemas.microsoft.com/office/drawing/2014/main" id="{9482B2E0-3D6A-2115-352A-EEA94230B516}"/>
-              </a:ext>
-            </a:extLst>
-          </p:cNvPr>
-          <p:cNvSpPr>
-            <a:spLocks noGrp="1"/>
-          </p:cNvSpPr>
-          <p:nvPr>
-            <p:ph type="title"/>
-          </p:nvPr>
-        </p:nvSpPr>
-        <p:spPr/>
-        <p:txBody>
-          <a:bodyPr/>
-          <a:lstStyle/>
-          <a:p>
-            <a:r>
-              <a:rPr lang="en-US" altLang="zh-CN" b="1" dirty="0">
-                <a:latin typeface="+mn-ea"/>
-                <a:ea typeface="+mn-ea"/>
-              </a:rPr>
-              <a:t>Problem</a:t>
-            </a:r>
-            <a:endParaRPr lang="zh-CN" altLang="en-US" b="1" dirty="0">
-              <a:latin typeface="+mn-ea"/>
-              <a:ea typeface="+mn-ea"/>
-            </a:endParaRPr>
-          </a:p>
-        </p:txBody>
-      </p:sp>
-      <p:sp>
-        <p:nvSpPr>
-          <p:cNvPr id="3" name="内容占位符 2">
-            <a:extLst>
-              <a:ext uri="{FF2B5EF4-FFF2-40B4-BE49-F238E27FC236}">
-                <a16:creationId xmlns:a16="http://schemas.microsoft.com/office/drawing/2014/main" id="{58B66598-70F0-0E5A-D17F-01A7DE413880}"/>
-              </a:ext>
-            </a:extLst>
-          </p:cNvPr>
-          <p:cNvSpPr>
-            <a:spLocks noGrp="1"/>
-          </p:cNvSpPr>
-          <p:nvPr>
-            <p:ph idx="1"/>
-          </p:nvPr>
-        </p:nvSpPr>
-        <p:spPr/>
-        <p:txBody>
-          <a:bodyPr/>
-          <a:lstStyle/>
-          <a:p>
-            <a:endParaRPr lang="zh-CN" altLang="en-US" dirty="0"/>
-          </a:p>
-        </p:txBody>
-      </p:sp>
+          <p:cNvPr id="4" name="文本框 3">
+            <a:extLst>
+              <a:ext uri="{FF2B5EF4-FFF2-40B4-BE49-F238E27FC236}">
+                <a16:creationId xmlns:a16="http://schemas.microsoft.com/office/drawing/2014/main" id="{F9DF9784-9BFD-D869-D798-11F733B073DE}"/>
+              </a:ext>
+            </a:extLst>
+          </p:cNvPr>
+          <p:cNvSpPr txBox="1"/>
+          <p:nvPr/>
+        </p:nvSpPr>
+        <p:spPr>
+          <a:xfrm>
+            <a:off x="40512" y="58846"/>
+            <a:ext cx="10162572" cy="6740307"/>
+          </a:xfrm>
+          <a:prstGeom prst="rect">
+            <a:avLst/>
+          </a:prstGeom>
+          <a:noFill/>
+        </p:spPr>
+        <p:txBody>
+          <a:bodyPr wrap="square" rtlCol="0">
+            <a:spAutoFit/>
+          </a:bodyPr>
+          <a:lstStyle/>
+          <a:p>
+            <a:r>
+              <a:rPr lang="en-US" altLang="zh-CN" sz="2400" b="1" dirty="0"/>
+              <a:t>for user-item meta-path: UIBI UICI UIBICI UICIBI</a:t>
+            </a:r>
+          </a:p>
+          <a:p>
+            <a:endParaRPr lang="en-US" altLang="zh-CN" sz="2400" b="1" dirty="0"/>
+          </a:p>
+          <a:p>
+            <a:endParaRPr lang="en-US" altLang="zh-CN" sz="2400" b="1" dirty="0"/>
+          </a:p>
+          <a:p>
+            <a:endParaRPr lang="en-US" altLang="zh-CN" sz="2400" b="1" dirty="0"/>
+          </a:p>
+          <a:p>
+            <a:endParaRPr lang="en-US" altLang="zh-CN" sz="2400" b="1" dirty="0"/>
+          </a:p>
+          <a:p>
+            <a:endParaRPr lang="en-US" altLang="zh-CN" sz="2400" b="1" dirty="0"/>
+          </a:p>
+          <a:p>
+            <a:endParaRPr lang="en-US" altLang="zh-CN" sz="2400" b="1" dirty="0"/>
+          </a:p>
+          <a:p>
+            <a:endParaRPr lang="en-US" altLang="zh-CN" sz="2400" b="1" dirty="0"/>
+          </a:p>
+          <a:p>
+            <a:endParaRPr lang="en-US" altLang="zh-CN" sz="2400" b="1" dirty="0"/>
+          </a:p>
+          <a:p>
+            <a:endParaRPr lang="en-US" altLang="zh-CN" sz="2400" b="1" dirty="0"/>
+          </a:p>
+          <a:p>
+            <a:endParaRPr lang="en-US" altLang="zh-CN" sz="2400" b="1" dirty="0"/>
+          </a:p>
+          <a:p>
+            <a:endParaRPr lang="en-US" altLang="zh-CN" sz="2400" b="1" dirty="0"/>
+          </a:p>
+          <a:p>
+            <a:endParaRPr lang="en-US" altLang="zh-CN" sz="2400" b="1" dirty="0"/>
+          </a:p>
+          <a:p>
+            <a:endParaRPr lang="en-US" altLang="zh-CN" sz="2400" b="1" dirty="0"/>
+          </a:p>
+          <a:p>
+            <a:endParaRPr lang="en-US" altLang="zh-CN" sz="2400" b="1" dirty="0"/>
+          </a:p>
+          <a:p>
+            <a:endParaRPr lang="en-US" altLang="zh-CN" sz="2400" b="1" dirty="0"/>
+          </a:p>
+          <a:p>
+            <a:r>
+              <a:rPr lang="en-US" altLang="zh-CN" sz="2400" b="1" dirty="0"/>
+              <a:t>for item-item meta-path: ICIBI IBICI ICICI IBIBI IUIUI ICIUI IBIUI</a:t>
+            </a:r>
+          </a:p>
+          <a:p>
+            <a:r>
+              <a:rPr lang="en-US" altLang="zh-CN" sz="2400" b="1" dirty="0"/>
+              <a:t>	      </a:t>
+            </a:r>
+          </a:p>
+        </p:txBody>
+      </p:sp>
+      <p:sp>
+        <p:nvSpPr>
+          <p:cNvPr id="5" name="矩形: 圆角 4">
+            <a:extLst>
+              <a:ext uri="{FF2B5EF4-FFF2-40B4-BE49-F238E27FC236}">
+                <a16:creationId xmlns:a16="http://schemas.microsoft.com/office/drawing/2014/main" id="{29D232A9-AD29-9E8C-AD8E-2F3EC18660C3}"/>
+              </a:ext>
+            </a:extLst>
+          </p:cNvPr>
+          <p:cNvSpPr/>
+          <p:nvPr/>
+        </p:nvSpPr>
+        <p:spPr>
+          <a:xfrm>
+            <a:off x="173621" y="1245702"/>
+            <a:ext cx="1281655" cy="775503"/>
+          </a:xfrm>
+          <a:prstGeom prst="roundRect">
+            <a:avLst/>
+          </a:prstGeom>
+        </p:spPr>
+        <p:style>
+          <a:lnRef idx="1">
+            <a:schemeClr val="accent5"/>
+          </a:lnRef>
+          <a:fillRef idx="2">
+            <a:schemeClr val="accent5"/>
+          </a:fillRef>
+          <a:effectRef idx="1">
+            <a:schemeClr val="accent5"/>
+          </a:effectRef>
+          <a:fontRef idx="minor">
+            <a:schemeClr val="dk1"/>
+          </a:fontRef>
+        </p:style>
+        <p:txBody>
+          <a:bodyPr rtlCol="0" anchor="ctr"/>
+          <a:lstStyle/>
+          <a:p>
+            <a:pPr algn="ctr"/>
+            <a:r>
+              <a:rPr lang="en-US" altLang="zh-CN" b="1" dirty="0"/>
+              <a:t>User</a:t>
+            </a:r>
+            <a:endParaRPr lang="zh-CN" altLang="en-US" b="1" dirty="0"/>
+          </a:p>
+        </p:txBody>
+      </p:sp>
+      <p:sp>
+        <p:nvSpPr>
+          <p:cNvPr id="6" name="矩形: 圆角 5">
+            <a:extLst>
+              <a:ext uri="{FF2B5EF4-FFF2-40B4-BE49-F238E27FC236}">
+                <a16:creationId xmlns:a16="http://schemas.microsoft.com/office/drawing/2014/main" id="{604CA93F-1900-D194-5313-417D514E7353}"/>
+              </a:ext>
+            </a:extLst>
+          </p:cNvPr>
+          <p:cNvSpPr/>
+          <p:nvPr/>
+        </p:nvSpPr>
+        <p:spPr>
+          <a:xfrm>
+            <a:off x="2006882" y="1245701"/>
+            <a:ext cx="1281655" cy="775503"/>
+          </a:xfrm>
+          <a:prstGeom prst="roundRect">
+            <a:avLst/>
+          </a:prstGeom>
+        </p:spPr>
+        <p:style>
+          <a:lnRef idx="1">
+            <a:schemeClr val="accent5"/>
+          </a:lnRef>
+          <a:fillRef idx="2">
+            <a:schemeClr val="accent5"/>
+          </a:fillRef>
+          <a:effectRef idx="1">
+            <a:schemeClr val="accent5"/>
+          </a:effectRef>
+          <a:fontRef idx="minor">
+            <a:schemeClr val="dk1"/>
+          </a:fontRef>
+        </p:style>
+        <p:txBody>
+          <a:bodyPr rtlCol="0" anchor="ctr"/>
+          <a:lstStyle/>
+          <a:p>
+            <a:pPr algn="ctr"/>
+            <a:r>
+              <a:rPr lang="en-US" altLang="zh-CN" b="1" dirty="0"/>
+              <a:t>Item</a:t>
+            </a:r>
+            <a:endParaRPr lang="zh-CN" altLang="en-US" b="1" dirty="0"/>
+          </a:p>
+        </p:txBody>
+      </p:sp>
+      <p:sp>
+        <p:nvSpPr>
+          <p:cNvPr id="7" name="矩形: 圆角 6">
+            <a:extLst>
+              <a:ext uri="{FF2B5EF4-FFF2-40B4-BE49-F238E27FC236}">
+                <a16:creationId xmlns:a16="http://schemas.microsoft.com/office/drawing/2014/main" id="{863FD8FA-ED70-33D3-236E-B0D309747A97}"/>
+              </a:ext>
+            </a:extLst>
+          </p:cNvPr>
+          <p:cNvSpPr/>
+          <p:nvPr/>
+        </p:nvSpPr>
+        <p:spPr>
+          <a:xfrm>
+            <a:off x="3840143" y="620666"/>
+            <a:ext cx="1281655" cy="775503"/>
+          </a:xfrm>
+          <a:prstGeom prst="roundRect">
+            <a:avLst/>
+          </a:prstGeom>
+        </p:spPr>
+        <p:style>
+          <a:lnRef idx="1">
+            <a:schemeClr val="accent5"/>
+          </a:lnRef>
+          <a:fillRef idx="2">
+            <a:schemeClr val="accent5"/>
+          </a:fillRef>
+          <a:effectRef idx="1">
+            <a:schemeClr val="accent5"/>
+          </a:effectRef>
+          <a:fontRef idx="minor">
+            <a:schemeClr val="dk1"/>
+          </a:fontRef>
+        </p:style>
+        <p:txBody>
+          <a:bodyPr rtlCol="0" anchor="ctr"/>
+          <a:lstStyle/>
+          <a:p>
+            <a:pPr algn="ctr"/>
+            <a:r>
+              <a:rPr lang="en-US" altLang="zh-CN" b="1" dirty="0"/>
+              <a:t>Brand</a:t>
+            </a:r>
+            <a:endParaRPr lang="zh-CN" altLang="en-US" b="1" dirty="0"/>
+          </a:p>
+        </p:txBody>
+      </p:sp>
+      <p:sp>
+        <p:nvSpPr>
+          <p:cNvPr id="8" name="矩形: 圆角 7">
+            <a:extLst>
+              <a:ext uri="{FF2B5EF4-FFF2-40B4-BE49-F238E27FC236}">
+                <a16:creationId xmlns:a16="http://schemas.microsoft.com/office/drawing/2014/main" id="{44990891-3FC2-24A4-49BA-C76E1E9BCC9C}"/>
+              </a:ext>
+            </a:extLst>
+          </p:cNvPr>
+          <p:cNvSpPr/>
+          <p:nvPr/>
+        </p:nvSpPr>
+        <p:spPr>
+          <a:xfrm>
+            <a:off x="3840143" y="1993690"/>
+            <a:ext cx="1281655" cy="775503"/>
+          </a:xfrm>
+          <a:prstGeom prst="roundRect">
+            <a:avLst/>
+          </a:prstGeom>
+        </p:spPr>
+        <p:style>
+          <a:lnRef idx="1">
+            <a:schemeClr val="accent5"/>
+          </a:lnRef>
+          <a:fillRef idx="2">
+            <a:schemeClr val="accent5"/>
+          </a:fillRef>
+          <a:effectRef idx="1">
+            <a:schemeClr val="accent5"/>
+          </a:effectRef>
+          <a:fontRef idx="minor">
+            <a:schemeClr val="dk1"/>
+          </a:fontRef>
+        </p:style>
+        <p:txBody>
+          <a:bodyPr rtlCol="0" anchor="ctr"/>
+          <a:lstStyle/>
+          <a:p>
+            <a:pPr algn="ctr"/>
+            <a:r>
+              <a:rPr lang="en-US" altLang="zh-CN" b="1" dirty="0"/>
+              <a:t>Category</a:t>
+            </a:r>
+            <a:endParaRPr lang="zh-CN" altLang="en-US" b="1" dirty="0"/>
+          </a:p>
+        </p:txBody>
+      </p:sp>
+      <p:cxnSp>
+        <p:nvCxnSpPr>
+          <p:cNvPr id="10" name="直接箭头连接符 9">
+            <a:extLst>
+              <a:ext uri="{FF2B5EF4-FFF2-40B4-BE49-F238E27FC236}">
+                <a16:creationId xmlns:a16="http://schemas.microsoft.com/office/drawing/2014/main" id="{5623CFF5-0ED0-4421-7F78-92E16BEE7B81}"/>
+              </a:ext>
+            </a:extLst>
+          </p:cNvPr>
+          <p:cNvCxnSpPr>
+            <a:stCxn id="5" idx="3"/>
+            <a:endCxn id="6" idx="1"/>
+          </p:cNvCxnSpPr>
+          <p:nvPr/>
+        </p:nvCxnSpPr>
+        <p:spPr>
+          <a:xfrm flipV="1">
+            <a:off x="1455276" y="1633453"/>
+            <a:ext cx="551606" cy="1"/>
+          </a:xfrm>
+          <a:prstGeom prst="straightConnector1">
+            <a:avLst/>
+          </a:prstGeom>
+          <a:ln>
+            <a:tailEnd type="triangle"/>
+          </a:ln>
+        </p:spPr>
+        <p:style>
+          <a:lnRef idx="1">
+            <a:schemeClr val="accent1"/>
+          </a:lnRef>
+          <a:fillRef idx="0">
+            <a:schemeClr val="accent1"/>
+          </a:fillRef>
+          <a:effectRef idx="0">
+            <a:schemeClr val="accent1"/>
+          </a:effectRef>
+          <a:fontRef idx="minor">
+            <a:schemeClr val="tx1"/>
+          </a:fontRef>
+        </p:style>
+      </p:cxnSp>
+      <p:cxnSp>
+        <p:nvCxnSpPr>
+          <p:cNvPr id="12" name="直接箭头连接符 11">
+            <a:extLst>
+              <a:ext uri="{FF2B5EF4-FFF2-40B4-BE49-F238E27FC236}">
+                <a16:creationId xmlns:a16="http://schemas.microsoft.com/office/drawing/2014/main" id="{F07CE03A-2886-732F-2CDA-296FCECAA084}"/>
+              </a:ext>
+            </a:extLst>
+          </p:cNvPr>
+          <p:cNvCxnSpPr>
+            <a:stCxn id="6" idx="3"/>
+            <a:endCxn id="7" idx="1"/>
+          </p:cNvCxnSpPr>
+          <p:nvPr/>
+        </p:nvCxnSpPr>
+        <p:spPr>
+          <a:xfrm flipV="1">
+            <a:off x="3288537" y="1008418"/>
+            <a:ext cx="551606" cy="625035"/>
+          </a:xfrm>
+          <a:prstGeom prst="straightConnector1">
+            <a:avLst/>
+          </a:prstGeom>
+          <a:ln>
+            <a:tailEnd type="triangle"/>
+          </a:ln>
+        </p:spPr>
+        <p:style>
+          <a:lnRef idx="1">
+            <a:schemeClr val="accent1"/>
+          </a:lnRef>
+          <a:fillRef idx="0">
+            <a:schemeClr val="accent1"/>
+          </a:fillRef>
+          <a:effectRef idx="0">
+            <a:schemeClr val="accent1"/>
+          </a:effectRef>
+          <a:fontRef idx="minor">
+            <a:schemeClr val="tx1"/>
+          </a:fontRef>
+        </p:style>
+      </p:cxnSp>
+      <p:cxnSp>
+        <p:nvCxnSpPr>
+          <p:cNvPr id="14" name="直接箭头连接符 13">
+            <a:extLst>
+              <a:ext uri="{FF2B5EF4-FFF2-40B4-BE49-F238E27FC236}">
+                <a16:creationId xmlns:a16="http://schemas.microsoft.com/office/drawing/2014/main" id="{66D7D4EB-C4B3-5C4D-75DD-3467B1DD09E6}"/>
+              </a:ext>
+            </a:extLst>
+          </p:cNvPr>
+          <p:cNvCxnSpPr>
+            <a:stCxn id="6" idx="3"/>
+            <a:endCxn id="8" idx="1"/>
+          </p:cNvCxnSpPr>
+          <p:nvPr/>
+        </p:nvCxnSpPr>
+        <p:spPr>
+          <a:xfrm>
+            <a:off x="3288537" y="1633453"/>
+            <a:ext cx="551606" cy="747989"/>
+          </a:xfrm>
+          <a:prstGeom prst="straightConnector1">
+            <a:avLst/>
+          </a:prstGeom>
+          <a:ln>
+            <a:tailEnd type="triangle"/>
+          </a:ln>
+        </p:spPr>
+        <p:style>
+          <a:lnRef idx="1">
+            <a:schemeClr val="accent1"/>
+          </a:lnRef>
+          <a:fillRef idx="0">
+            <a:schemeClr val="accent1"/>
+          </a:fillRef>
+          <a:effectRef idx="0">
+            <a:schemeClr val="accent1"/>
+          </a:effectRef>
+          <a:fontRef idx="minor">
+            <a:schemeClr val="tx1"/>
+          </a:fontRef>
+        </p:style>
+      </p:cxnSp>
+      <p:sp>
+        <p:nvSpPr>
+          <p:cNvPr id="15" name="矩形: 圆角 14">
+            <a:extLst>
+              <a:ext uri="{FF2B5EF4-FFF2-40B4-BE49-F238E27FC236}">
+                <a16:creationId xmlns:a16="http://schemas.microsoft.com/office/drawing/2014/main" id="{09CBCC0C-E877-9B61-3A18-B3DD119C4608}"/>
+              </a:ext>
+            </a:extLst>
+          </p:cNvPr>
+          <p:cNvSpPr/>
+          <p:nvPr/>
+        </p:nvSpPr>
+        <p:spPr>
+          <a:xfrm>
+            <a:off x="5673404" y="1338349"/>
+            <a:ext cx="1281655" cy="775503"/>
+          </a:xfrm>
+          <a:prstGeom prst="roundRect">
+            <a:avLst/>
+          </a:prstGeom>
+        </p:spPr>
+        <p:style>
+          <a:lnRef idx="1">
+            <a:schemeClr val="accent5"/>
+          </a:lnRef>
+          <a:fillRef idx="2">
+            <a:schemeClr val="accent5"/>
+          </a:fillRef>
+          <a:effectRef idx="1">
+            <a:schemeClr val="accent5"/>
+          </a:effectRef>
+          <a:fontRef idx="minor">
+            <a:schemeClr val="dk1"/>
+          </a:fontRef>
+        </p:style>
+        <p:txBody>
+          <a:bodyPr rtlCol="0" anchor="ctr"/>
+          <a:lstStyle/>
+          <a:p>
+            <a:pPr algn="ctr"/>
+            <a:r>
+              <a:rPr lang="en-US" altLang="zh-CN" b="1" dirty="0"/>
+              <a:t>Item</a:t>
+            </a:r>
+            <a:endParaRPr lang="zh-CN" altLang="en-US" b="1" dirty="0"/>
+          </a:p>
+        </p:txBody>
+      </p:sp>
+      <p:cxnSp>
+        <p:nvCxnSpPr>
+          <p:cNvPr id="18" name="直接箭头连接符 17">
+            <a:extLst>
+              <a:ext uri="{FF2B5EF4-FFF2-40B4-BE49-F238E27FC236}">
+                <a16:creationId xmlns:a16="http://schemas.microsoft.com/office/drawing/2014/main" id="{BB5FA83D-D3BB-1373-B650-E8FAA6929BF5}"/>
+              </a:ext>
+            </a:extLst>
+          </p:cNvPr>
+          <p:cNvCxnSpPr>
+            <a:cxnSpLocks/>
+            <a:stCxn id="7" idx="3"/>
+            <a:endCxn id="15" idx="1"/>
+          </p:cNvCxnSpPr>
+          <p:nvPr/>
+        </p:nvCxnSpPr>
+        <p:spPr>
+          <a:xfrm>
+            <a:off x="5121798" y="1008418"/>
+            <a:ext cx="551606" cy="717683"/>
+          </a:xfrm>
+          <a:prstGeom prst="straightConnector1">
+            <a:avLst/>
+          </a:prstGeom>
+          <a:ln>
+            <a:tailEnd type="triangle"/>
+          </a:ln>
+        </p:spPr>
+        <p:style>
+          <a:lnRef idx="1">
+            <a:schemeClr val="accent1"/>
+          </a:lnRef>
+          <a:fillRef idx="0">
+            <a:schemeClr val="accent1"/>
+          </a:fillRef>
+          <a:effectRef idx="0">
+            <a:schemeClr val="accent1"/>
+          </a:effectRef>
+          <a:fontRef idx="minor">
+            <a:schemeClr val="tx1"/>
+          </a:fontRef>
+        </p:style>
+      </p:cxnSp>
+      <p:cxnSp>
+        <p:nvCxnSpPr>
+          <p:cNvPr id="21" name="直接箭头连接符 20">
+            <a:extLst>
+              <a:ext uri="{FF2B5EF4-FFF2-40B4-BE49-F238E27FC236}">
+                <a16:creationId xmlns:a16="http://schemas.microsoft.com/office/drawing/2014/main" id="{574C47AC-841F-1543-DED3-DD2A3B1252D8}"/>
+              </a:ext>
+            </a:extLst>
+          </p:cNvPr>
+          <p:cNvCxnSpPr>
+            <a:cxnSpLocks/>
+            <a:stCxn id="8" idx="3"/>
+            <a:endCxn id="15" idx="1"/>
+          </p:cNvCxnSpPr>
+          <p:nvPr/>
+        </p:nvCxnSpPr>
+        <p:spPr>
+          <a:xfrm flipV="1">
+            <a:off x="5121798" y="1726101"/>
+            <a:ext cx="551606" cy="655341"/>
+          </a:xfrm>
+          <a:prstGeom prst="straightConnector1">
+            <a:avLst/>
+          </a:prstGeom>
+          <a:ln>
+            <a:tailEnd type="triangle"/>
+          </a:ln>
+        </p:spPr>
+        <p:style>
+          <a:lnRef idx="1">
+            <a:schemeClr val="accent1"/>
+          </a:lnRef>
+          <a:fillRef idx="0">
+            <a:schemeClr val="accent1"/>
+          </a:fillRef>
+          <a:effectRef idx="0">
+            <a:schemeClr val="accent1"/>
+          </a:effectRef>
+          <a:fontRef idx="minor">
+            <a:schemeClr val="tx1"/>
+          </a:fontRef>
+        </p:style>
+      </p:cxnSp>
+      <p:sp>
+        <p:nvSpPr>
+          <p:cNvPr id="24" name="矩形: 圆角 23">
+            <a:extLst>
+              <a:ext uri="{FF2B5EF4-FFF2-40B4-BE49-F238E27FC236}">
+                <a16:creationId xmlns:a16="http://schemas.microsoft.com/office/drawing/2014/main" id="{58A0ACAF-18C8-7CA2-9C51-8FEA3750F5EC}"/>
+              </a:ext>
+            </a:extLst>
+          </p:cNvPr>
+          <p:cNvSpPr/>
+          <p:nvPr/>
+        </p:nvSpPr>
+        <p:spPr>
+          <a:xfrm>
+            <a:off x="279723" y="3810655"/>
+            <a:ext cx="1281655" cy="775503"/>
+          </a:xfrm>
+          <a:prstGeom prst="roundRect">
+            <a:avLst/>
+          </a:prstGeom>
+        </p:spPr>
+        <p:style>
+          <a:lnRef idx="1">
+            <a:schemeClr val="accent6"/>
+          </a:lnRef>
+          <a:fillRef idx="2">
+            <a:schemeClr val="accent6"/>
+          </a:fillRef>
+          <a:effectRef idx="1">
+            <a:schemeClr val="accent6"/>
+          </a:effectRef>
+          <a:fontRef idx="minor">
+            <a:schemeClr val="dk1"/>
+          </a:fontRef>
+        </p:style>
+        <p:txBody>
+          <a:bodyPr rtlCol="0" anchor="ctr"/>
+          <a:lstStyle/>
+          <a:p>
+            <a:pPr algn="ctr"/>
+            <a:r>
+              <a:rPr lang="en-US" altLang="zh-CN" b="1" dirty="0"/>
+              <a:t>User</a:t>
+            </a:r>
+            <a:endParaRPr lang="zh-CN" altLang="en-US" b="1" dirty="0"/>
+          </a:p>
+        </p:txBody>
+      </p:sp>
+      <p:sp>
+        <p:nvSpPr>
+          <p:cNvPr id="25" name="矩形: 圆角 24">
+            <a:extLst>
+              <a:ext uri="{FF2B5EF4-FFF2-40B4-BE49-F238E27FC236}">
+                <a16:creationId xmlns:a16="http://schemas.microsoft.com/office/drawing/2014/main" id="{F4A3742C-9FCF-85FC-8C56-50886319BE8B}"/>
+              </a:ext>
+            </a:extLst>
+          </p:cNvPr>
+          <p:cNvSpPr/>
+          <p:nvPr/>
+        </p:nvSpPr>
+        <p:spPr>
+          <a:xfrm>
+            <a:off x="2112984" y="3810654"/>
+            <a:ext cx="1281655" cy="775503"/>
+          </a:xfrm>
+          <a:prstGeom prst="roundRect">
+            <a:avLst/>
+          </a:prstGeom>
+        </p:spPr>
+        <p:style>
+          <a:lnRef idx="1">
+            <a:schemeClr val="accent6"/>
+          </a:lnRef>
+          <a:fillRef idx="2">
+            <a:schemeClr val="accent6"/>
+          </a:fillRef>
+          <a:effectRef idx="1">
+            <a:schemeClr val="accent6"/>
+          </a:effectRef>
+          <a:fontRef idx="minor">
+            <a:schemeClr val="dk1"/>
+          </a:fontRef>
+        </p:style>
+        <p:txBody>
+          <a:bodyPr rtlCol="0" anchor="ctr"/>
+          <a:lstStyle/>
+          <a:p>
+            <a:pPr algn="ctr"/>
+            <a:r>
+              <a:rPr lang="en-US" altLang="zh-CN" b="1" dirty="0"/>
+              <a:t>Item</a:t>
+            </a:r>
+            <a:endParaRPr lang="zh-CN" altLang="en-US" b="1" dirty="0"/>
+          </a:p>
+        </p:txBody>
+      </p:sp>
+      <p:sp>
+        <p:nvSpPr>
+          <p:cNvPr id="26" name="矩形: 圆角 25">
+            <a:extLst>
+              <a:ext uri="{FF2B5EF4-FFF2-40B4-BE49-F238E27FC236}">
+                <a16:creationId xmlns:a16="http://schemas.microsoft.com/office/drawing/2014/main" id="{711E5B69-6AE5-EBB3-D353-F9D8DD7AFD5C}"/>
+              </a:ext>
+            </a:extLst>
+          </p:cNvPr>
+          <p:cNvSpPr/>
+          <p:nvPr/>
+        </p:nvSpPr>
+        <p:spPr>
+          <a:xfrm>
+            <a:off x="3946245" y="3185619"/>
+            <a:ext cx="1281655" cy="775503"/>
+          </a:xfrm>
+          <a:prstGeom prst="roundRect">
+            <a:avLst/>
+          </a:prstGeom>
+        </p:spPr>
+        <p:style>
+          <a:lnRef idx="1">
+            <a:schemeClr val="accent6"/>
+          </a:lnRef>
+          <a:fillRef idx="2">
+            <a:schemeClr val="accent6"/>
+          </a:fillRef>
+          <a:effectRef idx="1">
+            <a:schemeClr val="accent6"/>
+          </a:effectRef>
+          <a:fontRef idx="minor">
+            <a:schemeClr val="dk1"/>
+          </a:fontRef>
+        </p:style>
+        <p:txBody>
+          <a:bodyPr rtlCol="0" anchor="ctr"/>
+          <a:lstStyle/>
+          <a:p>
+            <a:pPr algn="ctr"/>
+            <a:r>
+              <a:rPr lang="en-US" altLang="zh-CN" b="1" dirty="0"/>
+              <a:t>Brand</a:t>
+            </a:r>
+            <a:endParaRPr lang="zh-CN" altLang="en-US" b="1" dirty="0"/>
+          </a:p>
+        </p:txBody>
+      </p:sp>
+      <p:sp>
+        <p:nvSpPr>
+          <p:cNvPr id="27" name="矩形: 圆角 26">
+            <a:extLst>
+              <a:ext uri="{FF2B5EF4-FFF2-40B4-BE49-F238E27FC236}">
+                <a16:creationId xmlns:a16="http://schemas.microsoft.com/office/drawing/2014/main" id="{EA045ED7-BBF5-871C-0D3B-3BEB9C303D1B}"/>
+              </a:ext>
+            </a:extLst>
+          </p:cNvPr>
+          <p:cNvSpPr/>
+          <p:nvPr/>
+        </p:nvSpPr>
+        <p:spPr>
+          <a:xfrm>
+            <a:off x="3946245" y="4558643"/>
+            <a:ext cx="1281655" cy="775503"/>
+          </a:xfrm>
+          <a:prstGeom prst="roundRect">
+            <a:avLst/>
+          </a:prstGeom>
+        </p:spPr>
+        <p:style>
+          <a:lnRef idx="1">
+            <a:schemeClr val="accent6"/>
+          </a:lnRef>
+          <a:fillRef idx="2">
+            <a:schemeClr val="accent6"/>
+          </a:fillRef>
+          <a:effectRef idx="1">
+            <a:schemeClr val="accent6"/>
+          </a:effectRef>
+          <a:fontRef idx="minor">
+            <a:schemeClr val="dk1"/>
+          </a:fontRef>
+        </p:style>
+        <p:txBody>
+          <a:bodyPr rtlCol="0" anchor="ctr"/>
+          <a:lstStyle/>
+          <a:p>
+            <a:pPr algn="ctr"/>
+            <a:r>
+              <a:rPr lang="en-US" altLang="zh-CN" b="1" dirty="0"/>
+              <a:t>Category</a:t>
+            </a:r>
+            <a:endParaRPr lang="zh-CN" altLang="en-US" b="1" dirty="0"/>
+          </a:p>
+        </p:txBody>
+      </p:sp>
+      <p:cxnSp>
+        <p:nvCxnSpPr>
+          <p:cNvPr id="28" name="直接箭头连接符 27">
+            <a:extLst>
+              <a:ext uri="{FF2B5EF4-FFF2-40B4-BE49-F238E27FC236}">
+                <a16:creationId xmlns:a16="http://schemas.microsoft.com/office/drawing/2014/main" id="{5AEE0A1E-B462-07BF-63AF-5F28F0496A9F}"/>
+              </a:ext>
+            </a:extLst>
+          </p:cNvPr>
+          <p:cNvCxnSpPr>
+            <a:stCxn id="24" idx="3"/>
+            <a:endCxn id="25" idx="1"/>
+          </p:cNvCxnSpPr>
+          <p:nvPr/>
+        </p:nvCxnSpPr>
+        <p:spPr>
+          <a:xfrm flipV="1">
+            <a:off x="1561378" y="4198406"/>
+            <a:ext cx="551606" cy="1"/>
+          </a:xfrm>
+          <a:prstGeom prst="straightConnector1">
+            <a:avLst/>
+          </a:prstGeom>
+          <a:ln>
+            <a:tailEnd type="triangle"/>
+          </a:ln>
+        </p:spPr>
+        <p:style>
+          <a:lnRef idx="1">
+            <a:schemeClr val="accent6"/>
+          </a:lnRef>
+          <a:fillRef idx="2">
+            <a:schemeClr val="accent6"/>
+          </a:fillRef>
+          <a:effectRef idx="1">
+            <a:schemeClr val="accent6"/>
+          </a:effectRef>
+          <a:fontRef idx="minor">
+            <a:schemeClr val="dk1"/>
+          </a:fontRef>
+        </p:style>
+      </p:cxnSp>
+      <p:cxnSp>
+        <p:nvCxnSpPr>
+          <p:cNvPr id="29" name="直接箭头连接符 28">
+            <a:extLst>
+              <a:ext uri="{FF2B5EF4-FFF2-40B4-BE49-F238E27FC236}">
+                <a16:creationId xmlns:a16="http://schemas.microsoft.com/office/drawing/2014/main" id="{29274EE0-406C-B9A9-2140-5DA9357ECD70}"/>
+              </a:ext>
+            </a:extLst>
+          </p:cNvPr>
+          <p:cNvCxnSpPr>
+            <a:stCxn id="25" idx="3"/>
+            <a:endCxn id="26" idx="1"/>
+          </p:cNvCxnSpPr>
+          <p:nvPr/>
+        </p:nvCxnSpPr>
+        <p:spPr>
+          <a:xfrm flipV="1">
+            <a:off x="3394639" y="3573371"/>
+            <a:ext cx="551606" cy="625035"/>
+          </a:xfrm>
+          <a:prstGeom prst="straightConnector1">
+            <a:avLst/>
+          </a:prstGeom>
+          <a:ln>
+            <a:tailEnd type="triangle"/>
+          </a:ln>
+        </p:spPr>
+        <p:style>
+          <a:lnRef idx="1">
+            <a:schemeClr val="accent6"/>
+          </a:lnRef>
+          <a:fillRef idx="2">
+            <a:schemeClr val="accent6"/>
+          </a:fillRef>
+          <a:effectRef idx="1">
+            <a:schemeClr val="accent6"/>
+          </a:effectRef>
+          <a:fontRef idx="minor">
+            <a:schemeClr val="dk1"/>
+          </a:fontRef>
+        </p:style>
+      </p:cxnSp>
+      <p:cxnSp>
+        <p:nvCxnSpPr>
+          <p:cNvPr id="30" name="直接箭头连接符 29">
+            <a:extLst>
+              <a:ext uri="{FF2B5EF4-FFF2-40B4-BE49-F238E27FC236}">
+                <a16:creationId xmlns:a16="http://schemas.microsoft.com/office/drawing/2014/main" id="{C9FFC6BA-675E-AD14-4BD6-9AAF58A1C1A9}"/>
+              </a:ext>
+            </a:extLst>
+          </p:cNvPr>
+          <p:cNvCxnSpPr>
+            <a:stCxn id="25" idx="3"/>
+            <a:endCxn id="27" idx="1"/>
+          </p:cNvCxnSpPr>
+          <p:nvPr/>
+        </p:nvCxnSpPr>
+        <p:spPr>
+          <a:xfrm>
+            <a:off x="3394639" y="4198406"/>
+            <a:ext cx="551606" cy="747989"/>
+          </a:xfrm>
+          <a:prstGeom prst="straightConnector1">
+            <a:avLst/>
+          </a:prstGeom>
+          <a:ln>
+            <a:tailEnd type="triangle"/>
+          </a:ln>
+        </p:spPr>
+        <p:style>
+          <a:lnRef idx="1">
+            <a:schemeClr val="accent6"/>
+          </a:lnRef>
+          <a:fillRef idx="2">
+            <a:schemeClr val="accent6"/>
+          </a:fillRef>
+          <a:effectRef idx="1">
+            <a:schemeClr val="accent6"/>
+          </a:effectRef>
+          <a:fontRef idx="minor">
+            <a:schemeClr val="dk1"/>
+          </a:fontRef>
+        </p:style>
+      </p:cxnSp>
+      <p:sp>
+        <p:nvSpPr>
+          <p:cNvPr id="31" name="矩形: 圆角 30">
+            <a:extLst>
+              <a:ext uri="{FF2B5EF4-FFF2-40B4-BE49-F238E27FC236}">
+                <a16:creationId xmlns:a16="http://schemas.microsoft.com/office/drawing/2014/main" id="{D687D259-EB65-17D5-50E0-0BA4CD01F80C}"/>
+              </a:ext>
+            </a:extLst>
+          </p:cNvPr>
+          <p:cNvSpPr/>
+          <p:nvPr/>
+        </p:nvSpPr>
+        <p:spPr>
+          <a:xfrm>
+            <a:off x="5779506" y="3903302"/>
+            <a:ext cx="1281655" cy="775503"/>
+          </a:xfrm>
+          <a:prstGeom prst="roundRect">
+            <a:avLst/>
+          </a:prstGeom>
+        </p:spPr>
+        <p:style>
+          <a:lnRef idx="1">
+            <a:schemeClr val="accent6"/>
+          </a:lnRef>
+          <a:fillRef idx="2">
+            <a:schemeClr val="accent6"/>
+          </a:fillRef>
+          <a:effectRef idx="1">
+            <a:schemeClr val="accent6"/>
+          </a:effectRef>
+          <a:fontRef idx="minor">
+            <a:schemeClr val="dk1"/>
+          </a:fontRef>
+        </p:style>
+        <p:txBody>
+          <a:bodyPr rtlCol="0" anchor="ctr"/>
+          <a:lstStyle/>
+          <a:p>
+            <a:pPr algn="ctr"/>
+            <a:r>
+              <a:rPr lang="en-US" altLang="zh-CN" b="1" dirty="0"/>
+              <a:t>Item</a:t>
+            </a:r>
+            <a:endParaRPr lang="zh-CN" altLang="en-US" b="1" dirty="0"/>
+          </a:p>
+        </p:txBody>
+      </p:sp>
+      <p:cxnSp>
+        <p:nvCxnSpPr>
+          <p:cNvPr id="32" name="直接箭头连接符 31">
+            <a:extLst>
+              <a:ext uri="{FF2B5EF4-FFF2-40B4-BE49-F238E27FC236}">
+                <a16:creationId xmlns:a16="http://schemas.microsoft.com/office/drawing/2014/main" id="{3694CA81-F060-3D7A-9940-0118318E1128}"/>
+              </a:ext>
+            </a:extLst>
+          </p:cNvPr>
+          <p:cNvCxnSpPr>
+            <a:cxnSpLocks/>
+            <a:stCxn id="26" idx="3"/>
+            <a:endCxn id="31" idx="1"/>
+          </p:cNvCxnSpPr>
+          <p:nvPr/>
+        </p:nvCxnSpPr>
+        <p:spPr>
+          <a:xfrm>
+            <a:off x="5227900" y="3573371"/>
+            <a:ext cx="551606" cy="717683"/>
+          </a:xfrm>
+          <a:prstGeom prst="straightConnector1">
+            <a:avLst/>
+          </a:prstGeom>
+          <a:ln>
+            <a:tailEnd type="triangle"/>
+          </a:ln>
+        </p:spPr>
+        <p:style>
+          <a:lnRef idx="1">
+            <a:schemeClr val="accent6"/>
+          </a:lnRef>
+          <a:fillRef idx="2">
+            <a:schemeClr val="accent6"/>
+          </a:fillRef>
+          <a:effectRef idx="1">
+            <a:schemeClr val="accent6"/>
+          </a:effectRef>
+          <a:fontRef idx="minor">
+            <a:schemeClr val="dk1"/>
+          </a:fontRef>
+        </p:style>
+      </p:cxnSp>
+      <p:cxnSp>
+        <p:nvCxnSpPr>
+          <p:cNvPr id="33" name="直接箭头连接符 32">
+            <a:extLst>
+              <a:ext uri="{FF2B5EF4-FFF2-40B4-BE49-F238E27FC236}">
+                <a16:creationId xmlns:a16="http://schemas.microsoft.com/office/drawing/2014/main" id="{78D08BD4-5E75-8343-312D-594F6B9007D4}"/>
+              </a:ext>
+            </a:extLst>
+          </p:cNvPr>
+          <p:cNvCxnSpPr>
+            <a:cxnSpLocks/>
+            <a:stCxn id="27" idx="3"/>
+            <a:endCxn id="31" idx="1"/>
+          </p:cNvCxnSpPr>
+          <p:nvPr/>
+        </p:nvCxnSpPr>
+        <p:spPr>
+          <a:xfrm flipV="1">
+            <a:off x="5227900" y="4291054"/>
+            <a:ext cx="551606" cy="655341"/>
+          </a:xfrm>
+          <a:prstGeom prst="straightConnector1">
+            <a:avLst/>
+          </a:prstGeom>
+          <a:ln>
+            <a:tailEnd type="triangle"/>
+          </a:ln>
+        </p:spPr>
+        <p:style>
+          <a:lnRef idx="1">
+            <a:schemeClr val="accent6"/>
+          </a:lnRef>
+          <a:fillRef idx="2">
+            <a:schemeClr val="accent6"/>
+          </a:fillRef>
+          <a:effectRef idx="1">
+            <a:schemeClr val="accent6"/>
+          </a:effectRef>
+          <a:fontRef idx="minor">
+            <a:schemeClr val="dk1"/>
+          </a:fontRef>
+        </p:style>
+      </p:cxnSp>
+      <p:sp>
+        <p:nvSpPr>
+          <p:cNvPr id="35" name="矩形: 圆角 34">
+            <a:extLst>
+              <a:ext uri="{FF2B5EF4-FFF2-40B4-BE49-F238E27FC236}">
+                <a16:creationId xmlns:a16="http://schemas.microsoft.com/office/drawing/2014/main" id="{F6B473CB-4BEA-E7C5-6D8F-C3AF4426F109}"/>
+              </a:ext>
+            </a:extLst>
+          </p:cNvPr>
+          <p:cNvSpPr/>
+          <p:nvPr/>
+        </p:nvSpPr>
+        <p:spPr>
+          <a:xfrm>
+            <a:off x="7988282" y="3041247"/>
+            <a:ext cx="1281655" cy="775503"/>
+          </a:xfrm>
+          <a:prstGeom prst="roundRect">
+            <a:avLst/>
+          </a:prstGeom>
+        </p:spPr>
+        <p:style>
+          <a:lnRef idx="1">
+            <a:schemeClr val="accent6"/>
+          </a:lnRef>
+          <a:fillRef idx="2">
+            <a:schemeClr val="accent6"/>
+          </a:fillRef>
+          <a:effectRef idx="1">
+            <a:schemeClr val="accent6"/>
+          </a:effectRef>
+          <a:fontRef idx="minor">
+            <a:schemeClr val="dk1"/>
+          </a:fontRef>
+        </p:style>
+        <p:txBody>
+          <a:bodyPr rtlCol="0" anchor="ctr"/>
+          <a:lstStyle/>
+          <a:p>
+            <a:pPr algn="ctr"/>
+            <a:r>
+              <a:rPr lang="en-US" altLang="zh-CN" b="1" dirty="0"/>
+              <a:t>Brand</a:t>
+            </a:r>
+            <a:endParaRPr lang="zh-CN" altLang="en-US" b="1" dirty="0"/>
+          </a:p>
+        </p:txBody>
+      </p:sp>
+      <p:sp>
+        <p:nvSpPr>
+          <p:cNvPr id="36" name="矩形: 圆角 35">
+            <a:extLst>
+              <a:ext uri="{FF2B5EF4-FFF2-40B4-BE49-F238E27FC236}">
+                <a16:creationId xmlns:a16="http://schemas.microsoft.com/office/drawing/2014/main" id="{B3AEE4C0-66D7-28E1-6259-BEA5A7C0E02C}"/>
+              </a:ext>
+            </a:extLst>
+          </p:cNvPr>
+          <p:cNvSpPr/>
+          <p:nvPr/>
+        </p:nvSpPr>
+        <p:spPr>
+          <a:xfrm>
+            <a:off x="7991295" y="4558642"/>
+            <a:ext cx="1281655" cy="775503"/>
+          </a:xfrm>
+          <a:prstGeom prst="roundRect">
+            <a:avLst/>
+          </a:prstGeom>
+        </p:spPr>
+        <p:style>
+          <a:lnRef idx="1">
+            <a:schemeClr val="accent6"/>
+          </a:lnRef>
+          <a:fillRef idx="2">
+            <a:schemeClr val="accent6"/>
+          </a:fillRef>
+          <a:effectRef idx="1">
+            <a:schemeClr val="accent6"/>
+          </a:effectRef>
+          <a:fontRef idx="minor">
+            <a:schemeClr val="dk1"/>
+          </a:fontRef>
+        </p:style>
+        <p:txBody>
+          <a:bodyPr rtlCol="0" anchor="ctr"/>
+          <a:lstStyle/>
+          <a:p>
+            <a:pPr algn="ctr"/>
+            <a:r>
+              <a:rPr lang="en-US" altLang="zh-CN" b="1" dirty="0"/>
+              <a:t>Category</a:t>
+            </a:r>
+            <a:endParaRPr lang="zh-CN" altLang="en-US" b="1" dirty="0"/>
+          </a:p>
+        </p:txBody>
+      </p:sp>
+      <p:cxnSp>
+        <p:nvCxnSpPr>
+          <p:cNvPr id="37" name="直接箭头连接符 36">
+            <a:extLst>
+              <a:ext uri="{FF2B5EF4-FFF2-40B4-BE49-F238E27FC236}">
+                <a16:creationId xmlns:a16="http://schemas.microsoft.com/office/drawing/2014/main" id="{AB4163E7-C553-8B2C-524A-4D647C880EEB}"/>
+              </a:ext>
+            </a:extLst>
+          </p:cNvPr>
+          <p:cNvCxnSpPr>
+            <a:cxnSpLocks/>
+            <a:stCxn id="31" idx="3"/>
+            <a:endCxn id="35" idx="1"/>
+          </p:cNvCxnSpPr>
+          <p:nvPr/>
+        </p:nvCxnSpPr>
+        <p:spPr>
+          <a:xfrm flipV="1">
+            <a:off x="7061161" y="3428999"/>
+            <a:ext cx="927121" cy="862055"/>
+          </a:xfrm>
+          <a:prstGeom prst="straightConnector1">
+            <a:avLst/>
+          </a:prstGeom>
+          <a:ln>
+            <a:tailEnd type="triangle"/>
+          </a:ln>
+        </p:spPr>
+        <p:style>
+          <a:lnRef idx="1">
+            <a:schemeClr val="accent6"/>
+          </a:lnRef>
+          <a:fillRef idx="2">
+            <a:schemeClr val="accent6"/>
+          </a:fillRef>
+          <a:effectRef idx="1">
+            <a:schemeClr val="accent6"/>
+          </a:effectRef>
+          <a:fontRef idx="minor">
+            <a:schemeClr val="dk1"/>
+          </a:fontRef>
+        </p:style>
+      </p:cxnSp>
+      <p:cxnSp>
+        <p:nvCxnSpPr>
+          <p:cNvPr id="40" name="直接箭头连接符 39">
+            <a:extLst>
+              <a:ext uri="{FF2B5EF4-FFF2-40B4-BE49-F238E27FC236}">
+                <a16:creationId xmlns:a16="http://schemas.microsoft.com/office/drawing/2014/main" id="{68F6FE5F-BACA-7445-D7A1-386F496F5008}"/>
+              </a:ext>
+            </a:extLst>
+          </p:cNvPr>
+          <p:cNvCxnSpPr>
+            <a:cxnSpLocks/>
+            <a:endCxn id="36" idx="1"/>
+          </p:cNvCxnSpPr>
+          <p:nvPr/>
+        </p:nvCxnSpPr>
+        <p:spPr>
+          <a:xfrm>
+            <a:off x="7070204" y="4291053"/>
+            <a:ext cx="921091" cy="655341"/>
+          </a:xfrm>
+          <a:prstGeom prst="straightConnector1">
+            <a:avLst/>
+          </a:prstGeom>
+          <a:ln>
+            <a:tailEnd type="triangle"/>
+          </a:ln>
+        </p:spPr>
+        <p:style>
+          <a:lnRef idx="1">
+            <a:schemeClr val="accent6"/>
+          </a:lnRef>
+          <a:fillRef idx="2">
+            <a:schemeClr val="accent6"/>
+          </a:fillRef>
+          <a:effectRef idx="1">
+            <a:schemeClr val="accent6"/>
+          </a:effectRef>
+          <a:fontRef idx="minor">
+            <a:schemeClr val="dk1"/>
+          </a:fontRef>
+        </p:style>
+      </p:cxnSp>
+      <p:sp>
+        <p:nvSpPr>
+          <p:cNvPr id="43" name="矩形: 圆角 42">
+            <a:extLst>
+              <a:ext uri="{FF2B5EF4-FFF2-40B4-BE49-F238E27FC236}">
+                <a16:creationId xmlns:a16="http://schemas.microsoft.com/office/drawing/2014/main" id="{4099575B-5906-D9EF-B3B2-EA907C917B28}"/>
+              </a:ext>
+            </a:extLst>
+          </p:cNvPr>
+          <p:cNvSpPr/>
+          <p:nvPr/>
+        </p:nvSpPr>
+        <p:spPr>
+          <a:xfrm>
+            <a:off x="10194041" y="3860026"/>
+            <a:ext cx="1281655" cy="775503"/>
+          </a:xfrm>
+          <a:prstGeom prst="roundRect">
+            <a:avLst/>
+          </a:prstGeom>
+        </p:spPr>
+        <p:style>
+          <a:lnRef idx="1">
+            <a:schemeClr val="accent6"/>
+          </a:lnRef>
+          <a:fillRef idx="2">
+            <a:schemeClr val="accent6"/>
+          </a:fillRef>
+          <a:effectRef idx="1">
+            <a:schemeClr val="accent6"/>
+          </a:effectRef>
+          <a:fontRef idx="minor">
+            <a:schemeClr val="dk1"/>
+          </a:fontRef>
+        </p:style>
+        <p:txBody>
+          <a:bodyPr rtlCol="0" anchor="ctr"/>
+          <a:lstStyle/>
+          <a:p>
+            <a:pPr algn="ctr"/>
+            <a:r>
+              <a:rPr lang="en-US" altLang="zh-CN" b="1" dirty="0"/>
+              <a:t>Item</a:t>
+            </a:r>
+            <a:endParaRPr lang="zh-CN" altLang="en-US" b="1" dirty="0"/>
+          </a:p>
+        </p:txBody>
+      </p:sp>
+      <p:cxnSp>
+        <p:nvCxnSpPr>
+          <p:cNvPr id="45" name="直接箭头连接符 44">
+            <a:extLst>
+              <a:ext uri="{FF2B5EF4-FFF2-40B4-BE49-F238E27FC236}">
+                <a16:creationId xmlns:a16="http://schemas.microsoft.com/office/drawing/2014/main" id="{FEAC216F-E213-B4D8-41CC-E75F5D3DD84F}"/>
+              </a:ext>
+            </a:extLst>
+          </p:cNvPr>
+          <p:cNvCxnSpPr>
+            <a:cxnSpLocks/>
+            <a:stCxn id="35" idx="3"/>
+            <a:endCxn id="43" idx="1"/>
+          </p:cNvCxnSpPr>
+          <p:nvPr/>
+        </p:nvCxnSpPr>
+        <p:spPr>
+          <a:xfrm>
+            <a:off x="9269937" y="3428999"/>
+            <a:ext cx="924104" cy="818779"/>
+          </a:xfrm>
+          <a:prstGeom prst="straightConnector1">
+            <a:avLst/>
+          </a:prstGeom>
+          <a:ln>
+            <a:tailEnd type="triangle"/>
+          </a:ln>
+        </p:spPr>
+        <p:style>
+          <a:lnRef idx="1">
+            <a:schemeClr val="accent6"/>
+          </a:lnRef>
+          <a:fillRef idx="2">
+            <a:schemeClr val="accent6"/>
+          </a:fillRef>
+          <a:effectRef idx="1">
+            <a:schemeClr val="accent6"/>
+          </a:effectRef>
+          <a:fontRef idx="minor">
+            <a:schemeClr val="dk1"/>
+          </a:fontRef>
+        </p:style>
+      </p:cxnSp>
+      <p:cxnSp>
+        <p:nvCxnSpPr>
+          <p:cNvPr id="48" name="直接箭头连接符 47">
+            <a:extLst>
+              <a:ext uri="{FF2B5EF4-FFF2-40B4-BE49-F238E27FC236}">
+                <a16:creationId xmlns:a16="http://schemas.microsoft.com/office/drawing/2014/main" id="{B215B711-6F5A-8830-114B-F4DABEDF5705}"/>
+              </a:ext>
+            </a:extLst>
+          </p:cNvPr>
+          <p:cNvCxnSpPr>
+            <a:cxnSpLocks/>
+            <a:stCxn id="36" idx="3"/>
+            <a:endCxn id="43" idx="1"/>
+          </p:cNvCxnSpPr>
+          <p:nvPr/>
+        </p:nvCxnSpPr>
+        <p:spPr>
+          <a:xfrm flipV="1">
+            <a:off x="9272950" y="4247778"/>
+            <a:ext cx="921091" cy="698616"/>
+          </a:xfrm>
+          <a:prstGeom prst="straightConnector1">
+            <a:avLst/>
+          </a:prstGeom>
+          <a:ln>
+            <a:tailEnd type="triangle"/>
+          </a:ln>
+        </p:spPr>
+        <p:style>
+          <a:lnRef idx="1">
+            <a:schemeClr val="accent6"/>
+          </a:lnRef>
+          <a:fillRef idx="2">
+            <a:schemeClr val="accent6"/>
+          </a:fillRef>
+          <a:effectRef idx="1">
+            <a:schemeClr val="accent6"/>
+          </a:effectRef>
+          <a:fontRef idx="minor">
+            <a:schemeClr val="dk1"/>
+          </a:fontRef>
+        </p:style>
+      </p:cxnSp>
     </p:spTree>
     <p:extLst>
       <p:ext uri="{BB962C8B-B14F-4D97-AF65-F5344CB8AC3E}">
-        <p14:creationId xmlns:p14="http://schemas.microsoft.com/office/powerpoint/2010/main" val="1756962536"/>
+        <p14:creationId xmlns:p14="http://schemas.microsoft.com/office/powerpoint/2010/main" val="137549708"/>
+      </p:ext>
+    </p:extLst>
+  </p:cSld>
+  <p:clrMapOvr>
+    <a:masterClrMapping/>
+  </p:clrMapOvr>
+</p:sld>
+</file>
+
+<file path=ppt/slides/slide19.xml><?xml version="1.0" encoding="utf-8"?>
+<p:sld xmlns:a="http://schemas.openxmlformats.org/drawingml/2006/main" xmlns:r="http://schemas.openxmlformats.org/officeDocument/2006/relationships" xmlns:p="http://schemas.openxmlformats.org/presentationml/2006/main">
+  <p:cSld>
+    <p:spTree>
+      <p:nvGrpSpPr>
+        <p:cNvPr id="1" name=""/>
+        <p:cNvGrpSpPr/>
+        <p:nvPr/>
+      </p:nvGrpSpPr>
+      <p:grpSpPr>
+        <a:xfrm>
+          <a:off x="0" y="0"/>
+          <a:ext cx="0" cy="0"/>
+          <a:chOff x="0" y="0"/>
+          <a:chExt cx="0" cy="0"/>
+        </a:xfrm>
+      </p:grpSpPr>
+      <p:pic>
+        <p:nvPicPr>
+          <p:cNvPr id="4" name="图片 3">
+            <a:extLst>
+              <a:ext uri="{FF2B5EF4-FFF2-40B4-BE49-F238E27FC236}">
+                <a16:creationId xmlns:a16="http://schemas.microsoft.com/office/drawing/2014/main" id="{DA1D81BA-107B-E9D7-FF2C-F1DC24B64C92}"/>
+              </a:ext>
+            </a:extLst>
+          </p:cNvPr>
+          <p:cNvPicPr>
+            <a:picLocks noChangeAspect="1"/>
+          </p:cNvPicPr>
+          <p:nvPr/>
+        </p:nvPicPr>
+        <p:blipFill>
+          <a:blip r:embed="rId3"/>
+          <a:stretch>
+            <a:fillRect/>
+          </a:stretch>
+        </p:blipFill>
+        <p:spPr>
+          <a:xfrm>
+            <a:off x="357480" y="1723950"/>
+            <a:ext cx="9515959" cy="4456929"/>
+          </a:xfrm>
+          <a:prstGeom prst="rect">
+            <a:avLst/>
+          </a:prstGeom>
+        </p:spPr>
+      </p:pic>
+      <p:sp>
+        <p:nvSpPr>
+          <p:cNvPr id="5" name="矩形 4">
+            <a:extLst>
+              <a:ext uri="{FF2B5EF4-FFF2-40B4-BE49-F238E27FC236}">
+                <a16:creationId xmlns:a16="http://schemas.microsoft.com/office/drawing/2014/main" id="{26199C06-AF6B-EC09-5CE5-356BD5232675}"/>
+              </a:ext>
+            </a:extLst>
+          </p:cNvPr>
+          <p:cNvSpPr/>
+          <p:nvPr/>
+        </p:nvSpPr>
+        <p:spPr>
+          <a:xfrm>
+            <a:off x="3437680" y="2320725"/>
+            <a:ext cx="833379" cy="682906"/>
+          </a:xfrm>
+          <a:prstGeom prst="rect">
+            <a:avLst/>
+          </a:prstGeom>
+          <a:noFill/>
+          <a:ln w="19050">
+            <a:solidFill>
+              <a:srgbClr val="FF0000"/>
+            </a:solidFill>
+          </a:ln>
+        </p:spPr>
+        <p:style>
+          <a:lnRef idx="2">
+            <a:schemeClr val="accent1">
+              <a:shade val="15000"/>
+            </a:schemeClr>
+          </a:lnRef>
+          <a:fillRef idx="1">
+            <a:schemeClr val="accent1"/>
+          </a:fillRef>
+          <a:effectRef idx="0">
+            <a:schemeClr val="accent1"/>
+          </a:effectRef>
+          <a:fontRef idx="minor">
+            <a:schemeClr val="lt1"/>
+          </a:fontRef>
+        </p:style>
+        <p:txBody>
+          <a:bodyPr rtlCol="0" anchor="ctr"/>
+          <a:lstStyle/>
+          <a:p>
+            <a:pPr algn="ctr"/>
+            <a:endParaRPr lang="zh-CN" altLang="en-US"/>
+          </a:p>
+        </p:txBody>
+      </p:sp>
+      <p:sp>
+        <p:nvSpPr>
+          <p:cNvPr id="6" name="矩形 5">
+            <a:extLst>
+              <a:ext uri="{FF2B5EF4-FFF2-40B4-BE49-F238E27FC236}">
+                <a16:creationId xmlns:a16="http://schemas.microsoft.com/office/drawing/2014/main" id="{ABA171D9-5AC4-B775-B871-541E753B335F}"/>
+              </a:ext>
+            </a:extLst>
+          </p:cNvPr>
+          <p:cNvSpPr/>
+          <p:nvPr/>
+        </p:nvSpPr>
+        <p:spPr>
+          <a:xfrm>
+            <a:off x="3437679" y="3619698"/>
+            <a:ext cx="833379" cy="682906"/>
+          </a:xfrm>
+          <a:prstGeom prst="rect">
+            <a:avLst/>
+          </a:prstGeom>
+          <a:noFill/>
+          <a:ln w="19050">
+            <a:solidFill>
+              <a:srgbClr val="FF0000"/>
+            </a:solidFill>
+          </a:ln>
+        </p:spPr>
+        <p:style>
+          <a:lnRef idx="2">
+            <a:schemeClr val="accent1">
+              <a:shade val="15000"/>
+            </a:schemeClr>
+          </a:lnRef>
+          <a:fillRef idx="1">
+            <a:schemeClr val="accent1"/>
+          </a:fillRef>
+          <a:effectRef idx="0">
+            <a:schemeClr val="accent1"/>
+          </a:effectRef>
+          <a:fontRef idx="minor">
+            <a:schemeClr val="lt1"/>
+          </a:fontRef>
+        </p:style>
+        <p:txBody>
+          <a:bodyPr rtlCol="0" anchor="ctr"/>
+          <a:lstStyle/>
+          <a:p>
+            <a:pPr algn="ctr"/>
+            <a:endParaRPr lang="zh-CN" altLang="en-US"/>
+          </a:p>
+        </p:txBody>
+      </p:sp>
+      <p:sp>
+        <p:nvSpPr>
+          <p:cNvPr id="7" name="矩形 6">
+            <a:extLst>
+              <a:ext uri="{FF2B5EF4-FFF2-40B4-BE49-F238E27FC236}">
+                <a16:creationId xmlns:a16="http://schemas.microsoft.com/office/drawing/2014/main" id="{D04E34AB-BC33-D96A-5BEA-D27524A572E4}"/>
+              </a:ext>
+            </a:extLst>
+          </p:cNvPr>
+          <p:cNvSpPr/>
+          <p:nvPr/>
+        </p:nvSpPr>
+        <p:spPr>
+          <a:xfrm>
+            <a:off x="3437678" y="4899379"/>
+            <a:ext cx="833379" cy="682906"/>
+          </a:xfrm>
+          <a:prstGeom prst="rect">
+            <a:avLst/>
+          </a:prstGeom>
+          <a:noFill/>
+          <a:ln w="19050">
+            <a:solidFill>
+              <a:srgbClr val="FF0000"/>
+            </a:solidFill>
+          </a:ln>
+        </p:spPr>
+        <p:style>
+          <a:lnRef idx="2">
+            <a:schemeClr val="accent1">
+              <a:shade val="15000"/>
+            </a:schemeClr>
+          </a:lnRef>
+          <a:fillRef idx="1">
+            <a:schemeClr val="accent1"/>
+          </a:fillRef>
+          <a:effectRef idx="0">
+            <a:schemeClr val="accent1"/>
+          </a:effectRef>
+          <a:fontRef idx="minor">
+            <a:schemeClr val="lt1"/>
+          </a:fontRef>
+        </p:style>
+        <p:txBody>
+          <a:bodyPr rtlCol="0" anchor="ctr"/>
+          <a:lstStyle/>
+          <a:p>
+            <a:pPr algn="ctr"/>
+            <a:endParaRPr lang="zh-CN" altLang="en-US"/>
+          </a:p>
+        </p:txBody>
+      </p:sp>
+      <p:sp>
+        <p:nvSpPr>
+          <p:cNvPr id="8" name="文本框 7">
+            <a:extLst>
+              <a:ext uri="{FF2B5EF4-FFF2-40B4-BE49-F238E27FC236}">
+                <a16:creationId xmlns:a16="http://schemas.microsoft.com/office/drawing/2014/main" id="{2B5C15A1-BDFF-5466-4944-271588B85C62}"/>
+              </a:ext>
+            </a:extLst>
+          </p:cNvPr>
+          <p:cNvSpPr txBox="1"/>
+          <p:nvPr/>
+        </p:nvSpPr>
+        <p:spPr>
+          <a:xfrm>
+            <a:off x="5115459" y="1229201"/>
+            <a:ext cx="4932888" cy="369332"/>
+          </a:xfrm>
+          <a:prstGeom prst="rect">
+            <a:avLst/>
+          </a:prstGeom>
+          <a:noFill/>
+        </p:spPr>
+        <p:txBody>
+          <a:bodyPr wrap="square" rtlCol="0">
+            <a:spAutoFit/>
+          </a:bodyPr>
+          <a:lstStyle/>
+          <a:p>
+            <a:r>
+              <a:rPr lang="en-US" altLang="zh-CN" b="1" dirty="0"/>
+              <a:t>path-level attention(like last step in </a:t>
+            </a:r>
+            <a:r>
+              <a:rPr lang="en-US" altLang="zh-CN" b="1" dirty="0">
+                <a:solidFill>
+                  <a:srgbClr val="FF0000"/>
+                </a:solidFill>
+              </a:rPr>
+              <a:t>KR-GCN</a:t>
+            </a:r>
+            <a:r>
+              <a:rPr lang="en-US" altLang="zh-CN" b="1" dirty="0"/>
+              <a:t>)</a:t>
+            </a:r>
+            <a:r>
+              <a:rPr lang="zh-CN" altLang="en-US" b="1" dirty="0">
+                <a:solidFill>
+                  <a:srgbClr val="FF0000"/>
+                </a:solidFill>
+              </a:rPr>
+              <a:t> </a:t>
+            </a:r>
+            <a:endParaRPr lang="en-US" altLang="zh-CN" b="1" dirty="0"/>
+          </a:p>
+        </p:txBody>
+      </p:sp>
+      <p:sp>
+        <p:nvSpPr>
+          <p:cNvPr id="9" name="箭头: 下 8">
+            <a:extLst>
+              <a:ext uri="{FF2B5EF4-FFF2-40B4-BE49-F238E27FC236}">
+                <a16:creationId xmlns:a16="http://schemas.microsoft.com/office/drawing/2014/main" id="{BB52A89E-5C3B-3B3B-927E-448533998503}"/>
+              </a:ext>
+            </a:extLst>
+          </p:cNvPr>
+          <p:cNvSpPr/>
+          <p:nvPr/>
+        </p:nvSpPr>
+        <p:spPr>
+          <a:xfrm rot="14894007">
+            <a:off x="4282319" y="1215474"/>
+            <a:ext cx="469557" cy="766119"/>
+          </a:xfrm>
+          <a:prstGeom prst="downArrow">
+            <a:avLst/>
+          </a:prstGeom>
+        </p:spPr>
+        <p:style>
+          <a:lnRef idx="1">
+            <a:schemeClr val="accent5"/>
+          </a:lnRef>
+          <a:fillRef idx="2">
+            <a:schemeClr val="accent5"/>
+          </a:fillRef>
+          <a:effectRef idx="1">
+            <a:schemeClr val="accent5"/>
+          </a:effectRef>
+          <a:fontRef idx="minor">
+            <a:schemeClr val="dk1"/>
+          </a:fontRef>
+        </p:style>
+        <p:txBody>
+          <a:bodyPr rtlCol="0" anchor="ctr"/>
+          <a:lstStyle/>
+          <a:p>
+            <a:pPr algn="ctr"/>
+            <a:endParaRPr lang="zh-CN" altLang="en-US"/>
+          </a:p>
+        </p:txBody>
+      </p:sp>
+    </p:spTree>
+    <p:extLst>
+      <p:ext uri="{BB962C8B-B14F-4D97-AF65-F5344CB8AC3E}">
+        <p14:creationId xmlns:p14="http://schemas.microsoft.com/office/powerpoint/2010/main" val="1168181915"/>
       </p:ext>
     </p:extLst>
   </p:cSld>
@@ -9996,6 +13645,1198 @@
     <p:extLst>
       <p:ext uri="{BB962C8B-B14F-4D97-AF65-F5344CB8AC3E}">
         <p14:creationId xmlns:p14="http://schemas.microsoft.com/office/powerpoint/2010/main" val="3052646041"/>
+      </p:ext>
+    </p:extLst>
+  </p:cSld>
+  <p:clrMapOvr>
+    <a:masterClrMapping/>
+  </p:clrMapOvr>
+</p:sld>
+</file>
+
+<file path=ppt/slides/slide20.xml><?xml version="1.0" encoding="utf-8"?>
+<p:sld xmlns:a="http://schemas.openxmlformats.org/drawingml/2006/main" xmlns:r="http://schemas.openxmlformats.org/officeDocument/2006/relationships" xmlns:p="http://schemas.openxmlformats.org/presentationml/2006/main">
+  <p:cSld>
+    <p:spTree>
+      <p:nvGrpSpPr>
+        <p:cNvPr id="1" name=""/>
+        <p:cNvGrpSpPr/>
+        <p:nvPr/>
+      </p:nvGrpSpPr>
+      <p:grpSpPr>
+        <a:xfrm>
+          <a:off x="0" y="0"/>
+          <a:ext cx="0" cy="0"/>
+          <a:chOff x="0" y="0"/>
+          <a:chExt cx="0" cy="0"/>
+        </a:xfrm>
+      </p:grpSpPr>
+      <p:pic>
+        <p:nvPicPr>
+          <p:cNvPr id="4" name="图片 3">
+            <a:extLst>
+              <a:ext uri="{FF2B5EF4-FFF2-40B4-BE49-F238E27FC236}">
+                <a16:creationId xmlns:a16="http://schemas.microsoft.com/office/drawing/2014/main" id="{464A9182-5532-1113-9924-FC1131F0AF6C}"/>
+              </a:ext>
+            </a:extLst>
+          </p:cNvPr>
+          <p:cNvPicPr>
+            <a:picLocks noChangeAspect="1"/>
+          </p:cNvPicPr>
+          <p:nvPr/>
+        </p:nvPicPr>
+        <p:blipFill>
+          <a:blip r:embed="rId3"/>
+          <a:stretch>
+            <a:fillRect/>
+          </a:stretch>
+        </p:blipFill>
+        <p:spPr>
+          <a:xfrm>
+            <a:off x="681571" y="1200535"/>
+            <a:ext cx="9515959" cy="4456929"/>
+          </a:xfrm>
+          <a:prstGeom prst="rect">
+            <a:avLst/>
+          </a:prstGeom>
+        </p:spPr>
+      </p:pic>
+      <p:sp>
+        <p:nvSpPr>
+          <p:cNvPr id="5" name="矩形 4">
+            <a:extLst>
+              <a:ext uri="{FF2B5EF4-FFF2-40B4-BE49-F238E27FC236}">
+                <a16:creationId xmlns:a16="http://schemas.microsoft.com/office/drawing/2014/main" id="{8C8FE12F-7074-D9BA-2B24-DF1FD340EA50}"/>
+              </a:ext>
+            </a:extLst>
+          </p:cNvPr>
+          <p:cNvSpPr/>
+          <p:nvPr/>
+        </p:nvSpPr>
+        <p:spPr>
+          <a:xfrm>
+            <a:off x="5532698" y="2239703"/>
+            <a:ext cx="833379" cy="682906"/>
+          </a:xfrm>
+          <a:prstGeom prst="rect">
+            <a:avLst/>
+          </a:prstGeom>
+          <a:noFill/>
+          <a:ln w="19050">
+            <a:solidFill>
+              <a:srgbClr val="FF0000"/>
+            </a:solidFill>
+          </a:ln>
+        </p:spPr>
+        <p:style>
+          <a:lnRef idx="2">
+            <a:schemeClr val="accent1">
+              <a:shade val="15000"/>
+            </a:schemeClr>
+          </a:lnRef>
+          <a:fillRef idx="1">
+            <a:schemeClr val="accent1"/>
+          </a:fillRef>
+          <a:effectRef idx="0">
+            <a:schemeClr val="accent1"/>
+          </a:effectRef>
+          <a:fontRef idx="minor">
+            <a:schemeClr val="lt1"/>
+          </a:fontRef>
+        </p:style>
+        <p:txBody>
+          <a:bodyPr rtlCol="0" anchor="ctr"/>
+          <a:lstStyle/>
+          <a:p>
+            <a:pPr algn="ctr"/>
+            <a:endParaRPr lang="zh-CN" altLang="en-US"/>
+          </a:p>
+        </p:txBody>
+      </p:sp>
+      <p:sp>
+        <p:nvSpPr>
+          <p:cNvPr id="6" name="矩形 5">
+            <a:extLst>
+              <a:ext uri="{FF2B5EF4-FFF2-40B4-BE49-F238E27FC236}">
+                <a16:creationId xmlns:a16="http://schemas.microsoft.com/office/drawing/2014/main" id="{257897B2-2BEE-894E-84F5-1FD0C82B5D1C}"/>
+              </a:ext>
+            </a:extLst>
+          </p:cNvPr>
+          <p:cNvSpPr/>
+          <p:nvPr/>
+        </p:nvSpPr>
+        <p:spPr>
+          <a:xfrm>
+            <a:off x="5532697" y="3087545"/>
+            <a:ext cx="833379" cy="1056191"/>
+          </a:xfrm>
+          <a:prstGeom prst="rect">
+            <a:avLst/>
+          </a:prstGeom>
+          <a:noFill/>
+          <a:ln w="19050">
+            <a:solidFill>
+              <a:srgbClr val="FF0000"/>
+            </a:solidFill>
+          </a:ln>
+        </p:spPr>
+        <p:style>
+          <a:lnRef idx="2">
+            <a:schemeClr val="accent1">
+              <a:shade val="15000"/>
+            </a:schemeClr>
+          </a:lnRef>
+          <a:fillRef idx="1">
+            <a:schemeClr val="accent1"/>
+          </a:fillRef>
+          <a:effectRef idx="0">
+            <a:schemeClr val="accent1"/>
+          </a:effectRef>
+          <a:fontRef idx="minor">
+            <a:schemeClr val="lt1"/>
+          </a:fontRef>
+        </p:style>
+        <p:txBody>
+          <a:bodyPr rtlCol="0" anchor="ctr"/>
+          <a:lstStyle/>
+          <a:p>
+            <a:pPr algn="ctr"/>
+            <a:endParaRPr lang="zh-CN" altLang="en-US"/>
+          </a:p>
+        </p:txBody>
+      </p:sp>
+      <p:sp>
+        <p:nvSpPr>
+          <p:cNvPr id="7" name="矩形 6">
+            <a:extLst>
+              <a:ext uri="{FF2B5EF4-FFF2-40B4-BE49-F238E27FC236}">
+                <a16:creationId xmlns:a16="http://schemas.microsoft.com/office/drawing/2014/main" id="{877BBB1E-2453-E761-7515-8AC9DAA5DF01}"/>
+              </a:ext>
+            </a:extLst>
+          </p:cNvPr>
+          <p:cNvSpPr/>
+          <p:nvPr/>
+        </p:nvSpPr>
+        <p:spPr>
+          <a:xfrm>
+            <a:off x="5532696" y="4360759"/>
+            <a:ext cx="833379" cy="1056191"/>
+          </a:xfrm>
+          <a:prstGeom prst="rect">
+            <a:avLst/>
+          </a:prstGeom>
+          <a:noFill/>
+          <a:ln w="19050">
+            <a:solidFill>
+              <a:srgbClr val="FF0000"/>
+            </a:solidFill>
+          </a:ln>
+        </p:spPr>
+        <p:style>
+          <a:lnRef idx="2">
+            <a:schemeClr val="accent1">
+              <a:shade val="15000"/>
+            </a:schemeClr>
+          </a:lnRef>
+          <a:fillRef idx="1">
+            <a:schemeClr val="accent1"/>
+          </a:fillRef>
+          <a:effectRef idx="0">
+            <a:schemeClr val="accent1"/>
+          </a:effectRef>
+          <a:fontRef idx="minor">
+            <a:schemeClr val="lt1"/>
+          </a:fontRef>
+        </p:style>
+        <p:txBody>
+          <a:bodyPr rtlCol="0" anchor="ctr"/>
+          <a:lstStyle/>
+          <a:p>
+            <a:pPr algn="ctr"/>
+            <a:endParaRPr lang="zh-CN" altLang="en-US"/>
+          </a:p>
+        </p:txBody>
+      </p:sp>
+      <p:sp>
+        <p:nvSpPr>
+          <p:cNvPr id="8" name="文本框 7">
+            <a:extLst>
+              <a:ext uri="{FF2B5EF4-FFF2-40B4-BE49-F238E27FC236}">
+                <a16:creationId xmlns:a16="http://schemas.microsoft.com/office/drawing/2014/main" id="{E2D1D65F-E145-294D-25DC-18DEDF8624B9}"/>
+              </a:ext>
+            </a:extLst>
+          </p:cNvPr>
+          <p:cNvSpPr txBox="1"/>
+          <p:nvPr/>
+        </p:nvSpPr>
+        <p:spPr>
+          <a:xfrm>
+            <a:off x="6678041" y="499996"/>
+            <a:ext cx="5776318" cy="369332"/>
+          </a:xfrm>
+          <a:prstGeom prst="rect">
+            <a:avLst/>
+          </a:prstGeom>
+          <a:noFill/>
+        </p:spPr>
+        <p:txBody>
+          <a:bodyPr wrap="square" rtlCol="0">
+            <a:spAutoFit/>
+          </a:bodyPr>
+          <a:lstStyle/>
+          <a:p>
+            <a:r>
+              <a:rPr lang="en-US" altLang="zh-CN" b="1" dirty="0"/>
+              <a:t>two-layer attention to update item embedding</a:t>
+            </a:r>
+            <a:r>
+              <a:rPr lang="zh-CN" altLang="en-US" b="1" dirty="0">
+                <a:solidFill>
+                  <a:srgbClr val="FF0000"/>
+                </a:solidFill>
+              </a:rPr>
+              <a:t> </a:t>
+            </a:r>
+            <a:endParaRPr lang="en-US" altLang="zh-CN" b="1" dirty="0"/>
+          </a:p>
+        </p:txBody>
+      </p:sp>
+      <p:sp>
+        <p:nvSpPr>
+          <p:cNvPr id="9" name="箭头: 下 8">
+            <a:extLst>
+              <a:ext uri="{FF2B5EF4-FFF2-40B4-BE49-F238E27FC236}">
+                <a16:creationId xmlns:a16="http://schemas.microsoft.com/office/drawing/2014/main" id="{5B6DBB90-B1DD-53C1-AC84-BD41FDE33B5C}"/>
+              </a:ext>
+            </a:extLst>
+          </p:cNvPr>
+          <p:cNvSpPr/>
+          <p:nvPr/>
+        </p:nvSpPr>
+        <p:spPr>
+          <a:xfrm rot="14894007">
+            <a:off x="6000452" y="661690"/>
+            <a:ext cx="469557" cy="766119"/>
+          </a:xfrm>
+          <a:prstGeom prst="downArrow">
+            <a:avLst/>
+          </a:prstGeom>
+        </p:spPr>
+        <p:style>
+          <a:lnRef idx="1">
+            <a:schemeClr val="accent5"/>
+          </a:lnRef>
+          <a:fillRef idx="2">
+            <a:schemeClr val="accent5"/>
+          </a:fillRef>
+          <a:effectRef idx="1">
+            <a:schemeClr val="accent5"/>
+          </a:effectRef>
+          <a:fontRef idx="minor">
+            <a:schemeClr val="dk1"/>
+          </a:fontRef>
+        </p:style>
+        <p:txBody>
+          <a:bodyPr rtlCol="0" anchor="ctr"/>
+          <a:lstStyle/>
+          <a:p>
+            <a:pPr algn="ctr"/>
+            <a:endParaRPr lang="zh-CN" altLang="en-US"/>
+          </a:p>
+        </p:txBody>
+      </p:sp>
+    </p:spTree>
+    <p:extLst>
+      <p:ext uri="{BB962C8B-B14F-4D97-AF65-F5344CB8AC3E}">
+        <p14:creationId xmlns:p14="http://schemas.microsoft.com/office/powerpoint/2010/main" val="3003554391"/>
+      </p:ext>
+    </p:extLst>
+  </p:cSld>
+  <p:clrMapOvr>
+    <a:masterClrMapping/>
+  </p:clrMapOvr>
+</p:sld>
+</file>
+
+<file path=ppt/slides/slide21.xml><?xml version="1.0" encoding="utf-8"?>
+<p:sld xmlns:a="http://schemas.openxmlformats.org/drawingml/2006/main" xmlns:r="http://schemas.openxmlformats.org/officeDocument/2006/relationships" xmlns:p="http://schemas.openxmlformats.org/presentationml/2006/main">
+  <p:cSld>
+    <p:spTree>
+      <p:nvGrpSpPr>
+        <p:cNvPr id="1" name=""/>
+        <p:cNvGrpSpPr/>
+        <p:nvPr/>
+      </p:nvGrpSpPr>
+      <p:grpSpPr>
+        <a:xfrm>
+          <a:off x="0" y="0"/>
+          <a:ext cx="0" cy="0"/>
+          <a:chOff x="0" y="0"/>
+          <a:chExt cx="0" cy="0"/>
+        </a:xfrm>
+      </p:grpSpPr>
+      <p:sp>
+        <p:nvSpPr>
+          <p:cNvPr id="4" name="文本框 3">
+            <a:extLst>
+              <a:ext uri="{FF2B5EF4-FFF2-40B4-BE49-F238E27FC236}">
+                <a16:creationId xmlns:a16="http://schemas.microsoft.com/office/drawing/2014/main" id="{66A428C4-28D2-6517-B1DA-134CB8C40FD7}"/>
+              </a:ext>
+            </a:extLst>
+          </p:cNvPr>
+          <p:cNvSpPr txBox="1"/>
+          <p:nvPr/>
+        </p:nvSpPr>
+        <p:spPr>
+          <a:xfrm>
+            <a:off x="142755" y="370389"/>
+            <a:ext cx="12049245" cy="4524315"/>
+          </a:xfrm>
+          <a:prstGeom prst="rect">
+            <a:avLst/>
+          </a:prstGeom>
+          <a:noFill/>
+        </p:spPr>
+        <p:txBody>
+          <a:bodyPr wrap="square" rtlCol="0">
+            <a:spAutoFit/>
+          </a:bodyPr>
+          <a:lstStyle/>
+          <a:p>
+            <a:r>
+              <a:rPr lang="en-US" altLang="zh-CN" sz="2400" b="1" dirty="0"/>
+              <a:t>based on 2 assumptions:</a:t>
+            </a:r>
+          </a:p>
+          <a:p>
+            <a:endParaRPr lang="en-US" altLang="zh-CN" sz="2400" b="1" dirty="0"/>
+          </a:p>
+          <a:p>
+            <a:pPr marL="457200" indent="-457200">
+              <a:buFont typeface="+mj-lt"/>
+              <a:buAutoNum type="alphaLcParenR"/>
+            </a:pPr>
+            <a:r>
+              <a:rPr lang="en-US" altLang="zh-CN" sz="2400" b="1" dirty="0"/>
+              <a:t>current item is mostly related to the last one item (i.e. last item information)</a:t>
+            </a:r>
+          </a:p>
+          <a:p>
+            <a:pPr marL="457200" indent="-457200">
+              <a:buFont typeface="+mj-lt"/>
+              <a:buAutoNum type="alphaLcParenR"/>
+            </a:pPr>
+            <a:endParaRPr lang="en-US" altLang="zh-CN" sz="2400" b="1" dirty="0"/>
+          </a:p>
+          <a:p>
+            <a:pPr marL="457200" indent="-457200">
+              <a:buFont typeface="+mj-lt"/>
+              <a:buAutoNum type="alphaLcParenR"/>
+            </a:pPr>
+            <a:r>
+              <a:rPr lang="en-US" altLang="zh-CN" sz="2400" b="1" dirty="0"/>
+              <a:t>current item is also related to the instances that arrived at this item (i.e. item-item meta-path)</a:t>
+            </a:r>
+          </a:p>
+          <a:p>
+            <a:pPr marL="457200" indent="-457200">
+              <a:buFont typeface="+mj-lt"/>
+              <a:buAutoNum type="alphaLcParenR"/>
+            </a:pPr>
+            <a:endParaRPr lang="en-US" altLang="zh-CN" sz="2400" b="1" dirty="0"/>
+          </a:p>
+          <a:p>
+            <a:endParaRPr lang="en-US" altLang="zh-CN" sz="2400" b="1" dirty="0"/>
+          </a:p>
+          <a:p>
+            <a:pPr marL="457200" indent="-457200">
+              <a:buFont typeface="+mj-lt"/>
+              <a:buAutoNum type="alphaLcParenR"/>
+            </a:pPr>
+            <a:endParaRPr lang="en-US" altLang="zh-CN" sz="2400" b="1" dirty="0"/>
+          </a:p>
+          <a:p>
+            <a:pPr marL="457200" indent="-457200">
+              <a:buFont typeface="+mj-lt"/>
+              <a:buAutoNum type="alphaLcParenR"/>
+            </a:pPr>
+            <a:endParaRPr lang="en-US" altLang="zh-CN" sz="2400" b="1" dirty="0"/>
+          </a:p>
+          <a:p>
+            <a:endParaRPr lang="en-US" altLang="zh-CN" sz="2400" b="1" dirty="0"/>
+          </a:p>
+          <a:p>
+            <a:endParaRPr lang="zh-CN" altLang="en-US" sz="2400" b="1" dirty="0"/>
+          </a:p>
+        </p:txBody>
+      </p:sp>
+      <p:graphicFrame>
+        <p:nvGraphicFramePr>
+          <p:cNvPr id="5" name="对象 4">
+            <a:extLst>
+              <a:ext uri="{FF2B5EF4-FFF2-40B4-BE49-F238E27FC236}">
+                <a16:creationId xmlns:a16="http://schemas.microsoft.com/office/drawing/2014/main" id="{71EB73CD-7FA9-8A64-78B7-6FDDBDDB0800}"/>
+              </a:ext>
+            </a:extLst>
+          </p:cNvPr>
+          <p:cNvGraphicFramePr>
+            <a:graphicFrameLocks noChangeAspect="1"/>
+          </p:cNvGraphicFramePr>
+          <p:nvPr>
+            <p:extLst>
+              <p:ext uri="{D42A27DB-BD31-4B8C-83A1-F6EECF244321}">
+                <p14:modId xmlns:p14="http://schemas.microsoft.com/office/powerpoint/2010/main" val="1041545113"/>
+              </p:ext>
+            </p:extLst>
+          </p:nvPr>
+        </p:nvGraphicFramePr>
+        <p:xfrm>
+          <a:off x="142755" y="4084036"/>
+          <a:ext cx="6396941" cy="1285230"/>
+        </p:xfrm>
+        <a:graphic>
+          <a:graphicData uri="http://schemas.openxmlformats.org/presentationml/2006/ole">
+            <mc:AlternateContent xmlns:mc="http://schemas.openxmlformats.org/markup-compatibility/2006">
+              <mc:Choice xmlns:v="urn:schemas-microsoft-com:vml" Requires="v">
+                <p:oleObj name="Equation" r:id="rId3" imgW="2781000" imgH="558720" progId="Equation.DSMT4">
+                  <p:embed/>
+                </p:oleObj>
+              </mc:Choice>
+              <mc:Fallback>
+                <p:oleObj name="Equation" r:id="rId3" imgW="2781000" imgH="558720" progId="Equation.DSMT4">
+                  <p:embed/>
+                  <p:pic>
+                    <p:nvPicPr>
+                      <p:cNvPr id="0" name=""/>
+                      <p:cNvPicPr/>
+                      <p:nvPr/>
+                    </p:nvPicPr>
+                    <p:blipFill>
+                      <a:blip r:embed="rId4"/>
+                      <a:stretch>
+                        <a:fillRect/>
+                      </a:stretch>
+                    </p:blipFill>
+                    <p:spPr>
+                      <a:xfrm>
+                        <a:off x="142755" y="4084036"/>
+                        <a:ext cx="6396941" cy="1285230"/>
+                      </a:xfrm>
+                      <a:prstGeom prst="rect">
+                        <a:avLst/>
+                      </a:prstGeom>
+                    </p:spPr>
+                  </p:pic>
+                </p:oleObj>
+              </mc:Fallback>
+            </mc:AlternateContent>
+          </a:graphicData>
+        </a:graphic>
+      </p:graphicFrame>
+    </p:spTree>
+    <p:extLst>
+      <p:ext uri="{BB962C8B-B14F-4D97-AF65-F5344CB8AC3E}">
+        <p14:creationId xmlns:p14="http://schemas.microsoft.com/office/powerpoint/2010/main" val="2634658311"/>
+      </p:ext>
+    </p:extLst>
+  </p:cSld>
+  <p:clrMapOvr>
+    <a:masterClrMapping/>
+  </p:clrMapOvr>
+</p:sld>
+</file>
+
+<file path=ppt/slides/slide22.xml><?xml version="1.0" encoding="utf-8"?>
+<p:sld xmlns:a="http://schemas.openxmlformats.org/drawingml/2006/main" xmlns:r="http://schemas.openxmlformats.org/officeDocument/2006/relationships" xmlns:p="http://schemas.openxmlformats.org/presentationml/2006/main">
+  <p:cSld>
+    <p:spTree>
+      <p:nvGrpSpPr>
+        <p:cNvPr id="1" name=""/>
+        <p:cNvGrpSpPr/>
+        <p:nvPr/>
+      </p:nvGrpSpPr>
+      <p:grpSpPr>
+        <a:xfrm>
+          <a:off x="0" y="0"/>
+          <a:ext cx="0" cy="0"/>
+          <a:chOff x="0" y="0"/>
+          <a:chExt cx="0" cy="0"/>
+        </a:xfrm>
+      </p:grpSpPr>
+      <p:pic>
+        <p:nvPicPr>
+          <p:cNvPr id="4" name="图片 3">
+            <a:extLst>
+              <a:ext uri="{FF2B5EF4-FFF2-40B4-BE49-F238E27FC236}">
+                <a16:creationId xmlns:a16="http://schemas.microsoft.com/office/drawing/2014/main" id="{D29FD6D7-7D1C-B077-3B4C-47AE88DB474C}"/>
+              </a:ext>
+            </a:extLst>
+          </p:cNvPr>
+          <p:cNvPicPr>
+            <a:picLocks noChangeAspect="1"/>
+          </p:cNvPicPr>
+          <p:nvPr/>
+        </p:nvPicPr>
+        <p:blipFill>
+          <a:blip r:embed="rId3"/>
+          <a:stretch>
+            <a:fillRect/>
+          </a:stretch>
+        </p:blipFill>
+        <p:spPr>
+          <a:xfrm>
+            <a:off x="218584" y="1952889"/>
+            <a:ext cx="9515959" cy="4456929"/>
+          </a:xfrm>
+          <a:prstGeom prst="rect">
+            <a:avLst/>
+          </a:prstGeom>
+        </p:spPr>
+      </p:pic>
+      <p:sp>
+        <p:nvSpPr>
+          <p:cNvPr id="5" name="矩形 4">
+            <a:extLst>
+              <a:ext uri="{FF2B5EF4-FFF2-40B4-BE49-F238E27FC236}">
+                <a16:creationId xmlns:a16="http://schemas.microsoft.com/office/drawing/2014/main" id="{3E49AC56-07DA-36B4-84AB-8E5640F28A06}"/>
+              </a:ext>
+            </a:extLst>
+          </p:cNvPr>
+          <p:cNvSpPr/>
+          <p:nvPr/>
+        </p:nvSpPr>
+        <p:spPr>
+          <a:xfrm>
+            <a:off x="6504972" y="2126846"/>
+            <a:ext cx="3356658" cy="1519180"/>
+          </a:xfrm>
+          <a:prstGeom prst="rect">
+            <a:avLst/>
+          </a:prstGeom>
+          <a:noFill/>
+          <a:ln w="19050">
+            <a:solidFill>
+              <a:srgbClr val="FF0000"/>
+            </a:solidFill>
+          </a:ln>
+        </p:spPr>
+        <p:style>
+          <a:lnRef idx="2">
+            <a:schemeClr val="accent1">
+              <a:shade val="15000"/>
+            </a:schemeClr>
+          </a:lnRef>
+          <a:fillRef idx="1">
+            <a:schemeClr val="accent1"/>
+          </a:fillRef>
+          <a:effectRef idx="0">
+            <a:schemeClr val="accent1"/>
+          </a:effectRef>
+          <a:fontRef idx="minor">
+            <a:schemeClr val="lt1"/>
+          </a:fontRef>
+        </p:style>
+        <p:txBody>
+          <a:bodyPr rtlCol="0" anchor="ctr"/>
+          <a:lstStyle/>
+          <a:p>
+            <a:pPr algn="ctr"/>
+            <a:endParaRPr lang="zh-CN" altLang="en-US"/>
+          </a:p>
+        </p:txBody>
+      </p:sp>
+      <p:sp>
+        <p:nvSpPr>
+          <p:cNvPr id="6" name="矩形 5">
+            <a:extLst>
+              <a:ext uri="{FF2B5EF4-FFF2-40B4-BE49-F238E27FC236}">
+                <a16:creationId xmlns:a16="http://schemas.microsoft.com/office/drawing/2014/main" id="{5CBDFE89-E867-200B-427D-DC381ADD15E5}"/>
+              </a:ext>
+            </a:extLst>
+          </p:cNvPr>
+          <p:cNvSpPr/>
+          <p:nvPr/>
+        </p:nvSpPr>
+        <p:spPr>
+          <a:xfrm>
+            <a:off x="6504970" y="3828325"/>
+            <a:ext cx="3356659" cy="1056191"/>
+          </a:xfrm>
+          <a:prstGeom prst="rect">
+            <a:avLst/>
+          </a:prstGeom>
+          <a:noFill/>
+          <a:ln w="19050">
+            <a:solidFill>
+              <a:srgbClr val="FF0000"/>
+            </a:solidFill>
+          </a:ln>
+        </p:spPr>
+        <p:style>
+          <a:lnRef idx="2">
+            <a:schemeClr val="accent1">
+              <a:shade val="15000"/>
+            </a:schemeClr>
+          </a:lnRef>
+          <a:fillRef idx="1">
+            <a:schemeClr val="accent1"/>
+          </a:fillRef>
+          <a:effectRef idx="0">
+            <a:schemeClr val="accent1"/>
+          </a:effectRef>
+          <a:fontRef idx="minor">
+            <a:schemeClr val="lt1"/>
+          </a:fontRef>
+        </p:style>
+        <p:txBody>
+          <a:bodyPr rtlCol="0" anchor="ctr"/>
+          <a:lstStyle/>
+          <a:p>
+            <a:pPr algn="ctr"/>
+            <a:endParaRPr lang="zh-CN" altLang="en-US"/>
+          </a:p>
+        </p:txBody>
+      </p:sp>
+      <p:sp>
+        <p:nvSpPr>
+          <p:cNvPr id="7" name="矩形 6">
+            <a:extLst>
+              <a:ext uri="{FF2B5EF4-FFF2-40B4-BE49-F238E27FC236}">
+                <a16:creationId xmlns:a16="http://schemas.microsoft.com/office/drawing/2014/main" id="{D28741CE-E0C2-84AE-B135-04DB3D6A3C2A}"/>
+              </a:ext>
+            </a:extLst>
+          </p:cNvPr>
+          <p:cNvSpPr/>
+          <p:nvPr/>
+        </p:nvSpPr>
+        <p:spPr>
+          <a:xfrm>
+            <a:off x="6504970" y="5113283"/>
+            <a:ext cx="3356659" cy="1056191"/>
+          </a:xfrm>
+          <a:prstGeom prst="rect">
+            <a:avLst/>
+          </a:prstGeom>
+          <a:noFill/>
+          <a:ln w="19050">
+            <a:solidFill>
+              <a:srgbClr val="FF0000"/>
+            </a:solidFill>
+          </a:ln>
+        </p:spPr>
+        <p:style>
+          <a:lnRef idx="2">
+            <a:schemeClr val="accent1">
+              <a:shade val="15000"/>
+            </a:schemeClr>
+          </a:lnRef>
+          <a:fillRef idx="1">
+            <a:schemeClr val="accent1"/>
+          </a:fillRef>
+          <a:effectRef idx="0">
+            <a:schemeClr val="accent1"/>
+          </a:effectRef>
+          <a:fontRef idx="minor">
+            <a:schemeClr val="lt1"/>
+          </a:fontRef>
+        </p:style>
+        <p:txBody>
+          <a:bodyPr rtlCol="0" anchor="ctr"/>
+          <a:lstStyle/>
+          <a:p>
+            <a:pPr algn="ctr"/>
+            <a:endParaRPr lang="zh-CN" altLang="en-US"/>
+          </a:p>
+        </p:txBody>
+      </p:sp>
+      <p:sp>
+        <p:nvSpPr>
+          <p:cNvPr id="8" name="箭头: 下 7">
+            <a:extLst>
+              <a:ext uri="{FF2B5EF4-FFF2-40B4-BE49-F238E27FC236}">
+                <a16:creationId xmlns:a16="http://schemas.microsoft.com/office/drawing/2014/main" id="{B5ECEA59-C3F0-11DB-309C-C404502EB0AB}"/>
+              </a:ext>
+            </a:extLst>
+          </p:cNvPr>
+          <p:cNvSpPr/>
+          <p:nvPr/>
+        </p:nvSpPr>
+        <p:spPr>
+          <a:xfrm rot="13745351">
+            <a:off x="7667207" y="1325180"/>
+            <a:ext cx="469557" cy="766119"/>
+          </a:xfrm>
+          <a:prstGeom prst="downArrow">
+            <a:avLst/>
+          </a:prstGeom>
+        </p:spPr>
+        <p:style>
+          <a:lnRef idx="1">
+            <a:schemeClr val="accent5"/>
+          </a:lnRef>
+          <a:fillRef idx="2">
+            <a:schemeClr val="accent5"/>
+          </a:fillRef>
+          <a:effectRef idx="1">
+            <a:schemeClr val="accent5"/>
+          </a:effectRef>
+          <a:fontRef idx="minor">
+            <a:schemeClr val="dk1"/>
+          </a:fontRef>
+        </p:style>
+        <p:txBody>
+          <a:bodyPr rtlCol="0" anchor="ctr"/>
+          <a:lstStyle/>
+          <a:p>
+            <a:pPr algn="ctr"/>
+            <a:endParaRPr lang="zh-CN" altLang="en-US"/>
+          </a:p>
+        </p:txBody>
+      </p:sp>
+      <p:graphicFrame>
+        <p:nvGraphicFramePr>
+          <p:cNvPr id="9" name="对象 8">
+            <a:extLst>
+              <a:ext uri="{FF2B5EF4-FFF2-40B4-BE49-F238E27FC236}">
+                <a16:creationId xmlns:a16="http://schemas.microsoft.com/office/drawing/2014/main" id="{680A6F21-5C3D-FF70-F44F-56F1760A7569}"/>
+              </a:ext>
+            </a:extLst>
+          </p:cNvPr>
+          <p:cNvGraphicFramePr>
+            <a:graphicFrameLocks noChangeAspect="1"/>
+          </p:cNvGraphicFramePr>
+          <p:nvPr>
+            <p:extLst>
+              <p:ext uri="{D42A27DB-BD31-4B8C-83A1-F6EECF244321}">
+                <p14:modId xmlns:p14="http://schemas.microsoft.com/office/powerpoint/2010/main" val="4248007635"/>
+              </p:ext>
+            </p:extLst>
+          </p:nvPr>
+        </p:nvGraphicFramePr>
+        <p:xfrm>
+          <a:off x="8464635" y="587944"/>
+          <a:ext cx="2304539" cy="601184"/>
+        </p:xfrm>
+        <a:graphic>
+          <a:graphicData uri="http://schemas.openxmlformats.org/presentationml/2006/ole">
+            <mc:AlternateContent xmlns:mc="http://schemas.openxmlformats.org/markup-compatibility/2006">
+              <mc:Choice xmlns:v="urn:schemas-microsoft-com:vml" Requires="v">
+                <p:oleObj name="Equation" r:id="rId4" imgW="1168200" imgH="304560" progId="Equation.DSMT4">
+                  <p:embed/>
+                </p:oleObj>
+              </mc:Choice>
+              <mc:Fallback>
+                <p:oleObj name="Equation" r:id="rId4" imgW="1168200" imgH="304560" progId="Equation.DSMT4">
+                  <p:embed/>
+                  <p:pic>
+                    <p:nvPicPr>
+                      <p:cNvPr id="0" name=""/>
+                      <p:cNvPicPr/>
+                      <p:nvPr/>
+                    </p:nvPicPr>
+                    <p:blipFill>
+                      <a:blip r:embed="rId5"/>
+                      <a:stretch>
+                        <a:fillRect/>
+                      </a:stretch>
+                    </p:blipFill>
+                    <p:spPr>
+                      <a:xfrm>
+                        <a:off x="8464635" y="587944"/>
+                        <a:ext cx="2304539" cy="601184"/>
+                      </a:xfrm>
+                      <a:prstGeom prst="rect">
+                        <a:avLst/>
+                      </a:prstGeom>
+                    </p:spPr>
+                  </p:pic>
+                </p:oleObj>
+              </mc:Fallback>
+            </mc:AlternateContent>
+          </a:graphicData>
+        </a:graphic>
+      </p:graphicFrame>
+      <p:graphicFrame>
+        <p:nvGraphicFramePr>
+          <p:cNvPr id="10" name="对象 9">
+            <a:extLst>
+              <a:ext uri="{FF2B5EF4-FFF2-40B4-BE49-F238E27FC236}">
+                <a16:creationId xmlns:a16="http://schemas.microsoft.com/office/drawing/2014/main" id="{8E1D28DC-A774-9D6B-950D-141B2A8F7BCE}"/>
+              </a:ext>
+            </a:extLst>
+          </p:cNvPr>
+          <p:cNvGraphicFramePr>
+            <a:graphicFrameLocks noChangeAspect="1"/>
+          </p:cNvGraphicFramePr>
+          <p:nvPr>
+            <p:extLst>
+              <p:ext uri="{D42A27DB-BD31-4B8C-83A1-F6EECF244321}">
+                <p14:modId xmlns:p14="http://schemas.microsoft.com/office/powerpoint/2010/main" val="984063471"/>
+              </p:ext>
+            </p:extLst>
+          </p:nvPr>
+        </p:nvGraphicFramePr>
+        <p:xfrm>
+          <a:off x="8464635" y="1429583"/>
+          <a:ext cx="2243004" cy="554970"/>
+        </p:xfrm>
+        <a:graphic>
+          <a:graphicData uri="http://schemas.openxmlformats.org/presentationml/2006/ole">
+            <mc:AlternateContent xmlns:mc="http://schemas.openxmlformats.org/markup-compatibility/2006">
+              <mc:Choice xmlns:v="urn:schemas-microsoft-com:vml" Requires="v">
+                <p:oleObj name="Equation" r:id="rId6" imgW="1231560" imgH="304560" progId="Equation.DSMT4">
+                  <p:embed/>
+                </p:oleObj>
+              </mc:Choice>
+              <mc:Fallback>
+                <p:oleObj name="Equation" r:id="rId6" imgW="1231560" imgH="304560" progId="Equation.DSMT4">
+                  <p:embed/>
+                  <p:pic>
+                    <p:nvPicPr>
+                      <p:cNvPr id="0" name=""/>
+                      <p:cNvPicPr/>
+                      <p:nvPr/>
+                    </p:nvPicPr>
+                    <p:blipFill>
+                      <a:blip r:embed="rId7"/>
+                      <a:stretch>
+                        <a:fillRect/>
+                      </a:stretch>
+                    </p:blipFill>
+                    <p:spPr>
+                      <a:xfrm>
+                        <a:off x="8464635" y="1429583"/>
+                        <a:ext cx="2243004" cy="554970"/>
+                      </a:xfrm>
+                      <a:prstGeom prst="rect">
+                        <a:avLst/>
+                      </a:prstGeom>
+                    </p:spPr>
+                  </p:pic>
+                </p:oleObj>
+              </mc:Fallback>
+            </mc:AlternateContent>
+          </a:graphicData>
+        </a:graphic>
+      </p:graphicFrame>
+    </p:spTree>
+    <p:extLst>
+      <p:ext uri="{BB962C8B-B14F-4D97-AF65-F5344CB8AC3E}">
+        <p14:creationId xmlns:p14="http://schemas.microsoft.com/office/powerpoint/2010/main" val="1027308607"/>
+      </p:ext>
+    </p:extLst>
+  </p:cSld>
+  <p:clrMapOvr>
+    <a:masterClrMapping/>
+  </p:clrMapOvr>
+</p:sld>
+</file>
+
+<file path=ppt/slides/slide23.xml><?xml version="1.0" encoding="utf-8"?>
+<p:sld xmlns:a="http://schemas.openxmlformats.org/drawingml/2006/main" xmlns:r="http://schemas.openxmlformats.org/officeDocument/2006/relationships" xmlns:p="http://schemas.openxmlformats.org/presentationml/2006/main">
+  <p:cSld>
+    <p:spTree>
+      <p:nvGrpSpPr>
+        <p:cNvPr id="1" name=""/>
+        <p:cNvGrpSpPr/>
+        <p:nvPr/>
+      </p:nvGrpSpPr>
+      <p:grpSpPr>
+        <a:xfrm>
+          <a:off x="0" y="0"/>
+          <a:ext cx="0" cy="0"/>
+          <a:chOff x="0" y="0"/>
+          <a:chExt cx="0" cy="0"/>
+        </a:xfrm>
+      </p:grpSpPr>
+      <p:sp>
+        <p:nvSpPr>
+          <p:cNvPr id="2" name="标题 1">
+            <a:extLst>
+              <a:ext uri="{FF2B5EF4-FFF2-40B4-BE49-F238E27FC236}">
+                <a16:creationId xmlns:a16="http://schemas.microsoft.com/office/drawing/2014/main" id="{322AACF1-2FA7-54C6-89A9-DE32F049D7E9}"/>
+              </a:ext>
+            </a:extLst>
+          </p:cNvPr>
+          <p:cNvSpPr>
+            <a:spLocks noGrp="1"/>
+          </p:cNvSpPr>
+          <p:nvPr>
+            <p:ph type="title"/>
+          </p:nvPr>
+        </p:nvSpPr>
+        <p:spPr/>
+        <p:txBody>
+          <a:bodyPr/>
+          <a:lstStyle/>
+          <a:p>
+            <a:r>
+              <a:rPr lang="en-US" altLang="zh-CN" b="1" dirty="0">
+                <a:latin typeface="+mn-ea"/>
+                <a:ea typeface="+mn-ea"/>
+              </a:rPr>
+              <a:t>PLM-Rec</a:t>
+            </a:r>
+            <a:endParaRPr lang="zh-CN" altLang="en-US" b="1" dirty="0">
+              <a:latin typeface="+mn-ea"/>
+              <a:ea typeface="+mn-ea"/>
+            </a:endParaRPr>
+          </a:p>
+        </p:txBody>
+      </p:sp>
+      <p:sp>
+        <p:nvSpPr>
+          <p:cNvPr id="4" name="文本框 3">
+            <a:extLst>
+              <a:ext uri="{FF2B5EF4-FFF2-40B4-BE49-F238E27FC236}">
+                <a16:creationId xmlns:a16="http://schemas.microsoft.com/office/drawing/2014/main" id="{83AFB247-016E-6418-1123-C84E400DB38A}"/>
+              </a:ext>
+            </a:extLst>
+          </p:cNvPr>
+          <p:cNvSpPr txBox="1"/>
+          <p:nvPr/>
+        </p:nvSpPr>
+        <p:spPr>
+          <a:xfrm>
+            <a:off x="2377440" y="2036064"/>
+            <a:ext cx="1213794" cy="369332"/>
+          </a:xfrm>
+          <a:prstGeom prst="rect">
+            <a:avLst/>
+          </a:prstGeom>
+          <a:noFill/>
+        </p:spPr>
+        <p:txBody>
+          <a:bodyPr wrap="none" rtlCol="0">
+            <a:spAutoFit/>
+          </a:bodyPr>
+          <a:lstStyle/>
+          <a:p>
+            <a:r>
+              <a:rPr lang="en-US" altLang="zh-CN" dirty="0" err="1"/>
+              <a:t>Promblem</a:t>
+            </a:r>
+            <a:endParaRPr lang="zh-CN" altLang="en-US" dirty="0"/>
+          </a:p>
+        </p:txBody>
+      </p:sp>
+    </p:spTree>
+    <p:extLst>
+      <p:ext uri="{BB962C8B-B14F-4D97-AF65-F5344CB8AC3E}">
+        <p14:creationId xmlns:p14="http://schemas.microsoft.com/office/powerpoint/2010/main" val="1566559026"/>
+      </p:ext>
+    </p:extLst>
+  </p:cSld>
+  <p:clrMapOvr>
+    <a:masterClrMapping/>
+  </p:clrMapOvr>
+</p:sld>
+</file>
+
+<file path=ppt/slides/slide24.xml><?xml version="1.0" encoding="utf-8"?>
+<p:sld xmlns:a="http://schemas.openxmlformats.org/drawingml/2006/main" xmlns:r="http://schemas.openxmlformats.org/officeDocument/2006/relationships" xmlns:p="http://schemas.openxmlformats.org/presentationml/2006/main">
+  <p:cSld>
+    <p:spTree>
+      <p:nvGrpSpPr>
+        <p:cNvPr id="1" name=""/>
+        <p:cNvGrpSpPr/>
+        <p:nvPr/>
+      </p:nvGrpSpPr>
+      <p:grpSpPr>
+        <a:xfrm>
+          <a:off x="0" y="0"/>
+          <a:ext cx="0" cy="0"/>
+          <a:chOff x="0" y="0"/>
+          <a:chExt cx="0" cy="0"/>
+        </a:xfrm>
+      </p:grpSpPr>
+      <p:sp>
+        <p:nvSpPr>
+          <p:cNvPr id="2" name="标题 1">
+            <a:extLst>
+              <a:ext uri="{FF2B5EF4-FFF2-40B4-BE49-F238E27FC236}">
+                <a16:creationId xmlns:a16="http://schemas.microsoft.com/office/drawing/2014/main" id="{BAAA65B1-B733-7AF4-F26B-D984687C5897}"/>
+              </a:ext>
+            </a:extLst>
+          </p:cNvPr>
+          <p:cNvSpPr>
+            <a:spLocks noGrp="1"/>
+          </p:cNvSpPr>
+          <p:nvPr>
+            <p:ph type="title"/>
+          </p:nvPr>
+        </p:nvSpPr>
+        <p:spPr/>
+        <p:txBody>
+          <a:bodyPr/>
+          <a:lstStyle/>
+          <a:p>
+            <a:r>
+              <a:rPr lang="en-US" altLang="zh-CN" b="1" dirty="0">
+                <a:latin typeface="+mn-ea"/>
+                <a:ea typeface="+mn-ea"/>
+              </a:rPr>
+              <a:t>Idea</a:t>
+            </a:r>
+            <a:endParaRPr lang="zh-CN" altLang="en-US" b="1" dirty="0">
+              <a:latin typeface="+mn-ea"/>
+              <a:ea typeface="+mn-ea"/>
+            </a:endParaRPr>
+          </a:p>
+        </p:txBody>
+      </p:sp>
+      <p:sp>
+        <p:nvSpPr>
+          <p:cNvPr id="3" name="内容占位符 2">
+            <a:extLst>
+              <a:ext uri="{FF2B5EF4-FFF2-40B4-BE49-F238E27FC236}">
+                <a16:creationId xmlns:a16="http://schemas.microsoft.com/office/drawing/2014/main" id="{0E03CF47-8AEA-26E1-B6C8-FEB94A915251}"/>
+              </a:ext>
+            </a:extLst>
+          </p:cNvPr>
+          <p:cNvSpPr>
+            <a:spLocks noGrp="1"/>
+          </p:cNvSpPr>
+          <p:nvPr>
+            <p:ph idx="1"/>
+          </p:nvPr>
+        </p:nvSpPr>
+        <p:spPr/>
+        <p:txBody>
+          <a:bodyPr/>
+          <a:lstStyle/>
+          <a:p>
+            <a:endParaRPr lang="zh-CN" altLang="en-US" dirty="0"/>
+          </a:p>
+        </p:txBody>
+      </p:sp>
+    </p:spTree>
+    <p:extLst>
+      <p:ext uri="{BB962C8B-B14F-4D97-AF65-F5344CB8AC3E}">
+        <p14:creationId xmlns:p14="http://schemas.microsoft.com/office/powerpoint/2010/main" val="543992244"/>
+      </p:ext>
+    </p:extLst>
+  </p:cSld>
+  <p:clrMapOvr>
+    <a:masterClrMapping/>
+  </p:clrMapOvr>
+</p:sld>
+</file>
+
+<file path=ppt/slides/slide25.xml><?xml version="1.0" encoding="utf-8"?>
+<p:sld xmlns:a="http://schemas.openxmlformats.org/drawingml/2006/main" xmlns:r="http://schemas.openxmlformats.org/officeDocument/2006/relationships" xmlns:p="http://schemas.openxmlformats.org/presentationml/2006/main">
+  <p:cSld>
+    <p:spTree>
+      <p:nvGrpSpPr>
+        <p:cNvPr id="1" name=""/>
+        <p:cNvGrpSpPr/>
+        <p:nvPr/>
+      </p:nvGrpSpPr>
+      <p:grpSpPr>
+        <a:xfrm>
+          <a:off x="0" y="0"/>
+          <a:ext cx="0" cy="0"/>
+          <a:chOff x="0" y="0"/>
+          <a:chExt cx="0" cy="0"/>
+        </a:xfrm>
+      </p:grpSpPr>
+      <p:sp>
+        <p:nvSpPr>
+          <p:cNvPr id="2" name="标题 1">
+            <a:extLst>
+              <a:ext uri="{FF2B5EF4-FFF2-40B4-BE49-F238E27FC236}">
+                <a16:creationId xmlns:a16="http://schemas.microsoft.com/office/drawing/2014/main" id="{9482B2E0-3D6A-2115-352A-EEA94230B516}"/>
+              </a:ext>
+            </a:extLst>
+          </p:cNvPr>
+          <p:cNvSpPr>
+            <a:spLocks noGrp="1"/>
+          </p:cNvSpPr>
+          <p:nvPr>
+            <p:ph type="title"/>
+          </p:nvPr>
+        </p:nvSpPr>
+        <p:spPr/>
+        <p:txBody>
+          <a:bodyPr/>
+          <a:lstStyle/>
+          <a:p>
+            <a:r>
+              <a:rPr lang="en-US" altLang="zh-CN" b="1" dirty="0">
+                <a:latin typeface="+mn-ea"/>
+                <a:ea typeface="+mn-ea"/>
+              </a:rPr>
+              <a:t>Problem</a:t>
+            </a:r>
+            <a:endParaRPr lang="zh-CN" altLang="en-US" b="1" dirty="0">
+              <a:latin typeface="+mn-ea"/>
+              <a:ea typeface="+mn-ea"/>
+            </a:endParaRPr>
+          </a:p>
+        </p:txBody>
+      </p:sp>
+      <p:sp>
+        <p:nvSpPr>
+          <p:cNvPr id="3" name="内容占位符 2">
+            <a:extLst>
+              <a:ext uri="{FF2B5EF4-FFF2-40B4-BE49-F238E27FC236}">
+                <a16:creationId xmlns:a16="http://schemas.microsoft.com/office/drawing/2014/main" id="{58B66598-70F0-0E5A-D17F-01A7DE413880}"/>
+              </a:ext>
+            </a:extLst>
+          </p:cNvPr>
+          <p:cNvSpPr>
+            <a:spLocks noGrp="1"/>
+          </p:cNvSpPr>
+          <p:nvPr>
+            <p:ph idx="1"/>
+          </p:nvPr>
+        </p:nvSpPr>
+        <p:spPr/>
+        <p:txBody>
+          <a:bodyPr/>
+          <a:lstStyle/>
+          <a:p>
+            <a:pPr marL="514350" indent="-514350">
+              <a:buFont typeface="+mj-lt"/>
+              <a:buAutoNum type="alphaLcParenR"/>
+            </a:pPr>
+            <a:r>
+              <a:rPr lang="zh-CN" altLang="en-US" dirty="0"/>
+              <a:t>时间问题：因为实践课的关系，下学期需要去找实习。想要把毕设做好同时还在实习，好像时间上不是很充裕。</a:t>
+            </a:r>
+            <a:endParaRPr lang="en-US" altLang="zh-CN" dirty="0"/>
+          </a:p>
+          <a:p>
+            <a:pPr marL="514350" indent="-514350">
+              <a:buFont typeface="+mj-lt"/>
+              <a:buAutoNum type="alphaLcParenR"/>
+            </a:pPr>
+            <a:endParaRPr lang="en-US" altLang="zh-CN" dirty="0"/>
+          </a:p>
+          <a:p>
+            <a:pPr marL="514350" indent="-514350">
+              <a:buFont typeface="+mj-lt"/>
+              <a:buAutoNum type="alphaLcParenR"/>
+            </a:pPr>
+            <a:r>
+              <a:rPr lang="zh-CN" altLang="en-US" dirty="0"/>
+              <a:t>结果问题：如果我的</a:t>
+            </a:r>
+            <a:r>
+              <a:rPr lang="en-US" altLang="zh-CN" dirty="0"/>
+              <a:t>Idea</a:t>
+            </a:r>
+            <a:r>
+              <a:rPr lang="zh-CN" altLang="en-US" dirty="0"/>
+              <a:t>实现了，但效果并没有那么好，就需要花时间去修改，回到了第一个问题。其次假设模型的指标一直提不上去，毕业论文要怎么完成？</a:t>
+            </a:r>
+          </a:p>
+        </p:txBody>
+      </p:sp>
+    </p:spTree>
+    <p:extLst>
+      <p:ext uri="{BB962C8B-B14F-4D97-AF65-F5344CB8AC3E}">
+        <p14:creationId xmlns:p14="http://schemas.microsoft.com/office/powerpoint/2010/main" val="1756962536"/>
       </p:ext>
     </p:extLst>
   </p:cSld>
@@ -11898,13 +16739,13 @@
         </p:spPr>
         <p:style>
           <a:lnRef idx="1">
-            <a:schemeClr val="accent5"/>
+            <a:schemeClr val="accent6"/>
           </a:lnRef>
           <a:fillRef idx="2">
-            <a:schemeClr val="accent5"/>
+            <a:schemeClr val="accent6"/>
           </a:fillRef>
           <a:effectRef idx="1">
-            <a:schemeClr val="accent5"/>
+            <a:schemeClr val="accent6"/>
           </a:effectRef>
           <a:fontRef idx="minor">
             <a:schemeClr val="dk1"/>
@@ -11942,13 +16783,13 @@
         </p:spPr>
         <p:style>
           <a:lnRef idx="1">
-            <a:schemeClr val="accent5"/>
+            <a:schemeClr val="accent6"/>
           </a:lnRef>
           <a:fillRef idx="2">
-            <a:schemeClr val="accent5"/>
+            <a:schemeClr val="accent6"/>
           </a:fillRef>
           <a:effectRef idx="1">
-            <a:schemeClr val="accent5"/>
+            <a:schemeClr val="accent6"/>
           </a:effectRef>
           <a:fontRef idx="minor">
             <a:schemeClr val="dk1"/>

--- a/explainable _recsys.pptx
+++ b/explainable _recsys.pptx
@@ -5,7 +5,7 @@
     <p:sldMasterId id="2147483648" r:id="rId1"/>
   </p:sldMasterIdLst>
   <p:notesMasterIdLst>
-    <p:notesMasterId r:id="rId27"/>
+    <p:notesMasterId r:id="rId29"/>
   </p:notesMasterIdLst>
   <p:sldIdLst>
     <p:sldId id="256" r:id="rId2"/>
@@ -31,8 +31,10 @@
     <p:sldId id="280" r:id="rId22"/>
     <p:sldId id="279" r:id="rId23"/>
     <p:sldId id="261" r:id="rId24"/>
-    <p:sldId id="262" r:id="rId25"/>
-    <p:sldId id="263" r:id="rId26"/>
+    <p:sldId id="281" r:id="rId25"/>
+    <p:sldId id="282" r:id="rId26"/>
+    <p:sldId id="283" r:id="rId27"/>
+    <p:sldId id="262" r:id="rId28"/>
   </p:sldIdLst>
   <p:sldSz cx="12192000" cy="6858000"/>
   <p:notesSz cx="6858000" cy="9144000"/>
@@ -159,8 +161,10 @@
             <p14:sldId id="280"/>
             <p14:sldId id="279"/>
             <p14:sldId id="261"/>
+            <p14:sldId id="281"/>
+            <p14:sldId id="282"/>
+            <p14:sldId id="283"/>
             <p14:sldId id="262"/>
-            <p14:sldId id="263"/>
           </p14:sldIdLst>
         </p14:section>
       </p14:sectionLst>
@@ -254,7 +258,7 @@
           <a:p>
             <a:fld id="{497385F6-06E1-4310-A5FA-B1DD020A2696}" type="datetimeFigureOut">
               <a:rPr lang="zh-CN" altLang="en-US" smtClean="0"/>
-              <a:t>2023/11/20</a:t>
+              <a:t>2023/11/22</a:t>
             </a:fld>
             <a:endParaRPr lang="zh-CN" altLang="en-US"/>
           </a:p>
@@ -2925,6 +2929,723 @@
 </p:notes>
 </file>
 
+<file path=ppt/notesSlides/notesSlide22.xml><?xml version="1.0" encoding="utf-8"?>
+<p:notes xmlns:a="http://schemas.openxmlformats.org/drawingml/2006/main" xmlns:r="http://schemas.openxmlformats.org/officeDocument/2006/relationships" xmlns:p="http://schemas.openxmlformats.org/presentationml/2006/main">
+  <p:cSld>
+    <p:spTree>
+      <p:nvGrpSpPr>
+        <p:cNvPr id="1" name=""/>
+        <p:cNvGrpSpPr/>
+        <p:nvPr/>
+      </p:nvGrpSpPr>
+      <p:grpSpPr>
+        <a:xfrm>
+          <a:off x="0" y="0"/>
+          <a:ext cx="0" cy="0"/>
+          <a:chOff x="0" y="0"/>
+          <a:chExt cx="0" cy="0"/>
+        </a:xfrm>
+      </p:grpSpPr>
+      <p:sp>
+        <p:nvSpPr>
+          <p:cNvPr id="2" name="幻灯片图像占位符 1"/>
+          <p:cNvSpPr>
+            <a:spLocks noGrp="1" noRot="1" noChangeAspect="1"/>
+          </p:cNvSpPr>
+          <p:nvPr>
+            <p:ph type="sldImg"/>
+          </p:nvPr>
+        </p:nvSpPr>
+        <p:spPr/>
+      </p:sp>
+      <p:sp>
+        <p:nvSpPr>
+          <p:cNvPr id="3" name="备注占位符 2"/>
+          <p:cNvSpPr>
+            <a:spLocks noGrp="1"/>
+          </p:cNvSpPr>
+          <p:nvPr>
+            <p:ph type="body" idx="1"/>
+          </p:nvPr>
+        </p:nvSpPr>
+        <p:spPr/>
+        <p:txBody>
+          <a:bodyPr/>
+          <a:lstStyle/>
+          <a:p>
+            <a:endParaRPr lang="zh-CN" altLang="en-US" dirty="0"/>
+          </a:p>
+        </p:txBody>
+      </p:sp>
+      <p:sp>
+        <p:nvSpPr>
+          <p:cNvPr id="4" name="灯片编号占位符 3"/>
+          <p:cNvSpPr>
+            <a:spLocks noGrp="1"/>
+          </p:cNvSpPr>
+          <p:nvPr>
+            <p:ph type="sldNum" sz="quarter" idx="5"/>
+          </p:nvPr>
+        </p:nvSpPr>
+        <p:spPr/>
+        <p:txBody>
+          <a:bodyPr/>
+          <a:lstStyle/>
+          <a:p>
+            <a:fld id="{0D85C1A0-615C-4B69-8C21-01CD0E1B6527}" type="slidenum">
+              <a:rPr lang="zh-CN" altLang="en-US" smtClean="0"/>
+              <a:t>23</a:t>
+            </a:fld>
+            <a:endParaRPr lang="zh-CN" altLang="en-US"/>
+          </a:p>
+        </p:txBody>
+      </p:sp>
+    </p:spTree>
+    <p:extLst>
+      <p:ext uri="{BB962C8B-B14F-4D97-AF65-F5344CB8AC3E}">
+        <p14:creationId xmlns:p14="http://schemas.microsoft.com/office/powerpoint/2010/main" val="532890630"/>
+      </p:ext>
+    </p:extLst>
+  </p:cSld>
+  <p:clrMapOvr>
+    <a:masterClrMapping/>
+  </p:clrMapOvr>
+</p:notes>
+</file>
+
+<file path=ppt/notesSlides/notesSlide23.xml><?xml version="1.0" encoding="utf-8"?>
+<p:notes xmlns:a="http://schemas.openxmlformats.org/drawingml/2006/main" xmlns:r="http://schemas.openxmlformats.org/officeDocument/2006/relationships" xmlns:p="http://schemas.openxmlformats.org/presentationml/2006/main">
+  <p:cSld>
+    <p:spTree>
+      <p:nvGrpSpPr>
+        <p:cNvPr id="1" name=""/>
+        <p:cNvGrpSpPr/>
+        <p:nvPr/>
+      </p:nvGrpSpPr>
+      <p:grpSpPr>
+        <a:xfrm>
+          <a:off x="0" y="0"/>
+          <a:ext cx="0" cy="0"/>
+          <a:chOff x="0" y="0"/>
+          <a:chExt cx="0" cy="0"/>
+        </a:xfrm>
+      </p:grpSpPr>
+      <p:sp>
+        <p:nvSpPr>
+          <p:cNvPr id="2" name="幻灯片图像占位符 1"/>
+          <p:cNvSpPr>
+            <a:spLocks noGrp="1" noRot="1" noChangeAspect="1"/>
+          </p:cNvSpPr>
+          <p:nvPr>
+            <p:ph type="sldImg"/>
+          </p:nvPr>
+        </p:nvSpPr>
+        <p:spPr/>
+      </p:sp>
+      <p:sp>
+        <p:nvSpPr>
+          <p:cNvPr id="3" name="备注占位符 2"/>
+          <p:cNvSpPr>
+            <a:spLocks noGrp="1"/>
+          </p:cNvSpPr>
+          <p:nvPr>
+            <p:ph type="body" idx="1"/>
+          </p:nvPr>
+        </p:nvSpPr>
+        <p:spPr/>
+        <p:txBody>
+          <a:bodyPr/>
+          <a:lstStyle/>
+          <a:p>
+            <a:r>
+              <a:rPr lang="zh-CN" altLang="en-US" dirty="0"/>
+              <a:t>首先是在知识图谱上使用</a:t>
+            </a:r>
+            <a:r>
+              <a:rPr lang="en-US" altLang="zh-CN" dirty="0"/>
+              <a:t>random walk</a:t>
+            </a:r>
+            <a:r>
+              <a:rPr lang="zh-CN" altLang="en-US" dirty="0"/>
+              <a:t>，去采样路径。但是这些路径需要满足两个要求，一是从用户开始，以物品结束。二是这个用户和这个物品是直接交互过的。</a:t>
+            </a:r>
+            <a:endParaRPr lang="en-US" altLang="zh-CN" dirty="0"/>
+          </a:p>
+          <a:p>
+            <a:r>
+              <a:rPr lang="zh-CN" altLang="en-US" dirty="0"/>
+              <a:t>然后为了增强模型的鲁棒性，论文还对采样到的路径做了数据增强，随机将序列中的</a:t>
+            </a:r>
+            <a:r>
+              <a:rPr lang="en-US" altLang="zh-CN" dirty="0"/>
+              <a:t>style</a:t>
+            </a:r>
+            <a:r>
+              <a:rPr lang="zh-CN" altLang="en-US" dirty="0"/>
+              <a:t>类型和</a:t>
+            </a:r>
+            <a:r>
+              <a:rPr lang="en-US" altLang="zh-CN" dirty="0"/>
+              <a:t>feature</a:t>
+            </a:r>
+            <a:r>
+              <a:rPr lang="zh-CN" altLang="en-US" dirty="0"/>
+              <a:t>类型</a:t>
+            </a:r>
+            <a:r>
+              <a:rPr lang="en-US" altLang="zh-CN" dirty="0"/>
+              <a:t>(</a:t>
+            </a:r>
+            <a:r>
+              <a:rPr lang="zh-CN" altLang="en-US" dirty="0"/>
+              <a:t>因为他发现知识图谱中的大部分实体都是这两种实体类型</a:t>
+            </a:r>
+            <a:r>
+              <a:rPr lang="en-US" altLang="zh-CN" dirty="0"/>
+              <a:t>)</a:t>
+            </a:r>
+            <a:r>
+              <a:rPr lang="zh-CN" altLang="en-US" dirty="0"/>
+              <a:t>的</a:t>
+            </a:r>
+            <a:r>
+              <a:rPr lang="en-US" altLang="zh-CN" dirty="0"/>
+              <a:t>entity</a:t>
+            </a:r>
+            <a:r>
+              <a:rPr lang="zh-CN" altLang="en-US" dirty="0"/>
+              <a:t>随即替换为一个相似的实体。相似度则是用</a:t>
+            </a:r>
+            <a:r>
+              <a:rPr lang="en-US" altLang="zh-CN" dirty="0"/>
+              <a:t>sentence-</a:t>
+            </a:r>
+            <a:r>
+              <a:rPr lang="en-US" altLang="zh-CN" dirty="0" err="1"/>
+              <a:t>bert</a:t>
+            </a:r>
+            <a:r>
+              <a:rPr lang="zh-CN" altLang="en-US" dirty="0"/>
+              <a:t>去测量语义相似度，为上述的两种类型实体都找到他们的替换候选集。</a:t>
+            </a:r>
+          </a:p>
+        </p:txBody>
+      </p:sp>
+      <p:sp>
+        <p:nvSpPr>
+          <p:cNvPr id="4" name="灯片编号占位符 3"/>
+          <p:cNvSpPr>
+            <a:spLocks noGrp="1"/>
+          </p:cNvSpPr>
+          <p:nvPr>
+            <p:ph type="sldNum" sz="quarter" idx="5"/>
+          </p:nvPr>
+        </p:nvSpPr>
+        <p:spPr/>
+        <p:txBody>
+          <a:bodyPr/>
+          <a:lstStyle/>
+          <a:p>
+            <a:fld id="{0D85C1A0-615C-4B69-8C21-01CD0E1B6527}" type="slidenum">
+              <a:rPr lang="zh-CN" altLang="en-US" smtClean="0"/>
+              <a:t>24</a:t>
+            </a:fld>
+            <a:endParaRPr lang="zh-CN" altLang="en-US"/>
+          </a:p>
+        </p:txBody>
+      </p:sp>
+    </p:spTree>
+    <p:extLst>
+      <p:ext uri="{BB962C8B-B14F-4D97-AF65-F5344CB8AC3E}">
+        <p14:creationId xmlns:p14="http://schemas.microsoft.com/office/powerpoint/2010/main" val="3656791347"/>
+      </p:ext>
+    </p:extLst>
+  </p:cSld>
+  <p:clrMapOvr>
+    <a:masterClrMapping/>
+  </p:clrMapOvr>
+</p:notes>
+</file>
+
+<file path=ppt/notesSlides/notesSlide24.xml><?xml version="1.0" encoding="utf-8"?>
+<p:notes xmlns:a="http://schemas.openxmlformats.org/drawingml/2006/main" xmlns:r="http://schemas.openxmlformats.org/officeDocument/2006/relationships" xmlns:p="http://schemas.openxmlformats.org/presentationml/2006/main">
+  <p:cSld>
+    <p:spTree>
+      <p:nvGrpSpPr>
+        <p:cNvPr id="1" name=""/>
+        <p:cNvGrpSpPr/>
+        <p:nvPr/>
+      </p:nvGrpSpPr>
+      <p:grpSpPr>
+        <a:xfrm>
+          <a:off x="0" y="0"/>
+          <a:ext cx="0" cy="0"/>
+          <a:chOff x="0" y="0"/>
+          <a:chExt cx="0" cy="0"/>
+        </a:xfrm>
+      </p:grpSpPr>
+      <p:sp>
+        <p:nvSpPr>
+          <p:cNvPr id="2" name="幻灯片图像占位符 1"/>
+          <p:cNvSpPr>
+            <a:spLocks noGrp="1" noRot="1" noChangeAspect="1"/>
+          </p:cNvSpPr>
+          <p:nvPr>
+            <p:ph type="sldImg"/>
+          </p:nvPr>
+        </p:nvSpPr>
+        <p:spPr/>
+      </p:sp>
+      <p:sp>
+        <p:nvSpPr>
+          <p:cNvPr id="3" name="备注占位符 2"/>
+          <p:cNvSpPr>
+            <a:spLocks noGrp="1"/>
+          </p:cNvSpPr>
+          <p:nvPr>
+            <p:ph type="body" idx="1"/>
+          </p:nvPr>
+        </p:nvSpPr>
+        <p:spPr/>
+        <p:txBody>
+          <a:bodyPr/>
+          <a:lstStyle/>
+          <a:p>
+            <a:r>
+              <a:rPr lang="zh-CN" altLang="en-US" dirty="0"/>
+              <a:t>模型的输入序列有三部分组成：</a:t>
+            </a:r>
+            <a:endParaRPr lang="en-US" altLang="zh-CN" dirty="0"/>
+          </a:p>
+          <a:p>
+            <a:r>
+              <a:rPr lang="zh-CN" altLang="en-US" dirty="0"/>
+              <a:t>第一部分就是</a:t>
+            </a:r>
+            <a:r>
+              <a:rPr lang="en-US" altLang="zh-CN" dirty="0"/>
+              <a:t>entity token</a:t>
+            </a:r>
+            <a:r>
+              <a:rPr lang="zh-CN" altLang="en-US" dirty="0"/>
+              <a:t>和</a:t>
+            </a:r>
+            <a:r>
+              <a:rPr lang="en-US" altLang="zh-CN" dirty="0"/>
+              <a:t>relation token</a:t>
+            </a:r>
+            <a:r>
+              <a:rPr lang="zh-CN" altLang="en-US" dirty="0"/>
+              <a:t>的</a:t>
+            </a:r>
+            <a:r>
+              <a:rPr lang="en-US" altLang="zh-CN" dirty="0"/>
+              <a:t>embedding</a:t>
+            </a:r>
+            <a:r>
+              <a:rPr lang="zh-CN" altLang="en-US" dirty="0"/>
+              <a:t>，去</a:t>
+            </a:r>
+            <a:r>
+              <a:rPr lang="en-US" altLang="zh-CN" dirty="0"/>
+              <a:t>look up</a:t>
+            </a:r>
+            <a:r>
+              <a:rPr lang="zh-CN" altLang="en-US" dirty="0"/>
+              <a:t>就能将原来的</a:t>
+            </a:r>
+            <a:r>
+              <a:rPr lang="en-US" altLang="zh-CN" dirty="0"/>
+              <a:t>path sequence</a:t>
+            </a:r>
+            <a:r>
+              <a:rPr lang="zh-CN" altLang="en-US" dirty="0"/>
+              <a:t>转换成</a:t>
+            </a:r>
+            <a:r>
+              <a:rPr lang="en-US" altLang="zh-CN" dirty="0"/>
+              <a:t>embedding sequence</a:t>
+            </a:r>
+          </a:p>
+          <a:p>
+            <a:r>
+              <a:rPr lang="zh-CN" altLang="en-US" dirty="0"/>
+              <a:t>第二部分就是</a:t>
+            </a:r>
+            <a:r>
+              <a:rPr lang="en-US" altLang="zh-CN" dirty="0"/>
+              <a:t>position embedding</a:t>
+            </a:r>
+            <a:r>
+              <a:rPr lang="zh-CN" altLang="en-US" dirty="0"/>
+              <a:t>，这种做法在</a:t>
+            </a:r>
+            <a:r>
+              <a:rPr lang="en-US" altLang="zh-CN" dirty="0"/>
+              <a:t>Language Model</a:t>
+            </a:r>
+            <a:r>
+              <a:rPr lang="zh-CN" altLang="en-US" dirty="0"/>
+              <a:t>中是比较常见的，以</a:t>
+            </a:r>
+            <a:r>
+              <a:rPr lang="en-US" altLang="zh-CN" dirty="0" err="1"/>
+              <a:t>transfomer</a:t>
+            </a:r>
+            <a:r>
+              <a:rPr lang="zh-CN" altLang="en-US" dirty="0"/>
+              <a:t>为例，模型本身是没有位置信息的，需要我们手工加上去。</a:t>
+            </a:r>
+            <a:endParaRPr lang="en-US" altLang="zh-CN" dirty="0"/>
+          </a:p>
+          <a:p>
+            <a:r>
+              <a:rPr lang="zh-CN" altLang="en-US" dirty="0"/>
+              <a:t>第三部分就是</a:t>
+            </a:r>
+            <a:r>
+              <a:rPr lang="en-US" altLang="zh-CN" dirty="0"/>
+              <a:t>type embedding</a:t>
+            </a:r>
+            <a:r>
+              <a:rPr lang="zh-CN" altLang="en-US" dirty="0"/>
+              <a:t>，用于标识不同的</a:t>
+            </a:r>
+            <a:r>
+              <a:rPr lang="en-US" altLang="zh-CN" dirty="0"/>
+              <a:t>token</a:t>
+            </a:r>
+            <a:r>
+              <a:rPr lang="zh-CN" altLang="en-US" dirty="0"/>
+              <a:t>，比如区分</a:t>
+            </a:r>
+            <a:r>
+              <a:rPr lang="en-US" altLang="zh-CN" dirty="0"/>
+              <a:t>entity token</a:t>
+            </a:r>
+            <a:r>
+              <a:rPr lang="zh-CN" altLang="en-US" dirty="0"/>
+              <a:t>和</a:t>
+            </a:r>
+            <a:r>
+              <a:rPr lang="en-US" altLang="zh-CN" dirty="0"/>
+              <a:t>relation token</a:t>
+            </a:r>
+            <a:r>
+              <a:rPr lang="zh-CN" altLang="en-US" dirty="0"/>
+              <a:t>。这一步还是挺有必要的，因为我们希望输入</a:t>
+            </a:r>
+            <a:r>
+              <a:rPr lang="en-US" altLang="zh-CN" dirty="0"/>
+              <a:t>entity token</a:t>
+            </a:r>
+            <a:r>
+              <a:rPr lang="zh-CN" altLang="en-US" dirty="0"/>
+              <a:t>的时候模型下一步输出</a:t>
+            </a:r>
+            <a:r>
+              <a:rPr lang="en-US" altLang="zh-CN" dirty="0"/>
+              <a:t>relation token</a:t>
+            </a:r>
+            <a:r>
+              <a:rPr lang="zh-CN" altLang="en-US" dirty="0"/>
+              <a:t>，加上这样的一个身份标识效果可能会更好一点</a:t>
+            </a:r>
+            <a:endParaRPr lang="en-US" altLang="zh-CN" dirty="0"/>
+          </a:p>
+          <a:p>
+            <a:endParaRPr lang="en-US" altLang="zh-CN" dirty="0"/>
+          </a:p>
+          <a:p>
+            <a:r>
+              <a:rPr lang="zh-CN" altLang="en-US" dirty="0"/>
+              <a:t>然后训练模型的就和</a:t>
+            </a:r>
+            <a:r>
+              <a:rPr lang="en-US" altLang="zh-CN" dirty="0"/>
+              <a:t>NLP</a:t>
+            </a:r>
+            <a:r>
+              <a:rPr lang="zh-CN" altLang="en-US" dirty="0"/>
+              <a:t>的那一套流程一样，使用</a:t>
+            </a:r>
+            <a:r>
+              <a:rPr lang="en-US" altLang="zh-CN" dirty="0"/>
+              <a:t>causal masking strategy</a:t>
+            </a:r>
+            <a:r>
+              <a:rPr lang="zh-CN" altLang="en-US" dirty="0"/>
+              <a:t>和</a:t>
+            </a:r>
+            <a:r>
+              <a:rPr lang="en-US" altLang="zh-CN" dirty="0"/>
+              <a:t>teacher forcing</a:t>
+            </a:r>
+            <a:r>
+              <a:rPr lang="zh-CN" altLang="en-US" dirty="0"/>
+              <a:t>去训练模型，使得期望出现的</a:t>
+            </a:r>
+            <a:r>
+              <a:rPr lang="en-US" altLang="zh-CN" dirty="0"/>
+              <a:t>token</a:t>
+            </a:r>
+            <a:r>
+              <a:rPr lang="zh-CN" altLang="en-US" dirty="0"/>
+              <a:t>的概率最大。</a:t>
+            </a:r>
+          </a:p>
+        </p:txBody>
+      </p:sp>
+      <p:sp>
+        <p:nvSpPr>
+          <p:cNvPr id="4" name="灯片编号占位符 3"/>
+          <p:cNvSpPr>
+            <a:spLocks noGrp="1"/>
+          </p:cNvSpPr>
+          <p:nvPr>
+            <p:ph type="sldNum" sz="quarter" idx="5"/>
+          </p:nvPr>
+        </p:nvSpPr>
+        <p:spPr/>
+        <p:txBody>
+          <a:bodyPr/>
+          <a:lstStyle/>
+          <a:p>
+            <a:fld id="{0D85C1A0-615C-4B69-8C21-01CD0E1B6527}" type="slidenum">
+              <a:rPr lang="zh-CN" altLang="en-US" smtClean="0"/>
+              <a:t>25</a:t>
+            </a:fld>
+            <a:endParaRPr lang="zh-CN" altLang="en-US"/>
+          </a:p>
+        </p:txBody>
+      </p:sp>
+    </p:spTree>
+    <p:extLst>
+      <p:ext uri="{BB962C8B-B14F-4D97-AF65-F5344CB8AC3E}">
+        <p14:creationId xmlns:p14="http://schemas.microsoft.com/office/powerpoint/2010/main" val="2059537288"/>
+      </p:ext>
+    </p:extLst>
+  </p:cSld>
+  <p:clrMapOvr>
+    <a:masterClrMapping/>
+  </p:clrMapOvr>
+</p:notes>
+</file>
+
+<file path=ppt/notesSlides/notesSlide25.xml><?xml version="1.0" encoding="utf-8"?>
+<p:notes xmlns:a="http://schemas.openxmlformats.org/drawingml/2006/main" xmlns:r="http://schemas.openxmlformats.org/officeDocument/2006/relationships" xmlns:p="http://schemas.openxmlformats.org/presentationml/2006/main">
+  <p:cSld>
+    <p:spTree>
+      <p:nvGrpSpPr>
+        <p:cNvPr id="1" name=""/>
+        <p:cNvGrpSpPr/>
+        <p:nvPr/>
+      </p:nvGrpSpPr>
+      <p:grpSpPr>
+        <a:xfrm>
+          <a:off x="0" y="0"/>
+          <a:ext cx="0" cy="0"/>
+          <a:chOff x="0" y="0"/>
+          <a:chExt cx="0" cy="0"/>
+        </a:xfrm>
+      </p:grpSpPr>
+      <p:sp>
+        <p:nvSpPr>
+          <p:cNvPr id="2" name="幻灯片图像占位符 1"/>
+          <p:cNvSpPr>
+            <a:spLocks noGrp="1" noRot="1" noChangeAspect="1"/>
+          </p:cNvSpPr>
+          <p:nvPr>
+            <p:ph type="sldImg"/>
+          </p:nvPr>
+        </p:nvSpPr>
+        <p:spPr/>
+      </p:sp>
+      <p:sp>
+        <p:nvSpPr>
+          <p:cNvPr id="3" name="备注占位符 2"/>
+          <p:cNvSpPr>
+            <a:spLocks noGrp="1"/>
+          </p:cNvSpPr>
+          <p:nvPr>
+            <p:ph type="body" idx="1"/>
+          </p:nvPr>
+        </p:nvSpPr>
+        <p:spPr/>
+        <p:txBody>
+          <a:bodyPr/>
+          <a:lstStyle/>
+          <a:p>
+            <a:r>
+              <a:rPr lang="zh-CN" altLang="en-US" dirty="0"/>
+              <a:t>然后就是进行推荐阶段了，模型的输入一开始只有一个</a:t>
+            </a:r>
+            <a:r>
+              <a:rPr lang="en-US" altLang="zh-CN" dirty="0"/>
+              <a:t>user entity</a:t>
+            </a:r>
+            <a:r>
+              <a:rPr lang="zh-CN" altLang="en-US" dirty="0"/>
+              <a:t>。当输入了之后，期望模型能够输出一个</a:t>
+            </a:r>
+            <a:r>
+              <a:rPr lang="en-US" altLang="zh-CN" dirty="0"/>
+              <a:t>relation entity</a:t>
+            </a:r>
+            <a:r>
+              <a:rPr lang="zh-CN" altLang="en-US" dirty="0"/>
+              <a:t>。但模型输出的是一个</a:t>
+            </a:r>
+            <a:r>
+              <a:rPr lang="en-US" altLang="zh-CN" dirty="0"/>
+              <a:t>token probability</a:t>
+            </a:r>
+            <a:r>
+              <a:rPr lang="zh-CN" altLang="en-US" dirty="0"/>
+              <a:t>，就需要采取一个</a:t>
+            </a:r>
+            <a:r>
+              <a:rPr lang="en-US" altLang="zh-CN" dirty="0"/>
+              <a:t>decoding strategy</a:t>
+            </a:r>
+            <a:r>
+              <a:rPr lang="zh-CN" altLang="en-US" dirty="0"/>
+              <a:t>来产生</a:t>
+            </a:r>
+            <a:r>
+              <a:rPr lang="en-US" altLang="zh-CN" dirty="0"/>
+              <a:t>token</a:t>
+            </a:r>
+            <a:r>
+              <a:rPr lang="zh-CN" altLang="en-US" dirty="0"/>
+              <a:t>。这些做法在</a:t>
+            </a:r>
+            <a:r>
+              <a:rPr lang="en-US" altLang="zh-CN" dirty="0"/>
+              <a:t>NLP</a:t>
+            </a:r>
+            <a:r>
+              <a:rPr lang="zh-CN" altLang="en-US" dirty="0"/>
+              <a:t>领域都是很常规的方法，所以这篇文章大致的思路基本都和训练一个</a:t>
+            </a:r>
+            <a:r>
+              <a:rPr lang="en-US" altLang="zh-CN" dirty="0"/>
+              <a:t>NLP</a:t>
+            </a:r>
+            <a:r>
+              <a:rPr lang="zh-CN" altLang="en-US" dirty="0"/>
+              <a:t>模型差不多。</a:t>
+            </a:r>
+            <a:endParaRPr lang="en-US" altLang="zh-CN" dirty="0"/>
+          </a:p>
+          <a:p>
+            <a:endParaRPr lang="en-US" altLang="zh-CN" dirty="0"/>
+          </a:p>
+          <a:p>
+            <a:r>
+              <a:rPr lang="zh-CN" altLang="en-US" dirty="0"/>
+              <a:t>基本上就只有这四种</a:t>
+            </a:r>
+            <a:r>
+              <a:rPr lang="en-US" altLang="zh-CN" dirty="0"/>
+              <a:t>decoding</a:t>
+            </a:r>
+            <a:r>
+              <a:rPr lang="zh-CN" altLang="en-US" dirty="0"/>
+              <a:t>策略，但</a:t>
+            </a:r>
+            <a:r>
+              <a:rPr lang="en-US" altLang="zh-CN" dirty="0"/>
+              <a:t>greedy search</a:t>
+            </a:r>
+            <a:r>
+              <a:rPr lang="zh-CN" altLang="en-US" dirty="0"/>
+              <a:t>和</a:t>
+            </a:r>
+            <a:r>
+              <a:rPr lang="en-US" altLang="zh-CN" dirty="0"/>
+              <a:t>beam search</a:t>
+            </a:r>
+            <a:r>
+              <a:rPr lang="zh-CN" altLang="en-US" dirty="0"/>
+              <a:t>是不能用的，因为他们只会生成一种结果，即概率最多和联合概率最大的那种结果。应该采用</a:t>
+            </a:r>
+            <a:r>
+              <a:rPr lang="en-US" altLang="zh-CN" dirty="0" err="1"/>
+              <a:t>topk</a:t>
+            </a:r>
+            <a:r>
+              <a:rPr lang="zh-CN" altLang="en-US" dirty="0"/>
+              <a:t>和</a:t>
+            </a:r>
+            <a:r>
+              <a:rPr lang="en-US" altLang="zh-CN" dirty="0" err="1"/>
+              <a:t>topp</a:t>
+            </a:r>
+            <a:r>
+              <a:rPr lang="zh-CN" altLang="en-US" dirty="0"/>
+              <a:t>两种可以产生多种结果的方法。但是</a:t>
+            </a:r>
+            <a:r>
+              <a:rPr lang="en-US" altLang="zh-CN" dirty="0" err="1"/>
+              <a:t>topk</a:t>
+            </a:r>
+            <a:r>
+              <a:rPr lang="zh-CN" altLang="en-US" dirty="0"/>
+              <a:t>也是有缺点的，</a:t>
+            </a:r>
+            <a:r>
+              <a:rPr lang="en-US" altLang="zh-CN" dirty="0" err="1"/>
+              <a:t>topp</a:t>
+            </a:r>
+            <a:r>
+              <a:rPr lang="zh-CN" altLang="en-US" dirty="0"/>
+              <a:t>会更加灵活一点。所以论文中使用了</a:t>
+            </a:r>
+            <a:r>
+              <a:rPr lang="en-US" altLang="zh-CN" dirty="0" err="1"/>
+              <a:t>topp</a:t>
+            </a:r>
+            <a:endParaRPr lang="zh-CN" altLang="en-US" dirty="0"/>
+          </a:p>
+        </p:txBody>
+      </p:sp>
+      <p:sp>
+        <p:nvSpPr>
+          <p:cNvPr id="4" name="灯片编号占位符 3"/>
+          <p:cNvSpPr>
+            <a:spLocks noGrp="1"/>
+          </p:cNvSpPr>
+          <p:nvPr>
+            <p:ph type="sldNum" sz="quarter" idx="5"/>
+          </p:nvPr>
+        </p:nvSpPr>
+        <p:spPr/>
+        <p:txBody>
+          <a:bodyPr/>
+          <a:lstStyle/>
+          <a:p>
+            <a:fld id="{0D85C1A0-615C-4B69-8C21-01CD0E1B6527}" type="slidenum">
+              <a:rPr lang="zh-CN" altLang="en-US" smtClean="0"/>
+              <a:t>26</a:t>
+            </a:fld>
+            <a:endParaRPr lang="zh-CN" altLang="en-US"/>
+          </a:p>
+        </p:txBody>
+      </p:sp>
+    </p:spTree>
+    <p:extLst>
+      <p:ext uri="{BB962C8B-B14F-4D97-AF65-F5344CB8AC3E}">
+        <p14:creationId xmlns:p14="http://schemas.microsoft.com/office/powerpoint/2010/main" val="2957095644"/>
+      </p:ext>
+    </p:extLst>
+  </p:cSld>
+  <p:clrMapOvr>
+    <a:masterClrMapping/>
+  </p:clrMapOvr>
+</p:notes>
+</file>
+
 <file path=ppt/notesSlides/notesSlide3.xml><?xml version="1.0" encoding="utf-8"?>
 <p:notes xmlns:a="http://schemas.openxmlformats.org/drawingml/2006/main" xmlns:r="http://schemas.openxmlformats.org/officeDocument/2006/relationships" xmlns:p="http://schemas.openxmlformats.org/presentationml/2006/main">
   <p:cSld>
@@ -3923,7 +4644,7 @@
             </a:r>
             <a:r>
               <a:rPr lang="zh-CN" altLang="en-US" dirty="0"/>
-              <a:t>又要很强的这个专门的领域知识，才能定义好的路径模式。</a:t>
+              <a:t>又要很强的这个专门的领域知识，才能定义好的路径模式。然后论文是使用了接下来的两个步骤来解决这些问题。</a:t>
             </a:r>
           </a:p>
         </p:txBody>
@@ -4111,7 +4832,7 @@
           <a:p>
             <a:fld id="{31BFF8C4-0EFE-49DB-81C8-727BCC0A6201}" type="datetimeFigureOut">
               <a:rPr lang="zh-CN" altLang="en-US" smtClean="0"/>
-              <a:t>2023/11/20</a:t>
+              <a:t>2023/11/22</a:t>
             </a:fld>
             <a:endParaRPr lang="zh-CN" altLang="en-US"/>
           </a:p>
@@ -4309,7 +5030,7 @@
           <a:p>
             <a:fld id="{31BFF8C4-0EFE-49DB-81C8-727BCC0A6201}" type="datetimeFigureOut">
               <a:rPr lang="zh-CN" altLang="en-US" smtClean="0"/>
-              <a:t>2023/11/20</a:t>
+              <a:t>2023/11/22</a:t>
             </a:fld>
             <a:endParaRPr lang="zh-CN" altLang="en-US"/>
           </a:p>
@@ -4517,7 +5238,7 @@
           <a:p>
             <a:fld id="{31BFF8C4-0EFE-49DB-81C8-727BCC0A6201}" type="datetimeFigureOut">
               <a:rPr lang="zh-CN" altLang="en-US" smtClean="0"/>
-              <a:t>2023/11/20</a:t>
+              <a:t>2023/11/22</a:t>
             </a:fld>
             <a:endParaRPr lang="zh-CN" altLang="en-US"/>
           </a:p>
@@ -4715,7 +5436,7 @@
           <a:p>
             <a:fld id="{31BFF8C4-0EFE-49DB-81C8-727BCC0A6201}" type="datetimeFigureOut">
               <a:rPr lang="zh-CN" altLang="en-US" smtClean="0"/>
-              <a:t>2023/11/20</a:t>
+              <a:t>2023/11/22</a:t>
             </a:fld>
             <a:endParaRPr lang="zh-CN" altLang="en-US"/>
           </a:p>
@@ -4990,7 +5711,7 @@
           <a:p>
             <a:fld id="{31BFF8C4-0EFE-49DB-81C8-727BCC0A6201}" type="datetimeFigureOut">
               <a:rPr lang="zh-CN" altLang="en-US" smtClean="0"/>
-              <a:t>2023/11/20</a:t>
+              <a:t>2023/11/22</a:t>
             </a:fld>
             <a:endParaRPr lang="zh-CN" altLang="en-US"/>
           </a:p>
@@ -5255,7 +5976,7 @@
           <a:p>
             <a:fld id="{31BFF8C4-0EFE-49DB-81C8-727BCC0A6201}" type="datetimeFigureOut">
               <a:rPr lang="zh-CN" altLang="en-US" smtClean="0"/>
-              <a:t>2023/11/20</a:t>
+              <a:t>2023/11/22</a:t>
             </a:fld>
             <a:endParaRPr lang="zh-CN" altLang="en-US"/>
           </a:p>
@@ -5667,7 +6388,7 @@
           <a:p>
             <a:fld id="{31BFF8C4-0EFE-49DB-81C8-727BCC0A6201}" type="datetimeFigureOut">
               <a:rPr lang="zh-CN" altLang="en-US" smtClean="0"/>
-              <a:t>2023/11/20</a:t>
+              <a:t>2023/11/22</a:t>
             </a:fld>
             <a:endParaRPr lang="zh-CN" altLang="en-US"/>
           </a:p>
@@ -5808,7 +6529,7 @@
           <a:p>
             <a:fld id="{31BFF8C4-0EFE-49DB-81C8-727BCC0A6201}" type="datetimeFigureOut">
               <a:rPr lang="zh-CN" altLang="en-US" smtClean="0"/>
-              <a:t>2023/11/20</a:t>
+              <a:t>2023/11/22</a:t>
             </a:fld>
             <a:endParaRPr lang="zh-CN" altLang="en-US"/>
           </a:p>
@@ -5921,7 +6642,7 @@
           <a:p>
             <a:fld id="{31BFF8C4-0EFE-49DB-81C8-727BCC0A6201}" type="datetimeFigureOut">
               <a:rPr lang="zh-CN" altLang="en-US" smtClean="0"/>
-              <a:t>2023/11/20</a:t>
+              <a:t>2023/11/22</a:t>
             </a:fld>
             <a:endParaRPr lang="zh-CN" altLang="en-US"/>
           </a:p>
@@ -6232,7 +6953,7 @@
           <a:p>
             <a:fld id="{31BFF8C4-0EFE-49DB-81C8-727BCC0A6201}" type="datetimeFigureOut">
               <a:rPr lang="zh-CN" altLang="en-US" smtClean="0"/>
-              <a:t>2023/11/20</a:t>
+              <a:t>2023/11/22</a:t>
             </a:fld>
             <a:endParaRPr lang="zh-CN" altLang="en-US"/>
           </a:p>
@@ -6520,7 +7241,7 @@
           <a:p>
             <a:fld id="{31BFF8C4-0EFE-49DB-81C8-727BCC0A6201}" type="datetimeFigureOut">
               <a:rPr lang="zh-CN" altLang="en-US" smtClean="0"/>
-              <a:t>2023/11/20</a:t>
+              <a:t>2023/11/22</a:t>
             </a:fld>
             <a:endParaRPr lang="zh-CN" altLang="en-US"/>
           </a:p>
@@ -6761,7 +7482,7 @@
           <a:p>
             <a:fld id="{31BFF8C4-0EFE-49DB-81C8-727BCC0A6201}" type="datetimeFigureOut">
               <a:rPr lang="zh-CN" altLang="en-US" smtClean="0"/>
-              <a:t>2023/11/20</a:t>
+              <a:t>2023/11/22</a:t>
             </a:fld>
             <a:endParaRPr lang="zh-CN" altLang="en-US"/>
           </a:p>
@@ -10847,7 +11568,7 @@
         <p:spPr>
           <a:xfrm>
             <a:off x="4594171" y="1508293"/>
-            <a:ext cx="4932888" cy="646331"/>
+            <a:ext cx="4793670" cy="646331"/>
           </a:xfrm>
           <a:prstGeom prst="rect">
             <a:avLst/>
@@ -10860,6 +11581,10 @@
           </a:bodyPr>
           <a:lstStyle/>
           <a:p>
+            <a:r>
+              <a:rPr lang="en-US" altLang="zh-CN" b="1" dirty="0"/>
+              <a:t>1. </a:t>
+            </a:r>
             <a:r>
               <a:rPr lang="en-US" altLang="zh-CN" b="1" dirty="0" err="1"/>
               <a:t>init</a:t>
@@ -11286,8 +12011,8 @@
         </p:nvSpPr>
         <p:spPr>
           <a:xfrm>
-            <a:off x="3291805" y="949574"/>
-            <a:ext cx="6417666" cy="923330"/>
+            <a:off x="3291805" y="555659"/>
+            <a:ext cx="6417666" cy="1200329"/>
           </a:xfrm>
           <a:prstGeom prst="rect">
             <a:avLst/>
@@ -11299,6 +12024,12 @@
             <a:spAutoFit/>
           </a:bodyPr>
           <a:lstStyle/>
+          <a:p>
+            <a:r>
+              <a:rPr lang="en-US" altLang="zh-CN" b="1" dirty="0"/>
+              <a:t>2.</a:t>
+            </a:r>
+          </a:p>
           <a:p>
             <a:r>
               <a:rPr lang="en-US" altLang="zh-CN" b="1" dirty="0">
@@ -13359,8 +14090,8 @@
         </p:nvSpPr>
         <p:spPr>
           <a:xfrm>
-            <a:off x="5115459" y="1229201"/>
-            <a:ext cx="4932888" cy="369332"/>
+            <a:off x="5115458" y="1229201"/>
+            <a:ext cx="5430621" cy="369332"/>
           </a:xfrm>
           <a:prstGeom prst="rect">
             <a:avLst/>
@@ -13375,7 +14106,7 @@
           <a:p>
             <a:r>
               <a:rPr lang="en-US" altLang="zh-CN" b="1" dirty="0"/>
-              <a:t>path-level attention(like last step in </a:t>
+              <a:t>3.path-level attention(like last step in </a:t>
             </a:r>
             <a:r>
               <a:rPr lang="en-US" altLang="zh-CN" b="1" dirty="0">
@@ -13571,8 +14302,33 @@
             </a:pPr>
             <a:r>
               <a:rPr lang="en-US" altLang="zh-CN" b="1" dirty="0"/>
-              <a:t>pre-defined: KPRN   TMER    KR-GCN  </a:t>
-            </a:r>
+              <a:t>pre-defined: KPRN   </a:t>
+            </a:r>
+            <a:r>
+              <a:rPr lang="en-US" altLang="zh-CN" b="1">
+                <a:solidFill>
+                  <a:srgbClr val="FF0000"/>
+                </a:solidFill>
+              </a:rPr>
+              <a:t>TMER</a:t>
+            </a:r>
+            <a:r>
+              <a:rPr lang="en-US" altLang="zh-CN" b="1"/>
+              <a:t>    </a:t>
+            </a:r>
+            <a:r>
+              <a:rPr lang="en-US" altLang="zh-CN" b="1">
+                <a:solidFill>
+                  <a:srgbClr val="FF0000"/>
+                </a:solidFill>
+              </a:rPr>
+              <a:t>KR-GCN </a:t>
+            </a:r>
+            <a:r>
+              <a:rPr lang="en-US" altLang="zh-CN" b="1"/>
+              <a:t>  </a:t>
+            </a:r>
+            <a:endParaRPr lang="en-US" altLang="zh-CN" b="1" dirty="0"/>
           </a:p>
           <a:p>
             <a:pPr marL="971550" lvl="1" indent="-514350">
@@ -13887,7 +14643,7 @@
           <a:p>
             <a:r>
               <a:rPr lang="en-US" altLang="zh-CN" b="1" dirty="0"/>
-              <a:t>two-layer attention to update item embedding</a:t>
+              <a:t>4.two-layer attention to update item embedding</a:t>
             </a:r>
             <a:r>
               <a:rPr lang="zh-CN" altLang="en-US" b="1" dirty="0">
@@ -14565,7 +15321,12 @@
             <p:ph type="title"/>
           </p:nvPr>
         </p:nvSpPr>
-        <p:spPr/>
+        <p:spPr>
+          <a:xfrm>
+            <a:off x="838200" y="255397"/>
+            <a:ext cx="10515600" cy="1325563"/>
+          </a:xfrm>
+        </p:spPr>
         <p:txBody>
           <a:bodyPr/>
           <a:lstStyle/>
@@ -14598,8 +15359,8 @@
         </p:nvSpPr>
         <p:spPr>
           <a:xfrm>
-            <a:off x="2377440" y="2036064"/>
-            <a:ext cx="1213794" cy="369332"/>
+            <a:off x="838200" y="1422464"/>
+            <a:ext cx="11707368" cy="3539430"/>
           </a:xfrm>
           <a:prstGeom prst="rect">
             <a:avLst/>
@@ -14607,16 +15368,208 @@
           <a:noFill/>
         </p:spPr>
         <p:txBody>
-          <a:bodyPr wrap="none" rtlCol="0">
+          <a:bodyPr wrap="square" rtlCol="0">
             <a:spAutoFit/>
           </a:bodyPr>
           <a:lstStyle/>
           <a:p>
             <a:r>
-              <a:rPr lang="en-US" altLang="zh-CN" dirty="0" err="1"/>
-              <a:t>Promblem</a:t>
-            </a:r>
-            <a:endParaRPr lang="zh-CN" altLang="en-US" dirty="0"/>
+              <a:rPr lang="en-US" altLang="zh-CN" sz="2800" dirty="0"/>
+              <a:t>problem: </a:t>
+            </a:r>
+            <a:r>
+              <a:rPr lang="en-US" altLang="zh-CN" sz="2800" dirty="0">
+                <a:solidFill>
+                  <a:srgbClr val="FF0000"/>
+                </a:solidFill>
+              </a:rPr>
+              <a:t>recall bias</a:t>
+            </a:r>
+            <a:r>
+              <a:rPr lang="en-US" altLang="zh-CN" sz="2800" dirty="0"/>
+              <a:t>, a proportion of items may be entirely unreachable along any short multi-hop KG paths</a:t>
+            </a:r>
+          </a:p>
+          <a:p>
+            <a:endParaRPr lang="en-US" altLang="zh-CN" sz="2800" dirty="0"/>
+          </a:p>
+          <a:p>
+            <a:r>
+              <a:rPr lang="en-US" altLang="zh-CN" sz="2800" dirty="0"/>
+              <a:t>target:</a:t>
+            </a:r>
+          </a:p>
+          <a:p>
+            <a:pPr marL="514350" indent="-514350">
+              <a:buFont typeface="+mj-lt"/>
+              <a:buAutoNum type="alphaLcParenR"/>
+            </a:pPr>
+            <a:r>
+              <a:rPr lang="en-US" altLang="zh-CN" sz="2800" dirty="0"/>
+              <a:t>produce explanatory path in a efficient way</a:t>
+            </a:r>
+          </a:p>
+          <a:p>
+            <a:pPr marL="514350" indent="-514350">
+              <a:buFont typeface="+mj-lt"/>
+              <a:buAutoNum type="alphaLcParenR"/>
+            </a:pPr>
+            <a:endParaRPr lang="en-US" altLang="zh-CN" sz="2800" dirty="0"/>
+          </a:p>
+          <a:p>
+            <a:pPr marL="514350" indent="-514350">
+              <a:buFont typeface="+mj-lt"/>
+              <a:buAutoNum type="alphaLcParenR"/>
+            </a:pPr>
+            <a:r>
+              <a:rPr lang="en-US" altLang="zh-CN" sz="2800" dirty="0"/>
+              <a:t>model has ability to infer new paths beyond the limit of the static pre-constructed KG topology </a:t>
+            </a:r>
+            <a:endParaRPr lang="zh-CN" altLang="en-US" sz="2800" dirty="0"/>
+          </a:p>
+        </p:txBody>
+      </p:sp>
+      <p:sp>
+        <p:nvSpPr>
+          <p:cNvPr id="3" name="矩形 2">
+            <a:extLst>
+              <a:ext uri="{FF2B5EF4-FFF2-40B4-BE49-F238E27FC236}">
+                <a16:creationId xmlns:a16="http://schemas.microsoft.com/office/drawing/2014/main" id="{6012C672-21DD-E469-6E76-231B08D4AD0B}"/>
+              </a:ext>
+            </a:extLst>
+          </p:cNvPr>
+          <p:cNvSpPr/>
+          <p:nvPr/>
+        </p:nvSpPr>
+        <p:spPr>
+          <a:xfrm>
+            <a:off x="838200" y="3955312"/>
+            <a:ext cx="11272284" cy="988828"/>
+          </a:xfrm>
+          <a:prstGeom prst="rect">
+            <a:avLst/>
+          </a:prstGeom>
+          <a:noFill/>
+          <a:ln w="19050">
+            <a:solidFill>
+              <a:srgbClr val="FF0000"/>
+            </a:solidFill>
+          </a:ln>
+        </p:spPr>
+        <p:style>
+          <a:lnRef idx="2">
+            <a:schemeClr val="accent1">
+              <a:shade val="15000"/>
+            </a:schemeClr>
+          </a:lnRef>
+          <a:fillRef idx="1">
+            <a:schemeClr val="accent1"/>
+          </a:fillRef>
+          <a:effectRef idx="0">
+            <a:schemeClr val="accent1"/>
+          </a:effectRef>
+          <a:fontRef idx="minor">
+            <a:schemeClr val="lt1"/>
+          </a:fontRef>
+        </p:style>
+        <p:txBody>
+          <a:bodyPr rtlCol="0" anchor="ctr"/>
+          <a:lstStyle/>
+          <a:p>
+            <a:pPr algn="ctr"/>
+            <a:endParaRPr lang="zh-CN" altLang="en-US"/>
+          </a:p>
+        </p:txBody>
+      </p:sp>
+      <p:sp>
+        <p:nvSpPr>
+          <p:cNvPr id="5" name="箭头: 下 4">
+            <a:extLst>
+              <a:ext uri="{FF2B5EF4-FFF2-40B4-BE49-F238E27FC236}">
+                <a16:creationId xmlns:a16="http://schemas.microsoft.com/office/drawing/2014/main" id="{A7044418-12E2-3FB0-9B79-6347E4C9F771}"/>
+              </a:ext>
+            </a:extLst>
+          </p:cNvPr>
+          <p:cNvSpPr/>
+          <p:nvPr/>
+        </p:nvSpPr>
+        <p:spPr>
+          <a:xfrm>
+            <a:off x="5670697" y="5127192"/>
+            <a:ext cx="425303" cy="616688"/>
+          </a:xfrm>
+          <a:prstGeom prst="downArrow">
+            <a:avLst/>
+          </a:prstGeom>
+        </p:spPr>
+        <p:style>
+          <a:lnRef idx="1">
+            <a:schemeClr val="accent6"/>
+          </a:lnRef>
+          <a:fillRef idx="2">
+            <a:schemeClr val="accent6"/>
+          </a:fillRef>
+          <a:effectRef idx="1">
+            <a:schemeClr val="accent6"/>
+          </a:effectRef>
+          <a:fontRef idx="minor">
+            <a:schemeClr val="dk1"/>
+          </a:fontRef>
+        </p:style>
+        <p:txBody>
+          <a:bodyPr rtlCol="0" anchor="ctr"/>
+          <a:lstStyle/>
+          <a:p>
+            <a:pPr algn="ctr"/>
+            <a:endParaRPr lang="zh-CN" altLang="en-US"/>
+          </a:p>
+        </p:txBody>
+      </p:sp>
+      <p:sp>
+        <p:nvSpPr>
+          <p:cNvPr id="6" name="矩形: 圆角 5">
+            <a:extLst>
+              <a:ext uri="{FF2B5EF4-FFF2-40B4-BE49-F238E27FC236}">
+                <a16:creationId xmlns:a16="http://schemas.microsoft.com/office/drawing/2014/main" id="{BB0F1854-1C55-EBF3-27AE-904E07C4C66E}"/>
+              </a:ext>
+            </a:extLst>
+          </p:cNvPr>
+          <p:cNvSpPr/>
+          <p:nvPr/>
+        </p:nvSpPr>
+        <p:spPr>
+          <a:xfrm>
+            <a:off x="4912241" y="5909178"/>
+            <a:ext cx="2126511" cy="744279"/>
+          </a:xfrm>
+          <a:prstGeom prst="roundRect">
+            <a:avLst/>
+          </a:prstGeom>
+        </p:spPr>
+        <p:style>
+          <a:lnRef idx="1">
+            <a:schemeClr val="accent5"/>
+          </a:lnRef>
+          <a:fillRef idx="2">
+            <a:schemeClr val="accent5"/>
+          </a:fillRef>
+          <a:effectRef idx="1">
+            <a:schemeClr val="accent5"/>
+          </a:effectRef>
+          <a:fontRef idx="minor">
+            <a:schemeClr val="dk1"/>
+          </a:fontRef>
+        </p:style>
+        <p:txBody>
+          <a:bodyPr rtlCol="0" anchor="ctr"/>
+          <a:lstStyle/>
+          <a:p>
+            <a:pPr algn="ctr"/>
+            <a:r>
+              <a:rPr lang="en-US" altLang="zh-CN" b="1" dirty="0"/>
+              <a:t>Language Model</a:t>
+            </a:r>
+            <a:endParaRPr lang="zh-CN" altLang="en-US" b="1" dirty="0"/>
           </a:p>
         </p:txBody>
       </p:sp>
@@ -14652,68 +15605,465 @@
       </p:grpSpPr>
       <p:sp>
         <p:nvSpPr>
-          <p:cNvPr id="2" name="标题 1">
-            <a:extLst>
-              <a:ext uri="{FF2B5EF4-FFF2-40B4-BE49-F238E27FC236}">
-                <a16:creationId xmlns:a16="http://schemas.microsoft.com/office/drawing/2014/main" id="{BAAA65B1-B733-7AF4-F26B-D984687C5897}"/>
-              </a:ext>
-            </a:extLst>
-          </p:cNvPr>
-          <p:cNvSpPr>
-            <a:spLocks noGrp="1"/>
-          </p:cNvSpPr>
+          <p:cNvPr id="6" name="文本框 5">
+            <a:extLst>
+              <a:ext uri="{FF2B5EF4-FFF2-40B4-BE49-F238E27FC236}">
+                <a16:creationId xmlns:a16="http://schemas.microsoft.com/office/drawing/2014/main" id="{80EA17C3-EF2E-B6E4-B321-5726D0B209DE}"/>
+              </a:ext>
+            </a:extLst>
+          </p:cNvPr>
+          <p:cNvSpPr txBox="1"/>
+          <p:nvPr/>
+        </p:nvSpPr>
+        <p:spPr>
+          <a:xfrm>
+            <a:off x="392724" y="355354"/>
+            <a:ext cx="11799276" cy="4524315"/>
+          </a:xfrm>
+          <a:prstGeom prst="rect">
+            <a:avLst/>
+          </a:prstGeom>
+          <a:noFill/>
+        </p:spPr>
+        <p:txBody>
+          <a:bodyPr wrap="square" rtlCol="0">
+            <a:spAutoFit/>
+          </a:bodyPr>
+          <a:lstStyle/>
+          <a:p>
+            <a:r>
+              <a:rPr lang="en-US" altLang="zh-CN" sz="3200" b="1" dirty="0"/>
+              <a:t>Sample Path</a:t>
+            </a:r>
+          </a:p>
+          <a:p>
+            <a:endParaRPr lang="en-US" altLang="zh-CN" sz="3200" b="1" dirty="0"/>
+          </a:p>
+          <a:p>
+            <a:pPr marL="514350" indent="-514350">
+              <a:buAutoNum type="alphaLcParenR"/>
+            </a:pPr>
+            <a:r>
+              <a:rPr lang="en-US" altLang="zh-CN" sz="2800" dirty="0"/>
+              <a:t>random walk:</a:t>
+            </a:r>
+          </a:p>
+          <a:p>
+            <a:endParaRPr lang="en-US" altLang="zh-CN" sz="2800" dirty="0"/>
+          </a:p>
+          <a:p>
+            <a:pPr marL="914400" lvl="1" indent="-457200">
+              <a:buFont typeface="Arial" panose="020B0604020202020204" pitchFamily="34" charset="0"/>
+              <a:buChar char="•"/>
+            </a:pPr>
+            <a:r>
+              <a:rPr lang="en-US" altLang="zh-CN" sz="2800" dirty="0"/>
+              <a:t>starting from a user entity u and ending at an item entity v</a:t>
+            </a:r>
+          </a:p>
+          <a:p>
+            <a:pPr marL="914400" lvl="1" indent="-457200">
+              <a:buFont typeface="Arial" panose="020B0604020202020204" pitchFamily="34" charset="0"/>
+              <a:buChar char="•"/>
+            </a:pPr>
+            <a:endParaRPr lang="en-US" altLang="zh-CN" sz="2800" dirty="0"/>
+          </a:p>
+          <a:p>
+            <a:pPr marL="914400" lvl="1" indent="-457200">
+              <a:buFont typeface="Arial" panose="020B0604020202020204" pitchFamily="34" charset="0"/>
+              <a:buChar char="•"/>
+            </a:pPr>
+            <a:r>
+              <a:rPr lang="en-US" altLang="zh-CN" sz="2800" dirty="0"/>
+              <a:t>u and v are connected in user-item interaction graph</a:t>
+            </a:r>
+          </a:p>
+          <a:p>
+            <a:pPr lvl="1"/>
+            <a:endParaRPr lang="en-US" altLang="zh-CN" sz="2800" dirty="0"/>
+          </a:p>
+          <a:p>
+            <a:r>
+              <a:rPr lang="en-US" altLang="zh-CN" sz="2800" dirty="0"/>
+              <a:t>b)  data augmentation:  randomly substitute a style entity or  feature entity 				with a similar entity</a:t>
+            </a:r>
+            <a:endParaRPr lang="zh-CN" altLang="en-US" sz="2800" dirty="0"/>
+          </a:p>
+        </p:txBody>
+      </p:sp>
+      <p:graphicFrame>
+        <p:nvGraphicFramePr>
+          <p:cNvPr id="7" name="对象 6">
+            <a:extLst>
+              <a:ext uri="{FF2B5EF4-FFF2-40B4-BE49-F238E27FC236}">
+                <a16:creationId xmlns:a16="http://schemas.microsoft.com/office/drawing/2014/main" id="{E34AAF47-EB56-30AE-E24F-987A86BB2256}"/>
+              </a:ext>
+            </a:extLst>
+          </p:cNvPr>
+          <p:cNvGraphicFramePr>
+            <a:graphicFrameLocks noChangeAspect="1"/>
+          </p:cNvGraphicFramePr>
           <p:nvPr>
-            <p:ph type="title"/>
+            <p:extLst>
+              <p:ext uri="{D42A27DB-BD31-4B8C-83A1-F6EECF244321}">
+                <p14:modId xmlns:p14="http://schemas.microsoft.com/office/powerpoint/2010/main" val="2983866462"/>
+              </p:ext>
+            </p:extLst>
           </p:nvPr>
-        </p:nvSpPr>
-        <p:spPr/>
-        <p:txBody>
-          <a:bodyPr/>
-          <a:lstStyle/>
-          <a:p>
-            <a:r>
-              <a:rPr lang="en-US" altLang="zh-CN" b="1" dirty="0">
-                <a:latin typeface="+mn-ea"/>
-                <a:ea typeface="+mn-ea"/>
-              </a:rPr>
-              <a:t>Idea</a:t>
-            </a:r>
-            <a:endParaRPr lang="zh-CN" altLang="en-US" b="1" dirty="0">
-              <a:latin typeface="+mn-ea"/>
-              <a:ea typeface="+mn-ea"/>
-            </a:endParaRPr>
-          </a:p>
-        </p:txBody>
-      </p:sp>
-      <p:sp>
-        <p:nvSpPr>
-          <p:cNvPr id="3" name="内容占位符 2">
-            <a:extLst>
-              <a:ext uri="{FF2B5EF4-FFF2-40B4-BE49-F238E27FC236}">
-                <a16:creationId xmlns:a16="http://schemas.microsoft.com/office/drawing/2014/main" id="{0E03CF47-8AEA-26E1-B6C8-FEB94A915251}"/>
-              </a:ext>
-            </a:extLst>
-          </p:cNvPr>
-          <p:cNvSpPr>
-            <a:spLocks noGrp="1"/>
-          </p:cNvSpPr>
-          <p:nvPr>
-            <p:ph idx="1"/>
-          </p:nvPr>
-        </p:nvSpPr>
-        <p:spPr/>
-        <p:txBody>
-          <a:bodyPr/>
-          <a:lstStyle/>
-          <a:p>
-            <a:endParaRPr lang="zh-CN" altLang="en-US" dirty="0"/>
-          </a:p>
-        </p:txBody>
-      </p:sp>
+        </p:nvGraphicFramePr>
+        <p:xfrm>
+          <a:off x="3226713" y="1308211"/>
+          <a:ext cx="4316422" cy="599503"/>
+        </p:xfrm>
+        <a:graphic>
+          <a:graphicData uri="http://schemas.openxmlformats.org/presentationml/2006/ole">
+            <mc:AlternateContent xmlns:mc="http://schemas.openxmlformats.org/markup-compatibility/2006">
+              <mc:Choice xmlns:v="urn:schemas-microsoft-com:vml" Requires="v">
+                <p:oleObj name="Equation" r:id="rId3" imgW="1828800" imgH="253800" progId="Equation.DSMT4">
+                  <p:embed/>
+                </p:oleObj>
+              </mc:Choice>
+              <mc:Fallback>
+                <p:oleObj name="Equation" r:id="rId3" imgW="1828800" imgH="253800" progId="Equation.DSMT4">
+                  <p:embed/>
+                  <p:pic>
+                    <p:nvPicPr>
+                      <p:cNvPr id="0" name=""/>
+                      <p:cNvPicPr/>
+                      <p:nvPr/>
+                    </p:nvPicPr>
+                    <p:blipFill>
+                      <a:blip r:embed="rId4"/>
+                      <a:stretch>
+                        <a:fillRect/>
+                      </a:stretch>
+                    </p:blipFill>
+                    <p:spPr>
+                      <a:xfrm>
+                        <a:off x="3226713" y="1308211"/>
+                        <a:ext cx="4316422" cy="599503"/>
+                      </a:xfrm>
+                      <a:prstGeom prst="rect">
+                        <a:avLst/>
+                      </a:prstGeom>
+                    </p:spPr>
+                  </p:pic>
+                </p:oleObj>
+              </mc:Fallback>
+            </mc:AlternateContent>
+          </a:graphicData>
+        </a:graphic>
+      </p:graphicFrame>
+      <p:pic>
+        <p:nvPicPr>
+          <p:cNvPr id="8" name="图片 7">
+            <a:extLst>
+              <a:ext uri="{FF2B5EF4-FFF2-40B4-BE49-F238E27FC236}">
+                <a16:creationId xmlns:a16="http://schemas.microsoft.com/office/drawing/2014/main" id="{0238ACE3-66B5-5AA6-8CFB-A450A20E7CAC}"/>
+              </a:ext>
+            </a:extLst>
+          </p:cNvPr>
+          <p:cNvPicPr>
+            <a:picLocks noChangeAspect="1"/>
+          </p:cNvPicPr>
+          <p:nvPr/>
+        </p:nvPicPr>
+        <p:blipFill>
+          <a:blip r:embed="rId5"/>
+          <a:stretch>
+            <a:fillRect/>
+          </a:stretch>
+        </p:blipFill>
+        <p:spPr>
+          <a:xfrm>
+            <a:off x="7773690" y="235486"/>
+            <a:ext cx="3740364" cy="1862711"/>
+          </a:xfrm>
+          <a:prstGeom prst="rect">
+            <a:avLst/>
+          </a:prstGeom>
+        </p:spPr>
+      </p:pic>
+      <p:sp>
+        <p:nvSpPr>
+          <p:cNvPr id="9" name="矩形: 圆角 8">
+            <a:extLst>
+              <a:ext uri="{FF2B5EF4-FFF2-40B4-BE49-F238E27FC236}">
+                <a16:creationId xmlns:a16="http://schemas.microsoft.com/office/drawing/2014/main" id="{20369ED0-FA06-4F0B-DE7C-0A2EC6940CCC}"/>
+              </a:ext>
+            </a:extLst>
+          </p:cNvPr>
+          <p:cNvSpPr/>
+          <p:nvPr/>
+        </p:nvSpPr>
+        <p:spPr>
+          <a:xfrm>
+            <a:off x="465139" y="6143593"/>
+            <a:ext cx="1901952" cy="592119"/>
+          </a:xfrm>
+          <a:prstGeom prst="roundRect">
+            <a:avLst/>
+          </a:prstGeom>
+        </p:spPr>
+        <p:style>
+          <a:lnRef idx="1">
+            <a:schemeClr val="accent5"/>
+          </a:lnRef>
+          <a:fillRef idx="2">
+            <a:schemeClr val="accent5"/>
+          </a:fillRef>
+          <a:effectRef idx="1">
+            <a:schemeClr val="accent5"/>
+          </a:effectRef>
+          <a:fontRef idx="minor">
+            <a:schemeClr val="dk1"/>
+          </a:fontRef>
+        </p:style>
+        <p:txBody>
+          <a:bodyPr rtlCol="0" anchor="ctr"/>
+          <a:lstStyle/>
+          <a:p>
+            <a:pPr algn="ctr"/>
+            <a:r>
+              <a:rPr lang="en-US" altLang="zh-CN" b="1" dirty="0"/>
+              <a:t>training data</a:t>
+            </a:r>
+            <a:endParaRPr lang="zh-CN" altLang="en-US" b="1" dirty="0"/>
+          </a:p>
+        </p:txBody>
+      </p:sp>
+      <p:sp>
+        <p:nvSpPr>
+          <p:cNvPr id="10" name="文本框 9">
+            <a:extLst>
+              <a:ext uri="{FF2B5EF4-FFF2-40B4-BE49-F238E27FC236}">
+                <a16:creationId xmlns:a16="http://schemas.microsoft.com/office/drawing/2014/main" id="{4B59C9BD-47A0-64D5-F691-16DC4A33B928}"/>
+              </a:ext>
+            </a:extLst>
+          </p:cNvPr>
+          <p:cNvSpPr txBox="1"/>
+          <p:nvPr/>
+        </p:nvSpPr>
+        <p:spPr>
+          <a:xfrm>
+            <a:off x="2696275" y="6254986"/>
+            <a:ext cx="344966" cy="369332"/>
+          </a:xfrm>
+          <a:prstGeom prst="rect">
+            <a:avLst/>
+          </a:prstGeom>
+          <a:noFill/>
+        </p:spPr>
+        <p:txBody>
+          <a:bodyPr wrap="none" rtlCol="0">
+            <a:spAutoFit/>
+          </a:bodyPr>
+          <a:lstStyle/>
+          <a:p>
+            <a:r>
+              <a:rPr lang="en-US" altLang="zh-CN" b="1" dirty="0"/>
+              <a:t>=</a:t>
+            </a:r>
+            <a:endParaRPr lang="zh-CN" altLang="en-US" b="1" dirty="0"/>
+          </a:p>
+        </p:txBody>
+      </p:sp>
+      <p:sp>
+        <p:nvSpPr>
+          <p:cNvPr id="11" name="矩形: 圆角 10">
+            <a:extLst>
+              <a:ext uri="{FF2B5EF4-FFF2-40B4-BE49-F238E27FC236}">
+                <a16:creationId xmlns:a16="http://schemas.microsoft.com/office/drawing/2014/main" id="{E50012AA-63B6-B03D-C9EA-D7182B680FF6}"/>
+              </a:ext>
+            </a:extLst>
+          </p:cNvPr>
+          <p:cNvSpPr/>
+          <p:nvPr/>
+        </p:nvSpPr>
+        <p:spPr>
+          <a:xfrm>
+            <a:off x="3263203" y="6146441"/>
+            <a:ext cx="1901952" cy="592119"/>
+          </a:xfrm>
+          <a:prstGeom prst="roundRect">
+            <a:avLst/>
+          </a:prstGeom>
+        </p:spPr>
+        <p:style>
+          <a:lnRef idx="1">
+            <a:schemeClr val="accent5"/>
+          </a:lnRef>
+          <a:fillRef idx="2">
+            <a:schemeClr val="accent5"/>
+          </a:fillRef>
+          <a:effectRef idx="1">
+            <a:schemeClr val="accent5"/>
+          </a:effectRef>
+          <a:fontRef idx="minor">
+            <a:schemeClr val="dk1"/>
+          </a:fontRef>
+        </p:style>
+        <p:txBody>
+          <a:bodyPr rtlCol="0" anchor="ctr"/>
+          <a:lstStyle/>
+          <a:p>
+            <a:pPr algn="ctr"/>
+            <a:r>
+              <a:rPr lang="en-US" altLang="zh-CN" b="1" dirty="0"/>
+              <a:t>original sequence</a:t>
+            </a:r>
+            <a:endParaRPr lang="zh-CN" altLang="en-US" b="1" dirty="0"/>
+          </a:p>
+        </p:txBody>
+      </p:sp>
+      <p:sp>
+        <p:nvSpPr>
+          <p:cNvPr id="12" name="矩形: 圆角 11">
+            <a:extLst>
+              <a:ext uri="{FF2B5EF4-FFF2-40B4-BE49-F238E27FC236}">
+                <a16:creationId xmlns:a16="http://schemas.microsoft.com/office/drawing/2014/main" id="{5AAF26EF-3A27-003E-D3B0-E168BE9FB71F}"/>
+              </a:ext>
+            </a:extLst>
+          </p:cNvPr>
+          <p:cNvSpPr/>
+          <p:nvPr/>
+        </p:nvSpPr>
+        <p:spPr>
+          <a:xfrm>
+            <a:off x="6102686" y="6146441"/>
+            <a:ext cx="1901952" cy="592119"/>
+          </a:xfrm>
+          <a:prstGeom prst="roundRect">
+            <a:avLst/>
+          </a:prstGeom>
+        </p:spPr>
+        <p:style>
+          <a:lnRef idx="1">
+            <a:schemeClr val="accent5"/>
+          </a:lnRef>
+          <a:fillRef idx="2">
+            <a:schemeClr val="accent5"/>
+          </a:fillRef>
+          <a:effectRef idx="1">
+            <a:schemeClr val="accent5"/>
+          </a:effectRef>
+          <a:fontRef idx="minor">
+            <a:schemeClr val="dk1"/>
+          </a:fontRef>
+        </p:style>
+        <p:txBody>
+          <a:bodyPr rtlCol="0" anchor="ctr"/>
+          <a:lstStyle/>
+          <a:p>
+            <a:pPr algn="ctr"/>
+            <a:r>
+              <a:rPr lang="en-US" altLang="zh-CN" b="1" dirty="0"/>
+              <a:t>augmented sequence</a:t>
+            </a:r>
+            <a:endParaRPr lang="zh-CN" altLang="en-US" b="1" dirty="0"/>
+          </a:p>
+        </p:txBody>
+      </p:sp>
+      <p:sp>
+        <p:nvSpPr>
+          <p:cNvPr id="13" name="文本框 12">
+            <a:extLst>
+              <a:ext uri="{FF2B5EF4-FFF2-40B4-BE49-F238E27FC236}">
+                <a16:creationId xmlns:a16="http://schemas.microsoft.com/office/drawing/2014/main" id="{C03E9EBB-049C-AB78-B37D-1B18709AAAFE}"/>
+              </a:ext>
+            </a:extLst>
+          </p:cNvPr>
+          <p:cNvSpPr txBox="1"/>
+          <p:nvPr/>
+        </p:nvSpPr>
+        <p:spPr>
+          <a:xfrm>
+            <a:off x="5461437" y="6247544"/>
+            <a:ext cx="344966" cy="369332"/>
+          </a:xfrm>
+          <a:prstGeom prst="rect">
+            <a:avLst/>
+          </a:prstGeom>
+          <a:noFill/>
+        </p:spPr>
+        <p:txBody>
+          <a:bodyPr wrap="none" rtlCol="0">
+            <a:spAutoFit/>
+          </a:bodyPr>
+          <a:lstStyle/>
+          <a:p>
+            <a:r>
+              <a:rPr lang="en-US" altLang="zh-CN" b="1" dirty="0"/>
+              <a:t>+</a:t>
+            </a:r>
+            <a:endParaRPr lang="zh-CN" altLang="en-US" b="1" dirty="0"/>
+          </a:p>
+        </p:txBody>
+      </p:sp>
+      <p:pic>
+        <p:nvPicPr>
+          <p:cNvPr id="15" name="图片 14">
+            <a:extLst>
+              <a:ext uri="{FF2B5EF4-FFF2-40B4-BE49-F238E27FC236}">
+                <a16:creationId xmlns:a16="http://schemas.microsoft.com/office/drawing/2014/main" id="{FD6ED0B5-2055-1361-53CF-40BC4EBE78D5}"/>
+              </a:ext>
+            </a:extLst>
+          </p:cNvPr>
+          <p:cNvPicPr>
+            <a:picLocks noChangeAspect="1"/>
+          </p:cNvPicPr>
+          <p:nvPr/>
+        </p:nvPicPr>
+        <p:blipFill>
+          <a:blip r:embed="rId6"/>
+          <a:stretch>
+            <a:fillRect/>
+          </a:stretch>
+        </p:blipFill>
+        <p:spPr>
+          <a:xfrm>
+            <a:off x="7499772" y="4499979"/>
+            <a:ext cx="1680804" cy="1306407"/>
+          </a:xfrm>
+          <a:prstGeom prst="rect">
+            <a:avLst/>
+          </a:prstGeom>
+        </p:spPr>
+      </p:pic>
+      <p:pic>
+        <p:nvPicPr>
+          <p:cNvPr id="16" name="图片 15">
+            <a:extLst>
+              <a:ext uri="{FF2B5EF4-FFF2-40B4-BE49-F238E27FC236}">
+                <a16:creationId xmlns:a16="http://schemas.microsoft.com/office/drawing/2014/main" id="{5DA40C08-D881-CB85-88A2-DBE2324702D1}"/>
+              </a:ext>
+            </a:extLst>
+          </p:cNvPr>
+          <p:cNvPicPr>
+            <a:picLocks noChangeAspect="1"/>
+          </p:cNvPicPr>
+          <p:nvPr/>
+        </p:nvPicPr>
+        <p:blipFill>
+          <a:blip r:embed="rId7"/>
+          <a:stretch>
+            <a:fillRect/>
+          </a:stretch>
+        </p:blipFill>
+        <p:spPr>
+          <a:xfrm>
+            <a:off x="9631680" y="4499979"/>
+            <a:ext cx="1823741" cy="1301148"/>
+          </a:xfrm>
+          <a:prstGeom prst="rect">
+            <a:avLst/>
+          </a:prstGeom>
+        </p:spPr>
+      </p:pic>
     </p:spTree>
     <p:extLst>
       <p:ext uri="{BB962C8B-B14F-4D97-AF65-F5344CB8AC3E}">
-        <p14:creationId xmlns:p14="http://schemas.microsoft.com/office/powerpoint/2010/main" val="543992244"/>
+        <p14:creationId xmlns:p14="http://schemas.microsoft.com/office/powerpoint/2010/main" val="2173490617"/>
       </p:ext>
     </p:extLst>
   </p:cSld>
@@ -14742,10 +16092,755 @@
       </p:grpSpPr>
       <p:sp>
         <p:nvSpPr>
+          <p:cNvPr id="4" name="文本框 3">
+            <a:extLst>
+              <a:ext uri="{FF2B5EF4-FFF2-40B4-BE49-F238E27FC236}">
+                <a16:creationId xmlns:a16="http://schemas.microsoft.com/office/drawing/2014/main" id="{73DD1AAE-20C4-D3D4-BC48-0F07DD3D198E}"/>
+              </a:ext>
+            </a:extLst>
+          </p:cNvPr>
+          <p:cNvSpPr txBox="1"/>
+          <p:nvPr/>
+        </p:nvSpPr>
+        <p:spPr>
+          <a:xfrm>
+            <a:off x="392724" y="1447618"/>
+            <a:ext cx="11799276" cy="4093428"/>
+          </a:xfrm>
+          <a:prstGeom prst="rect">
+            <a:avLst/>
+          </a:prstGeom>
+          <a:noFill/>
+        </p:spPr>
+        <p:txBody>
+          <a:bodyPr wrap="square" rtlCol="0">
+            <a:spAutoFit/>
+          </a:bodyPr>
+          <a:lstStyle/>
+          <a:p>
+            <a:r>
+              <a:rPr lang="en-US" altLang="zh-CN" sz="3200" b="1" dirty="0"/>
+              <a:t>Path Encoding</a:t>
+            </a:r>
+          </a:p>
+          <a:p>
+            <a:endParaRPr lang="en-US" altLang="zh-CN" sz="3200" b="1" dirty="0"/>
+          </a:p>
+          <a:p>
+            <a:r>
+              <a:rPr lang="en-US" altLang="zh-CN" sz="2800" dirty="0"/>
+              <a:t>input sequence consist of </a:t>
+            </a:r>
+            <a:r>
+              <a:rPr lang="en-US" altLang="zh-CN" sz="2800" b="1" dirty="0"/>
+              <a:t>3 parts</a:t>
+            </a:r>
+            <a:r>
+              <a:rPr lang="en-US" altLang="zh-CN" sz="2800" dirty="0"/>
+              <a:t>:</a:t>
+            </a:r>
+          </a:p>
+          <a:p>
+            <a:r>
+              <a:rPr lang="en-US" altLang="zh-CN" sz="2800" dirty="0"/>
+              <a:t>a) entity tokens embedding      and relation tokens embedding</a:t>
+            </a:r>
+          </a:p>
+          <a:p>
+            <a:r>
+              <a:rPr lang="en-US" altLang="zh-CN" sz="2800" dirty="0"/>
+              <a:t>	</a:t>
+            </a:r>
+          </a:p>
+          <a:p>
+            <a:endParaRPr lang="en-US" altLang="zh-CN" sz="2800" dirty="0"/>
+          </a:p>
+          <a:p>
+            <a:r>
+              <a:rPr lang="en-US" altLang="zh-CN" sz="2800" dirty="0"/>
+              <a:t>b) position embedding </a:t>
+            </a:r>
+          </a:p>
+          <a:p>
+            <a:endParaRPr lang="en-US" altLang="zh-CN" sz="2800" dirty="0"/>
+          </a:p>
+          <a:p>
+            <a:r>
+              <a:rPr lang="en-US" altLang="zh-CN" sz="2800" dirty="0"/>
+              <a:t>c)  type embedding </a:t>
+            </a:r>
+          </a:p>
+        </p:txBody>
+      </p:sp>
+      <p:pic>
+        <p:nvPicPr>
+          <p:cNvPr id="5" name="图片 4">
+            <a:extLst>
+              <a:ext uri="{FF2B5EF4-FFF2-40B4-BE49-F238E27FC236}">
+                <a16:creationId xmlns:a16="http://schemas.microsoft.com/office/drawing/2014/main" id="{45383ECF-4CBA-5A0D-D63B-CCD4B8F08CAE}"/>
+              </a:ext>
+            </a:extLst>
+          </p:cNvPr>
+          <p:cNvPicPr>
+            <a:picLocks noChangeAspect="1"/>
+          </p:cNvPicPr>
+          <p:nvPr/>
+        </p:nvPicPr>
+        <p:blipFill>
+          <a:blip r:embed="rId3"/>
+          <a:stretch>
+            <a:fillRect/>
+          </a:stretch>
+        </p:blipFill>
+        <p:spPr>
+          <a:xfrm>
+            <a:off x="7635782" y="144082"/>
+            <a:ext cx="4163494" cy="2256735"/>
+          </a:xfrm>
+          <a:prstGeom prst="rect">
+            <a:avLst/>
+          </a:prstGeom>
+        </p:spPr>
+      </p:pic>
+      <p:graphicFrame>
+        <p:nvGraphicFramePr>
+          <p:cNvPr id="6" name="对象 5">
+            <a:extLst>
+              <a:ext uri="{FF2B5EF4-FFF2-40B4-BE49-F238E27FC236}">
+                <a16:creationId xmlns:a16="http://schemas.microsoft.com/office/drawing/2014/main" id="{92ABC7A1-C5E8-33B4-2CFA-78F4EA91D484}"/>
+              </a:ext>
+            </a:extLst>
+          </p:cNvPr>
+          <p:cNvGraphicFramePr>
+            <a:graphicFrameLocks noChangeAspect="1"/>
+          </p:cNvGraphicFramePr>
+          <p:nvPr>
+            <p:extLst>
+              <p:ext uri="{D42A27DB-BD31-4B8C-83A1-F6EECF244321}">
+                <p14:modId xmlns:p14="http://schemas.microsoft.com/office/powerpoint/2010/main" val="555957552"/>
+              </p:ext>
+            </p:extLst>
+          </p:nvPr>
+        </p:nvGraphicFramePr>
+        <p:xfrm>
+          <a:off x="4767072" y="2887675"/>
+          <a:ext cx="451104" cy="541325"/>
+        </p:xfrm>
+        <a:graphic>
+          <a:graphicData uri="http://schemas.openxmlformats.org/presentationml/2006/ole">
+            <mc:AlternateContent xmlns:mc="http://schemas.openxmlformats.org/markup-compatibility/2006">
+              <mc:Choice xmlns:v="urn:schemas-microsoft-com:vml" Requires="v">
+                <p:oleObj name="Equation" r:id="rId4" imgW="190440" imgH="228600" progId="Equation.DSMT4">
+                  <p:embed/>
+                </p:oleObj>
+              </mc:Choice>
+              <mc:Fallback>
+                <p:oleObj name="Equation" r:id="rId4" imgW="190440" imgH="228600" progId="Equation.DSMT4">
+                  <p:embed/>
+                  <p:pic>
+                    <p:nvPicPr>
+                      <p:cNvPr id="0" name=""/>
+                      <p:cNvPicPr/>
+                      <p:nvPr/>
+                    </p:nvPicPr>
+                    <p:blipFill>
+                      <a:blip r:embed="rId5"/>
+                      <a:stretch>
+                        <a:fillRect/>
+                      </a:stretch>
+                    </p:blipFill>
+                    <p:spPr>
+                      <a:xfrm>
+                        <a:off x="4767072" y="2887675"/>
+                        <a:ext cx="451104" cy="541325"/>
+                      </a:xfrm>
+                      <a:prstGeom prst="rect">
+                        <a:avLst/>
+                      </a:prstGeom>
+                    </p:spPr>
+                  </p:pic>
+                </p:oleObj>
+              </mc:Fallback>
+            </mc:AlternateContent>
+          </a:graphicData>
+        </a:graphic>
+      </p:graphicFrame>
+      <p:graphicFrame>
+        <p:nvGraphicFramePr>
+          <p:cNvPr id="8" name="对象 7">
+            <a:extLst>
+              <a:ext uri="{FF2B5EF4-FFF2-40B4-BE49-F238E27FC236}">
+                <a16:creationId xmlns:a16="http://schemas.microsoft.com/office/drawing/2014/main" id="{1447C149-BF30-BB8B-9116-0942313AAD19}"/>
+              </a:ext>
+            </a:extLst>
+          </p:cNvPr>
+          <p:cNvGraphicFramePr>
+            <a:graphicFrameLocks noChangeAspect="1"/>
+          </p:cNvGraphicFramePr>
+          <p:nvPr>
+            <p:extLst>
+              <p:ext uri="{D42A27DB-BD31-4B8C-83A1-F6EECF244321}">
+                <p14:modId xmlns:p14="http://schemas.microsoft.com/office/powerpoint/2010/main" val="3314451039"/>
+              </p:ext>
+            </p:extLst>
+          </p:nvPr>
+        </p:nvGraphicFramePr>
+        <p:xfrm>
+          <a:off x="10182162" y="2882903"/>
+          <a:ext cx="451104" cy="541325"/>
+        </p:xfrm>
+        <a:graphic>
+          <a:graphicData uri="http://schemas.openxmlformats.org/presentationml/2006/ole">
+            <mc:AlternateContent xmlns:mc="http://schemas.openxmlformats.org/markup-compatibility/2006">
+              <mc:Choice xmlns:v="urn:schemas-microsoft-com:vml" Requires="v">
+                <p:oleObj name="Equation" r:id="rId6" imgW="190440" imgH="228600" progId="Equation.DSMT4">
+                  <p:embed/>
+                </p:oleObj>
+              </mc:Choice>
+              <mc:Fallback>
+                <p:oleObj name="Equation" r:id="rId6" imgW="190440" imgH="228600" progId="Equation.DSMT4">
+                  <p:embed/>
+                  <p:pic>
+                    <p:nvPicPr>
+                      <p:cNvPr id="0" name=""/>
+                      <p:cNvPicPr/>
+                      <p:nvPr/>
+                    </p:nvPicPr>
+                    <p:blipFill>
+                      <a:blip r:embed="rId7"/>
+                      <a:stretch>
+                        <a:fillRect/>
+                      </a:stretch>
+                    </p:blipFill>
+                    <p:spPr>
+                      <a:xfrm>
+                        <a:off x="10182162" y="2882903"/>
+                        <a:ext cx="451104" cy="541325"/>
+                      </a:xfrm>
+                      <a:prstGeom prst="rect">
+                        <a:avLst/>
+                      </a:prstGeom>
+                    </p:spPr>
+                  </p:pic>
+                </p:oleObj>
+              </mc:Fallback>
+            </mc:AlternateContent>
+          </a:graphicData>
+        </a:graphic>
+      </p:graphicFrame>
+      <p:graphicFrame>
+        <p:nvGraphicFramePr>
+          <p:cNvPr id="9" name="对象 8">
+            <a:extLst>
+              <a:ext uri="{FF2B5EF4-FFF2-40B4-BE49-F238E27FC236}">
+                <a16:creationId xmlns:a16="http://schemas.microsoft.com/office/drawing/2014/main" id="{9F5B81C6-D478-5E24-BBFF-37B96DF2116D}"/>
+              </a:ext>
+            </a:extLst>
+          </p:cNvPr>
+          <p:cNvGraphicFramePr>
+            <a:graphicFrameLocks noChangeAspect="1"/>
+          </p:cNvGraphicFramePr>
+          <p:nvPr>
+            <p:extLst>
+              <p:ext uri="{D42A27DB-BD31-4B8C-83A1-F6EECF244321}">
+                <p14:modId xmlns:p14="http://schemas.microsoft.com/office/powerpoint/2010/main" val="2098593903"/>
+              </p:ext>
+            </p:extLst>
+          </p:nvPr>
+        </p:nvGraphicFramePr>
+        <p:xfrm>
+          <a:off x="3064493" y="3424228"/>
+          <a:ext cx="4307366" cy="578170"/>
+        </p:xfrm>
+        <a:graphic>
+          <a:graphicData uri="http://schemas.openxmlformats.org/presentationml/2006/ole">
+            <mc:AlternateContent xmlns:mc="http://schemas.openxmlformats.org/markup-compatibility/2006">
+              <mc:Choice xmlns:v="urn:schemas-microsoft-com:vml" Requires="v">
+                <p:oleObj name="Equation" r:id="rId8" imgW="1892160" imgH="253800" progId="Equation.DSMT4">
+                  <p:embed/>
+                </p:oleObj>
+              </mc:Choice>
+              <mc:Fallback>
+                <p:oleObj name="Equation" r:id="rId8" imgW="1892160" imgH="253800" progId="Equation.DSMT4">
+                  <p:embed/>
+                  <p:pic>
+                    <p:nvPicPr>
+                      <p:cNvPr id="0" name=""/>
+                      <p:cNvPicPr/>
+                      <p:nvPr/>
+                    </p:nvPicPr>
+                    <p:blipFill>
+                      <a:blip r:embed="rId9"/>
+                      <a:stretch>
+                        <a:fillRect/>
+                      </a:stretch>
+                    </p:blipFill>
+                    <p:spPr>
+                      <a:xfrm>
+                        <a:off x="3064493" y="3424228"/>
+                        <a:ext cx="4307366" cy="578170"/>
+                      </a:xfrm>
+                      <a:prstGeom prst="rect">
+                        <a:avLst/>
+                      </a:prstGeom>
+                    </p:spPr>
+                  </p:pic>
+                </p:oleObj>
+              </mc:Fallback>
+            </mc:AlternateContent>
+          </a:graphicData>
+        </a:graphic>
+      </p:graphicFrame>
+      <p:graphicFrame>
+        <p:nvGraphicFramePr>
+          <p:cNvPr id="10" name="对象 9">
+            <a:extLst>
+              <a:ext uri="{FF2B5EF4-FFF2-40B4-BE49-F238E27FC236}">
+                <a16:creationId xmlns:a16="http://schemas.microsoft.com/office/drawing/2014/main" id="{CC2C5C5E-225B-1DC2-9D84-2760C0F4DC3F}"/>
+              </a:ext>
+            </a:extLst>
+          </p:cNvPr>
+          <p:cNvGraphicFramePr>
+            <a:graphicFrameLocks noChangeAspect="1"/>
+          </p:cNvGraphicFramePr>
+          <p:nvPr>
+            <p:extLst>
+              <p:ext uri="{D42A27DB-BD31-4B8C-83A1-F6EECF244321}">
+                <p14:modId xmlns:p14="http://schemas.microsoft.com/office/powerpoint/2010/main" val="3326112936"/>
+              </p:ext>
+            </p:extLst>
+          </p:nvPr>
+        </p:nvGraphicFramePr>
+        <p:xfrm>
+          <a:off x="4035552" y="4176719"/>
+          <a:ext cx="365759" cy="438911"/>
+        </p:xfrm>
+        <a:graphic>
+          <a:graphicData uri="http://schemas.openxmlformats.org/presentationml/2006/ole">
+            <mc:AlternateContent xmlns:mc="http://schemas.openxmlformats.org/markup-compatibility/2006">
+              <mc:Choice xmlns:v="urn:schemas-microsoft-com:vml" Requires="v">
+                <p:oleObj name="Equation" r:id="rId10" imgW="126720" imgH="152280" progId="Equation.DSMT4">
+                  <p:embed/>
+                </p:oleObj>
+              </mc:Choice>
+              <mc:Fallback>
+                <p:oleObj name="Equation" r:id="rId10" imgW="126720" imgH="152280" progId="Equation.DSMT4">
+                  <p:embed/>
+                  <p:pic>
+                    <p:nvPicPr>
+                      <p:cNvPr id="0" name=""/>
+                      <p:cNvPicPr/>
+                      <p:nvPr/>
+                    </p:nvPicPr>
+                    <p:blipFill>
+                      <a:blip r:embed="rId11"/>
+                      <a:stretch>
+                        <a:fillRect/>
+                      </a:stretch>
+                    </p:blipFill>
+                    <p:spPr>
+                      <a:xfrm>
+                        <a:off x="4035552" y="4176719"/>
+                        <a:ext cx="365759" cy="438911"/>
+                      </a:xfrm>
+                      <a:prstGeom prst="rect">
+                        <a:avLst/>
+                      </a:prstGeom>
+                    </p:spPr>
+                  </p:pic>
+                </p:oleObj>
+              </mc:Fallback>
+            </mc:AlternateContent>
+          </a:graphicData>
+        </a:graphic>
+      </p:graphicFrame>
+      <p:graphicFrame>
+        <p:nvGraphicFramePr>
+          <p:cNvPr id="11" name="对象 10">
+            <a:extLst>
+              <a:ext uri="{FF2B5EF4-FFF2-40B4-BE49-F238E27FC236}">
+                <a16:creationId xmlns:a16="http://schemas.microsoft.com/office/drawing/2014/main" id="{BCFEBC21-B704-F2E8-9EB1-0200269CD720}"/>
+              </a:ext>
+            </a:extLst>
+          </p:cNvPr>
+          <p:cNvGraphicFramePr>
+            <a:graphicFrameLocks noChangeAspect="1"/>
+          </p:cNvGraphicFramePr>
+          <p:nvPr>
+            <p:extLst>
+              <p:ext uri="{D42A27DB-BD31-4B8C-83A1-F6EECF244321}">
+                <p14:modId xmlns:p14="http://schemas.microsoft.com/office/powerpoint/2010/main" val="778789394"/>
+              </p:ext>
+            </p:extLst>
+          </p:nvPr>
+        </p:nvGraphicFramePr>
+        <p:xfrm>
+          <a:off x="3598863" y="5037586"/>
+          <a:ext cx="436689" cy="476210"/>
+        </p:xfrm>
+        <a:graphic>
+          <a:graphicData uri="http://schemas.openxmlformats.org/presentationml/2006/ole">
+            <mc:AlternateContent xmlns:mc="http://schemas.openxmlformats.org/markup-compatibility/2006">
+              <mc:Choice xmlns:v="urn:schemas-microsoft-com:vml" Requires="v">
+                <p:oleObj name="Equation" r:id="rId12" imgW="139680" imgH="152280" progId="Equation.DSMT4">
+                  <p:embed/>
+                </p:oleObj>
+              </mc:Choice>
+              <mc:Fallback>
+                <p:oleObj name="Equation" r:id="rId12" imgW="139680" imgH="152280" progId="Equation.DSMT4">
+                  <p:embed/>
+                  <p:pic>
+                    <p:nvPicPr>
+                      <p:cNvPr id="0" name=""/>
+                      <p:cNvPicPr/>
+                      <p:nvPr/>
+                    </p:nvPicPr>
+                    <p:blipFill>
+                      <a:blip r:embed="rId13"/>
+                      <a:stretch>
+                        <a:fillRect/>
+                      </a:stretch>
+                    </p:blipFill>
+                    <p:spPr>
+                      <a:xfrm>
+                        <a:off x="3598863" y="5037586"/>
+                        <a:ext cx="436689" cy="476210"/>
+                      </a:xfrm>
+                      <a:prstGeom prst="rect">
+                        <a:avLst/>
+                      </a:prstGeom>
+                    </p:spPr>
+                  </p:pic>
+                </p:oleObj>
+              </mc:Fallback>
+            </mc:AlternateContent>
+          </a:graphicData>
+        </a:graphic>
+      </p:graphicFrame>
+    </p:spTree>
+    <p:extLst>
+      <p:ext uri="{BB962C8B-B14F-4D97-AF65-F5344CB8AC3E}">
+        <p14:creationId xmlns:p14="http://schemas.microsoft.com/office/powerpoint/2010/main" val="1610162585"/>
+      </p:ext>
+    </p:extLst>
+  </p:cSld>
+  <p:clrMapOvr>
+    <a:masterClrMapping/>
+  </p:clrMapOvr>
+</p:sld>
+</file>
+
+<file path=ppt/slides/slide26.xml><?xml version="1.0" encoding="utf-8"?>
+<p:sld xmlns:a="http://schemas.openxmlformats.org/drawingml/2006/main" xmlns:r="http://schemas.openxmlformats.org/officeDocument/2006/relationships" xmlns:p="http://schemas.openxmlformats.org/presentationml/2006/main">
+  <p:cSld>
+    <p:spTree>
+      <p:nvGrpSpPr>
+        <p:cNvPr id="1" name=""/>
+        <p:cNvGrpSpPr/>
+        <p:nvPr/>
+      </p:nvGrpSpPr>
+      <p:grpSpPr>
+        <a:xfrm>
+          <a:off x="0" y="0"/>
+          <a:ext cx="0" cy="0"/>
+          <a:chOff x="0" y="0"/>
+          <a:chExt cx="0" cy="0"/>
+        </a:xfrm>
+      </p:grpSpPr>
+      <p:sp>
+        <p:nvSpPr>
+          <p:cNvPr id="5" name="文本框 4">
+            <a:extLst>
+              <a:ext uri="{FF2B5EF4-FFF2-40B4-BE49-F238E27FC236}">
+                <a16:creationId xmlns:a16="http://schemas.microsoft.com/office/drawing/2014/main" id="{B00B8A75-8AFD-F6B0-B847-2691E9C802E8}"/>
+              </a:ext>
+            </a:extLst>
+          </p:cNvPr>
+          <p:cNvSpPr txBox="1"/>
+          <p:nvPr/>
+        </p:nvSpPr>
+        <p:spPr>
+          <a:xfrm>
+            <a:off x="392724" y="988295"/>
+            <a:ext cx="11799276" cy="1508105"/>
+          </a:xfrm>
+          <a:prstGeom prst="rect">
+            <a:avLst/>
+          </a:prstGeom>
+          <a:noFill/>
+        </p:spPr>
+        <p:txBody>
+          <a:bodyPr wrap="square" rtlCol="0">
+            <a:spAutoFit/>
+          </a:bodyPr>
+          <a:lstStyle/>
+          <a:p>
+            <a:r>
+              <a:rPr lang="en-US" altLang="zh-CN" sz="3200" b="1" dirty="0"/>
+              <a:t>Decoding Strategy</a:t>
+            </a:r>
+          </a:p>
+          <a:p>
+            <a:endParaRPr lang="en-US" altLang="zh-CN" sz="3200" b="1" dirty="0"/>
+          </a:p>
+          <a:p>
+            <a:pPr marL="514350" indent="-514350">
+              <a:buAutoNum type="alphaLcParenR"/>
+            </a:pPr>
+            <a:endParaRPr lang="en-US" altLang="zh-CN" sz="2800" dirty="0"/>
+          </a:p>
+        </p:txBody>
+      </p:sp>
+      <p:pic>
+        <p:nvPicPr>
+          <p:cNvPr id="6" name="图片 5">
+            <a:extLst>
+              <a:ext uri="{FF2B5EF4-FFF2-40B4-BE49-F238E27FC236}">
+                <a16:creationId xmlns:a16="http://schemas.microsoft.com/office/drawing/2014/main" id="{B201E105-4BDD-ED49-5797-1D56DE4DB898}"/>
+              </a:ext>
+            </a:extLst>
+          </p:cNvPr>
+          <p:cNvPicPr>
+            <a:picLocks noChangeAspect="1"/>
+          </p:cNvPicPr>
+          <p:nvPr/>
+        </p:nvPicPr>
+        <p:blipFill>
+          <a:blip r:embed="rId3"/>
+          <a:stretch>
+            <a:fillRect/>
+          </a:stretch>
+        </p:blipFill>
+        <p:spPr>
+          <a:xfrm>
+            <a:off x="6740912" y="208485"/>
+            <a:ext cx="5148842" cy="1859304"/>
+          </a:xfrm>
+          <a:prstGeom prst="rect">
+            <a:avLst/>
+          </a:prstGeom>
+        </p:spPr>
+      </p:pic>
+      <p:graphicFrame>
+        <p:nvGraphicFramePr>
+          <p:cNvPr id="7" name="对象 6">
+            <a:extLst>
+              <a:ext uri="{FF2B5EF4-FFF2-40B4-BE49-F238E27FC236}">
+                <a16:creationId xmlns:a16="http://schemas.microsoft.com/office/drawing/2014/main" id="{72161FAF-B2B5-9D69-14E1-474189981560}"/>
+              </a:ext>
+            </a:extLst>
+          </p:cNvPr>
+          <p:cNvGraphicFramePr>
+            <a:graphicFrameLocks noChangeAspect="1"/>
+          </p:cNvGraphicFramePr>
+          <p:nvPr>
+            <p:extLst>
+              <p:ext uri="{D42A27DB-BD31-4B8C-83A1-F6EECF244321}">
+                <p14:modId xmlns:p14="http://schemas.microsoft.com/office/powerpoint/2010/main" val="3322090461"/>
+              </p:ext>
+            </p:extLst>
+          </p:nvPr>
+        </p:nvGraphicFramePr>
+        <p:xfrm>
+          <a:off x="629212" y="3656671"/>
+          <a:ext cx="2917719" cy="904493"/>
+        </p:xfrm>
+        <a:graphic>
+          <a:graphicData uri="http://schemas.openxmlformats.org/presentationml/2006/ole">
+            <mc:AlternateContent xmlns:mc="http://schemas.openxmlformats.org/markup-compatibility/2006">
+              <mc:Choice xmlns:v="urn:schemas-microsoft-com:vml" Requires="v">
+                <p:oleObj name="Equation" r:id="rId4" imgW="1269720" imgH="393480" progId="Equation.DSMT4">
+                  <p:embed/>
+                </p:oleObj>
+              </mc:Choice>
+              <mc:Fallback>
+                <p:oleObj name="Equation" r:id="rId4" imgW="1269720" imgH="393480" progId="Equation.DSMT4">
+                  <p:embed/>
+                  <p:pic>
+                    <p:nvPicPr>
+                      <p:cNvPr id="0" name=""/>
+                      <p:cNvPicPr/>
+                      <p:nvPr/>
+                    </p:nvPicPr>
+                    <p:blipFill>
+                      <a:blip r:embed="rId5"/>
+                      <a:stretch>
+                        <a:fillRect/>
+                      </a:stretch>
+                    </p:blipFill>
+                    <p:spPr>
+                      <a:xfrm>
+                        <a:off x="629212" y="3656671"/>
+                        <a:ext cx="2917719" cy="904493"/>
+                      </a:xfrm>
+                      <a:prstGeom prst="rect">
+                        <a:avLst/>
+                      </a:prstGeom>
+                    </p:spPr>
+                  </p:pic>
+                </p:oleObj>
+              </mc:Fallback>
+            </mc:AlternateContent>
+          </a:graphicData>
+        </a:graphic>
+      </p:graphicFrame>
+      <p:graphicFrame>
+        <p:nvGraphicFramePr>
+          <p:cNvPr id="8" name="对象 7">
+            <a:extLst>
+              <a:ext uri="{FF2B5EF4-FFF2-40B4-BE49-F238E27FC236}">
+                <a16:creationId xmlns:a16="http://schemas.microsoft.com/office/drawing/2014/main" id="{C3CAB54E-DDE4-3941-CC41-7E90654269B1}"/>
+              </a:ext>
+            </a:extLst>
+          </p:cNvPr>
+          <p:cNvGraphicFramePr>
+            <a:graphicFrameLocks noChangeAspect="1"/>
+          </p:cNvGraphicFramePr>
+          <p:nvPr>
+            <p:extLst>
+              <p:ext uri="{D42A27DB-BD31-4B8C-83A1-F6EECF244321}">
+                <p14:modId xmlns:p14="http://schemas.microsoft.com/office/powerpoint/2010/main" val="185421027"/>
+              </p:ext>
+            </p:extLst>
+          </p:nvPr>
+        </p:nvGraphicFramePr>
+        <p:xfrm>
+          <a:off x="650576" y="5016505"/>
+          <a:ext cx="5792710" cy="1071779"/>
+        </p:xfrm>
+        <a:graphic>
+          <a:graphicData uri="http://schemas.openxmlformats.org/presentationml/2006/ole">
+            <mc:AlternateContent xmlns:mc="http://schemas.openxmlformats.org/markup-compatibility/2006">
+              <mc:Choice xmlns:v="urn:schemas-microsoft-com:vml" Requires="v">
+                <p:oleObj name="Equation" r:id="rId6" imgW="2882880" imgH="533160" progId="Equation.DSMT4">
+                  <p:embed/>
+                </p:oleObj>
+              </mc:Choice>
+              <mc:Fallback>
+                <p:oleObj name="Equation" r:id="rId6" imgW="2882880" imgH="533160" progId="Equation.DSMT4">
+                  <p:embed/>
+                  <p:pic>
+                    <p:nvPicPr>
+                      <p:cNvPr id="0" name=""/>
+                      <p:cNvPicPr/>
+                      <p:nvPr/>
+                    </p:nvPicPr>
+                    <p:blipFill>
+                      <a:blip r:embed="rId7"/>
+                      <a:stretch>
+                        <a:fillRect/>
+                      </a:stretch>
+                    </p:blipFill>
+                    <p:spPr>
+                      <a:xfrm>
+                        <a:off x="650576" y="5016505"/>
+                        <a:ext cx="5792710" cy="1071779"/>
+                      </a:xfrm>
+                      <a:prstGeom prst="rect">
+                        <a:avLst/>
+                      </a:prstGeom>
+                    </p:spPr>
+                  </p:pic>
+                </p:oleObj>
+              </mc:Fallback>
+            </mc:AlternateContent>
+          </a:graphicData>
+        </a:graphic>
+      </p:graphicFrame>
+      <p:sp>
+        <p:nvSpPr>
+          <p:cNvPr id="9" name="文本框 8">
+            <a:extLst>
+              <a:ext uri="{FF2B5EF4-FFF2-40B4-BE49-F238E27FC236}">
+                <a16:creationId xmlns:a16="http://schemas.microsoft.com/office/drawing/2014/main" id="{A1D80D95-EE83-A682-CA1E-F336D411A467}"/>
+              </a:ext>
+            </a:extLst>
+          </p:cNvPr>
+          <p:cNvSpPr txBox="1"/>
+          <p:nvPr/>
+        </p:nvSpPr>
+        <p:spPr>
+          <a:xfrm>
+            <a:off x="392724" y="1754780"/>
+            <a:ext cx="8526363" cy="1446550"/>
+          </a:xfrm>
+          <a:prstGeom prst="rect">
+            <a:avLst/>
+          </a:prstGeom>
+          <a:noFill/>
+        </p:spPr>
+        <p:txBody>
+          <a:bodyPr wrap="square" rtlCol="0">
+            <a:spAutoFit/>
+          </a:bodyPr>
+          <a:lstStyle/>
+          <a:p>
+            <a:endParaRPr lang="en-US" altLang="zh-CN" sz="3200" b="1" dirty="0"/>
+          </a:p>
+          <a:p>
+            <a:r>
+              <a:rPr lang="en-US" altLang="zh-CN" sz="2800" dirty="0"/>
+              <a:t>greedy search, beam search, </a:t>
+            </a:r>
+            <a:r>
+              <a:rPr lang="en-US" altLang="zh-CN" sz="2800" dirty="0" err="1"/>
+              <a:t>topk</a:t>
+            </a:r>
+            <a:r>
+              <a:rPr lang="en-US" altLang="zh-CN" sz="2800" dirty="0"/>
+              <a:t>, </a:t>
+            </a:r>
+            <a:r>
+              <a:rPr lang="en-US" altLang="zh-CN" sz="2800" dirty="0" err="1"/>
+              <a:t>topp</a:t>
+            </a:r>
+            <a:endParaRPr lang="en-US" altLang="zh-CN" sz="2800" dirty="0"/>
+          </a:p>
+          <a:p>
+            <a:r>
+              <a:rPr lang="zh-CN" altLang="en-US" sz="2800" dirty="0"/>
+              <a:t>       ❌                  ❌             ✔      ✔</a:t>
+            </a:r>
+            <a:endParaRPr lang="en-US" altLang="zh-CN" sz="2800" dirty="0"/>
+          </a:p>
+        </p:txBody>
+      </p:sp>
+    </p:spTree>
+    <p:extLst>
+      <p:ext uri="{BB962C8B-B14F-4D97-AF65-F5344CB8AC3E}">
+        <p14:creationId xmlns:p14="http://schemas.microsoft.com/office/powerpoint/2010/main" val="1037071302"/>
+      </p:ext>
+    </p:extLst>
+  </p:cSld>
+  <p:clrMapOvr>
+    <a:masterClrMapping/>
+  </p:clrMapOvr>
+</p:sld>
+</file>
+
+<file path=ppt/slides/slide27.xml><?xml version="1.0" encoding="utf-8"?>
+<p:sld xmlns:a="http://schemas.openxmlformats.org/drawingml/2006/main" xmlns:r="http://schemas.openxmlformats.org/officeDocument/2006/relationships" xmlns:p="http://schemas.openxmlformats.org/presentationml/2006/main">
+  <p:cSld>
+    <p:spTree>
+      <p:nvGrpSpPr>
+        <p:cNvPr id="1" name=""/>
+        <p:cNvGrpSpPr/>
+        <p:nvPr/>
+      </p:nvGrpSpPr>
+      <p:grpSpPr>
+        <a:xfrm>
+          <a:off x="0" y="0"/>
+          <a:ext cx="0" cy="0"/>
+          <a:chOff x="0" y="0"/>
+          <a:chExt cx="0" cy="0"/>
+        </a:xfrm>
+      </p:grpSpPr>
+      <p:sp>
+        <p:nvSpPr>
           <p:cNvPr id="2" name="标题 1">
             <a:extLst>
               <a:ext uri="{FF2B5EF4-FFF2-40B4-BE49-F238E27FC236}">
-                <a16:creationId xmlns:a16="http://schemas.microsoft.com/office/drawing/2014/main" id="{9482B2E0-3D6A-2115-352A-EEA94230B516}"/>
+                <a16:creationId xmlns:a16="http://schemas.microsoft.com/office/drawing/2014/main" id="{BAAA65B1-B733-7AF4-F26B-D984687C5897}"/>
               </a:ext>
             </a:extLst>
           </p:cNvPr>
@@ -14766,7 +16861,7 @@
                 <a:latin typeface="+mn-ea"/>
                 <a:ea typeface="+mn-ea"/>
               </a:rPr>
-              <a:t>Problem</a:t>
+              <a:t>Idea</a:t>
             </a:r>
             <a:endParaRPr lang="zh-CN" altLang="en-US" b="1" dirty="0">
               <a:latin typeface="+mn-ea"/>
@@ -14780,7 +16875,7 @@
           <p:cNvPr id="3" name="内容占位符 2">
             <a:extLst>
               <a:ext uri="{FF2B5EF4-FFF2-40B4-BE49-F238E27FC236}">
-                <a16:creationId xmlns:a16="http://schemas.microsoft.com/office/drawing/2014/main" id="{58B66598-70F0-0E5A-D17F-01A7DE413880}"/>
+                <a16:creationId xmlns:a16="http://schemas.microsoft.com/office/drawing/2014/main" id="{0E03CF47-8AEA-26E1-B6C8-FEB94A915251}"/>
               </a:ext>
             </a:extLst>
           </p:cNvPr>
@@ -14793,50 +16888,279 @@
         </p:nvSpPr>
         <p:spPr/>
         <p:txBody>
-          <a:bodyPr/>
-          <a:lstStyle/>
-          <a:p>
-            <a:pPr marL="514350" indent="-514350">
-              <a:buFont typeface="+mj-lt"/>
-              <a:buAutoNum type="alphaLcParenR"/>
+          <a:bodyPr>
+            <a:normAutofit fontScale="77500" lnSpcReduction="20000"/>
+          </a:bodyPr>
+          <a:lstStyle/>
+          <a:p>
+            <a:pPr>
+              <a:lnSpc>
+                <a:spcPct val="120000"/>
+              </a:lnSpc>
             </a:pPr>
             <a:r>
               <a:rPr lang="zh-CN" altLang="en-US" dirty="0"/>
-              <a:t>时间问题：因为实践课的关系，下学期需要去找实习。想要把毕设做好同时还在实习，好像时间上不是很充裕。</a:t>
+              <a:t>主要把重心放在</a:t>
+            </a:r>
+            <a:r>
+              <a:rPr lang="en-US" altLang="zh-CN" dirty="0"/>
+              <a:t>KR-GCN</a:t>
+            </a:r>
+            <a:r>
+              <a:rPr lang="zh-CN" altLang="en-US" dirty="0"/>
+              <a:t>和</a:t>
+            </a:r>
+            <a:r>
+              <a:rPr lang="en-US" altLang="zh-CN" dirty="0"/>
+              <a:t>TEMR</a:t>
+            </a:r>
+            <a:r>
+              <a:rPr lang="zh-CN" altLang="en-US" dirty="0"/>
+              <a:t>两篇论文上，结合两个模型的优点。</a:t>
             </a:r>
             <a:endParaRPr lang="en-US" altLang="zh-CN" dirty="0"/>
           </a:p>
           <a:p>
-            <a:pPr marL="514350" indent="-514350">
-              <a:buFont typeface="+mj-lt"/>
-              <a:buAutoNum type="alphaLcParenR"/>
+            <a:pPr>
+              <a:lnSpc>
+                <a:spcPct val="120000"/>
+              </a:lnSpc>
             </a:pPr>
+            <a:r>
+              <a:rPr lang="en-US" altLang="zh-CN" dirty="0"/>
+              <a:t>sample path</a:t>
+            </a:r>
+            <a:r>
+              <a:rPr lang="zh-CN" altLang="en-US" dirty="0"/>
+              <a:t>：采用</a:t>
+            </a:r>
+            <a:r>
+              <a:rPr lang="en-US" altLang="zh-CN" dirty="0"/>
+              <a:t>KR-GCN</a:t>
+            </a:r>
+            <a:r>
+              <a:rPr lang="zh-CN" altLang="en-US" dirty="0"/>
+              <a:t>中的方法，比</a:t>
+            </a:r>
+            <a:r>
+              <a:rPr lang="en-US" altLang="zh-CN" dirty="0"/>
+              <a:t>meta-path</a:t>
+            </a:r>
+            <a:r>
+              <a:rPr lang="zh-CN" altLang="en-US" dirty="0"/>
+              <a:t>效果应该会更好</a:t>
+            </a:r>
             <a:endParaRPr lang="en-US" altLang="zh-CN" dirty="0"/>
           </a:p>
           <a:p>
-            <a:pPr marL="514350" indent="-514350">
-              <a:buFont typeface="+mj-lt"/>
-              <a:buAutoNum type="alphaLcParenR"/>
+            <a:pPr>
+              <a:lnSpc>
+                <a:spcPct val="120000"/>
+              </a:lnSpc>
             </a:pPr>
             <a:r>
-              <a:rPr lang="zh-CN" altLang="en-US" dirty="0"/>
-              <a:t>结果问题：如果我的</a:t>
-            </a:r>
-            <a:r>
-              <a:rPr lang="en-US" altLang="zh-CN" dirty="0"/>
-              <a:t>Idea</a:t>
-            </a:r>
-            <a:r>
-              <a:rPr lang="zh-CN" altLang="en-US" dirty="0"/>
-              <a:t>实现了，但效果并没有那么好，就需要花时间去修改，回到了第一个问题。其次假设模型的指标一直提不上去，毕业论文要怎么完成？</a:t>
-            </a:r>
+              <a:rPr lang="en-US" altLang="zh-CN" dirty="0"/>
+              <a:t>path type: user-item</a:t>
+            </a:r>
+            <a:r>
+              <a:rPr lang="zh-CN" altLang="en-US" dirty="0"/>
+              <a:t> </a:t>
+            </a:r>
+            <a:r>
+              <a:rPr lang="en-US" altLang="zh-CN" dirty="0"/>
+              <a:t>path</a:t>
+            </a:r>
+            <a:r>
+              <a:rPr lang="zh-CN" altLang="en-US" dirty="0"/>
+              <a:t>和</a:t>
+            </a:r>
+            <a:r>
+              <a:rPr lang="en-US" altLang="zh-CN" dirty="0"/>
+              <a:t>item-item path</a:t>
+            </a:r>
+            <a:r>
+              <a:rPr lang="zh-CN" altLang="en-US" dirty="0"/>
+              <a:t>，采取</a:t>
+            </a:r>
+            <a:r>
+              <a:rPr lang="en-US" altLang="zh-CN" dirty="0"/>
+              <a:t>TEMR</a:t>
+            </a:r>
+            <a:r>
+              <a:rPr lang="zh-CN" altLang="en-US" dirty="0"/>
+              <a:t>中的想法</a:t>
+            </a:r>
+            <a:endParaRPr lang="en-US" altLang="zh-CN" dirty="0"/>
+          </a:p>
+          <a:p>
+            <a:pPr>
+              <a:lnSpc>
+                <a:spcPct val="120000"/>
+              </a:lnSpc>
+            </a:pPr>
+            <a:r>
+              <a:rPr lang="en-US" altLang="zh-CN" dirty="0"/>
+              <a:t>path encoding: </a:t>
+            </a:r>
+            <a:r>
+              <a:rPr lang="zh-CN" altLang="en-US" dirty="0"/>
+              <a:t>两篇论文的方法都不错，个人更加倾向于使用</a:t>
+            </a:r>
+            <a:r>
+              <a:rPr lang="en-US" altLang="zh-CN" dirty="0"/>
+              <a:t>GCN</a:t>
+            </a:r>
+            <a:r>
+              <a:rPr lang="zh-CN" altLang="en-US" dirty="0"/>
+              <a:t>，将协同信号注入到</a:t>
+            </a:r>
+            <a:r>
+              <a:rPr lang="en-US" altLang="zh-CN" dirty="0"/>
+              <a:t>embedding</a:t>
+            </a:r>
+            <a:r>
+              <a:rPr lang="zh-CN" altLang="en-US" dirty="0"/>
+              <a:t>中</a:t>
+            </a:r>
+            <a:r>
+              <a:rPr lang="en-US" altLang="zh-CN" dirty="0"/>
+              <a:t>(NGCF</a:t>
+            </a:r>
+            <a:r>
+              <a:rPr lang="zh-CN" altLang="en-US" dirty="0"/>
+              <a:t>中提到的思想，效果应该会更好</a:t>
+            </a:r>
+            <a:r>
+              <a:rPr lang="en-US" altLang="zh-CN" dirty="0"/>
+              <a:t>)</a:t>
+            </a:r>
+            <a:r>
+              <a:rPr lang="zh-CN" altLang="en-US" dirty="0"/>
+              <a:t>。以及还需不需要加入</a:t>
+            </a:r>
+            <a:r>
+              <a:rPr lang="en-US" altLang="zh-CN" dirty="0"/>
+              <a:t>relation embedding</a:t>
+            </a:r>
+            <a:r>
+              <a:rPr lang="zh-CN" altLang="en-US" dirty="0"/>
+              <a:t>和</a:t>
+            </a:r>
+            <a:r>
+              <a:rPr lang="en-US" altLang="zh-CN" dirty="0"/>
+              <a:t>type embedding(KPRN</a:t>
+            </a:r>
+            <a:r>
+              <a:rPr lang="zh-CN" altLang="en-US" dirty="0"/>
+              <a:t>中的做法</a:t>
+            </a:r>
+            <a:r>
+              <a:rPr lang="en-US" altLang="zh-CN" dirty="0"/>
+              <a:t>)</a:t>
+            </a:r>
+            <a:r>
+              <a:rPr lang="zh-CN" altLang="en-US" dirty="0"/>
+              <a:t>，效果会不会有提升。</a:t>
+            </a:r>
+            <a:endParaRPr lang="en-US" altLang="zh-CN" dirty="0"/>
+          </a:p>
+          <a:p>
+            <a:pPr>
+              <a:lnSpc>
+                <a:spcPct val="120000"/>
+              </a:lnSpc>
+            </a:pPr>
+            <a:r>
+              <a:rPr lang="en-US" altLang="zh-CN" dirty="0"/>
+              <a:t>sequential modeling</a:t>
+            </a:r>
+            <a:r>
+              <a:rPr lang="zh-CN" altLang="en-US" dirty="0"/>
+              <a:t>，改进</a:t>
+            </a:r>
+            <a:r>
+              <a:rPr lang="en-US" altLang="zh-CN" dirty="0"/>
+              <a:t>TMER</a:t>
+            </a:r>
+            <a:r>
+              <a:rPr lang="zh-CN" altLang="en-US" dirty="0"/>
+              <a:t>中的做法，</a:t>
+            </a:r>
+            <a:r>
+              <a:rPr lang="en-US" altLang="zh-CN" dirty="0"/>
+              <a:t>TMER</a:t>
+            </a:r>
+            <a:r>
+              <a:rPr lang="zh-CN" altLang="en-US" dirty="0"/>
+              <a:t>只是关注了两个相邻的物品，可以改进成像</a:t>
+            </a:r>
+            <a:r>
+              <a:rPr lang="en-US" altLang="zh-CN" dirty="0" err="1"/>
+              <a:t>SASRec</a:t>
+            </a:r>
+            <a:r>
+              <a:rPr lang="zh-CN" altLang="en-US" dirty="0"/>
+              <a:t>中那样关注该物品前面的所有物品吗？这个问题在一篇</a:t>
+            </a:r>
+            <a:r>
+              <a:rPr lang="en-US" altLang="zh-CN" dirty="0"/>
+              <a:t>short paper</a:t>
+            </a:r>
+            <a:r>
+              <a:rPr lang="zh-CN" altLang="en-US" dirty="0"/>
+              <a:t>中也有提到，论文中提到的解决方案是：对于</a:t>
+            </a:r>
+            <a:r>
+              <a:rPr lang="en-US" altLang="zh-CN" dirty="0"/>
+              <a:t>item-item path</a:t>
+            </a:r>
+            <a:r>
+              <a:rPr lang="zh-CN" altLang="en-US" dirty="0"/>
+              <a:t>而言，除了找</a:t>
+            </a:r>
+            <a:r>
+              <a:rPr lang="en-US" altLang="zh-CN" dirty="0"/>
+              <a:t>adjacent items</a:t>
+            </a:r>
+            <a:r>
+              <a:rPr lang="zh-CN" altLang="en-US" dirty="0"/>
+              <a:t>之间的</a:t>
+            </a:r>
+            <a:r>
+              <a:rPr lang="en-US" altLang="zh-CN" dirty="0"/>
+              <a:t>path</a:t>
+            </a:r>
+            <a:r>
+              <a:rPr lang="zh-CN" altLang="en-US" dirty="0"/>
+              <a:t>，还去找了</a:t>
+            </a:r>
+            <a:r>
+              <a:rPr lang="en-US" altLang="zh-CN" dirty="0"/>
+              <a:t>non-adjacent items</a:t>
+            </a:r>
+            <a:r>
+              <a:rPr lang="zh-CN" altLang="en-US" dirty="0"/>
+              <a:t>之间的</a:t>
+            </a:r>
+            <a:r>
+              <a:rPr lang="en-US" altLang="zh-CN" dirty="0"/>
+              <a:t>path</a:t>
+            </a:r>
+            <a:r>
+              <a:rPr lang="zh-CN" altLang="en-US" dirty="0"/>
+              <a:t>（计算开销上会不会太大了？）。</a:t>
+            </a:r>
+            <a:endParaRPr lang="en-US" altLang="zh-CN" dirty="0"/>
+          </a:p>
+          <a:p>
+            <a:endParaRPr lang="zh-CN" altLang="en-US" dirty="0"/>
           </a:p>
         </p:txBody>
       </p:sp>
     </p:spTree>
     <p:extLst>
       <p:ext uri="{BB962C8B-B14F-4D97-AF65-F5344CB8AC3E}">
-        <p14:creationId xmlns:p14="http://schemas.microsoft.com/office/powerpoint/2010/main" val="1756962536"/>
+        <p14:creationId xmlns:p14="http://schemas.microsoft.com/office/powerpoint/2010/main" val="543992244"/>
       </p:ext>
     </p:extLst>
   </p:cSld>
@@ -15397,7 +17721,7 @@
         </p:nvSpPr>
         <p:spPr>
           <a:xfrm>
-            <a:off x="6657975" y="637057"/>
+            <a:off x="6641851" y="637057"/>
             <a:ext cx="1346886" cy="369332"/>
           </a:xfrm>
           <a:prstGeom prst="rect">
